--- a/docs/In Memory Data Grid Discussion.pptx
+++ b/docs/In Memory Data Grid Discussion.pptx
@@ -4,22 +4,37 @@
   <p:sldMasterIdLst>
     <p:sldMasterId id="2147483649" r:id="rId1"/>
   </p:sldMasterIdLst>
+  <p:notesMasterIdLst>
+    <p:notesMasterId r:id="rId29"/>
+  </p:notesMasterIdLst>
   <p:sldIdLst>
     <p:sldId id="256" r:id="rId2"/>
     <p:sldId id="257" r:id="rId3"/>
     <p:sldId id="258" r:id="rId4"/>
     <p:sldId id="261" r:id="rId5"/>
-    <p:sldId id="262" r:id="rId6"/>
-    <p:sldId id="266" r:id="rId7"/>
-    <p:sldId id="267" r:id="rId8"/>
-    <p:sldId id="268" r:id="rId9"/>
-    <p:sldId id="269" r:id="rId10"/>
-    <p:sldId id="270" r:id="rId11"/>
-    <p:sldId id="263" r:id="rId12"/>
-    <p:sldId id="264" r:id="rId13"/>
-    <p:sldId id="265" r:id="rId14"/>
-    <p:sldId id="259" r:id="rId15"/>
-    <p:sldId id="260" r:id="rId16"/>
+    <p:sldId id="271" r:id="rId6"/>
+    <p:sldId id="272" r:id="rId7"/>
+    <p:sldId id="273" r:id="rId8"/>
+    <p:sldId id="274" r:id="rId9"/>
+    <p:sldId id="275" r:id="rId10"/>
+    <p:sldId id="276" r:id="rId11"/>
+    <p:sldId id="277" r:id="rId12"/>
+    <p:sldId id="278" r:id="rId13"/>
+    <p:sldId id="279" r:id="rId14"/>
+    <p:sldId id="280" r:id="rId15"/>
+    <p:sldId id="281" r:id="rId16"/>
+    <p:sldId id="282" r:id="rId17"/>
+    <p:sldId id="262" r:id="rId18"/>
+    <p:sldId id="266" r:id="rId19"/>
+    <p:sldId id="267" r:id="rId20"/>
+    <p:sldId id="268" r:id="rId21"/>
+    <p:sldId id="269" r:id="rId22"/>
+    <p:sldId id="270" r:id="rId23"/>
+    <p:sldId id="263" r:id="rId24"/>
+    <p:sldId id="264" r:id="rId25"/>
+    <p:sldId id="265" r:id="rId26"/>
+    <p:sldId id="259" r:id="rId27"/>
+    <p:sldId id="260" r:id="rId28"/>
   </p:sldIdLst>
   <p:sldSz cx="9144000" cy="6858000" type="screen4x3"/>
   <p:notesSz cx="6858000" cy="9144000"/>
@@ -151,6 +166,444 @@
 </p:presentation>
 </file>
 
+<file path=ppt/notesMasters/notesMaster1.xml><?xml version="1.0" encoding="utf-8"?>
+<p:notesMaster xmlns:a="http://schemas.openxmlformats.org/drawingml/2006/main" xmlns:r="http://schemas.openxmlformats.org/officeDocument/2006/relationships" xmlns:p="http://schemas.openxmlformats.org/presentationml/2006/main">
+  <p:cSld>
+    <p:bg>
+      <p:bgRef idx="1001">
+        <a:schemeClr val="bg1"/>
+      </p:bgRef>
+    </p:bg>
+    <p:spTree>
+      <p:nvGrpSpPr>
+        <p:cNvPr id="1" name=""/>
+        <p:cNvGrpSpPr/>
+        <p:nvPr/>
+      </p:nvGrpSpPr>
+      <p:grpSpPr>
+        <a:xfrm>
+          <a:off x="0" y="0"/>
+          <a:ext cx="0" cy="0"/>
+          <a:chOff x="0" y="0"/>
+          <a:chExt cx="0" cy="0"/>
+        </a:xfrm>
+      </p:grpSpPr>
+      <p:sp>
+        <p:nvSpPr>
+          <p:cNvPr id="2" name="Header Placeholder 1"/>
+          <p:cNvSpPr>
+            <a:spLocks noGrp="1"/>
+          </p:cNvSpPr>
+          <p:nvPr>
+            <p:ph type="hdr" sz="quarter"/>
+          </p:nvPr>
+        </p:nvSpPr>
+        <p:spPr>
+          <a:xfrm>
+            <a:off x="0" y="0"/>
+            <a:ext cx="2971800" cy="457200"/>
+          </a:xfrm>
+          <a:prstGeom prst="rect">
+            <a:avLst/>
+          </a:prstGeom>
+        </p:spPr>
+        <p:txBody>
+          <a:bodyPr vert="horz" lIns="91440" tIns="45720" rIns="91440" bIns="45720" rtlCol="0"/>
+          <a:lstStyle>
+            <a:lvl1pPr algn="l">
+              <a:defRPr sz="1200"/>
+            </a:lvl1pPr>
+          </a:lstStyle>
+          <a:p>
+            <a:endParaRPr lang="en-US"/>
+          </a:p>
+        </p:txBody>
+      </p:sp>
+      <p:sp>
+        <p:nvSpPr>
+          <p:cNvPr id="3" name="Date Placeholder 2"/>
+          <p:cNvSpPr>
+            <a:spLocks noGrp="1"/>
+          </p:cNvSpPr>
+          <p:nvPr>
+            <p:ph type="dt" idx="1"/>
+          </p:nvPr>
+        </p:nvSpPr>
+        <p:spPr>
+          <a:xfrm>
+            <a:off x="3884613" y="0"/>
+            <a:ext cx="2971800" cy="457200"/>
+          </a:xfrm>
+          <a:prstGeom prst="rect">
+            <a:avLst/>
+          </a:prstGeom>
+        </p:spPr>
+        <p:txBody>
+          <a:bodyPr vert="horz" lIns="91440" tIns="45720" rIns="91440" bIns="45720" rtlCol="0"/>
+          <a:lstStyle>
+            <a:lvl1pPr algn="r">
+              <a:defRPr sz="1200"/>
+            </a:lvl1pPr>
+          </a:lstStyle>
+          <a:p>
+            <a:fld id="{90005055-3233-F141-910D-86A1AD6F4320}" type="datetimeFigureOut">
+              <a:rPr lang="en-US" smtClean="0"/>
+              <a:t>4/12/12</a:t>
+            </a:fld>
+            <a:endParaRPr lang="en-US"/>
+          </a:p>
+        </p:txBody>
+      </p:sp>
+      <p:sp>
+        <p:nvSpPr>
+          <p:cNvPr id="4" name="Slide Image Placeholder 3"/>
+          <p:cNvSpPr>
+            <a:spLocks noGrp="1" noRot="1" noChangeAspect="1"/>
+          </p:cNvSpPr>
+          <p:nvPr>
+            <p:ph type="sldImg" idx="2"/>
+          </p:nvPr>
+        </p:nvSpPr>
+        <p:spPr>
+          <a:xfrm>
+            <a:off x="1143000" y="685800"/>
+            <a:ext cx="4572000" cy="3429000"/>
+          </a:xfrm>
+          <a:prstGeom prst="rect">
+            <a:avLst/>
+          </a:prstGeom>
+          <a:noFill/>
+          <a:ln w="12700">
+            <a:solidFill>
+              <a:prstClr val="black"/>
+            </a:solidFill>
+          </a:ln>
+        </p:spPr>
+        <p:txBody>
+          <a:bodyPr vert="horz" lIns="91440" tIns="45720" rIns="91440" bIns="45720" rtlCol="0" anchor="ctr"/>
+          <a:lstStyle/>
+          <a:p>
+            <a:endParaRPr lang="en-US"/>
+          </a:p>
+        </p:txBody>
+      </p:sp>
+      <p:sp>
+        <p:nvSpPr>
+          <p:cNvPr id="5" name="Notes Placeholder 4"/>
+          <p:cNvSpPr>
+            <a:spLocks noGrp="1"/>
+          </p:cNvSpPr>
+          <p:nvPr>
+            <p:ph type="body" sz="quarter" idx="3"/>
+          </p:nvPr>
+        </p:nvSpPr>
+        <p:spPr>
+          <a:xfrm>
+            <a:off x="685800" y="4343400"/>
+            <a:ext cx="5486400" cy="4114800"/>
+          </a:xfrm>
+          <a:prstGeom prst="rect">
+            <a:avLst/>
+          </a:prstGeom>
+        </p:spPr>
+        <p:txBody>
+          <a:bodyPr vert="horz" lIns="91440" tIns="45720" rIns="91440" bIns="45720" rtlCol="0"/>
+          <a:lstStyle/>
+          <a:p>
+            <a:pPr lvl="0"/>
+            <a:r>
+              <a:rPr lang="en-US" smtClean="0"/>
+              <a:t>Click to edit Master text styles</a:t>
+            </a:r>
+          </a:p>
+          <a:p>
+            <a:pPr lvl="1"/>
+            <a:r>
+              <a:rPr lang="en-US" smtClean="0"/>
+              <a:t>Second level</a:t>
+            </a:r>
+          </a:p>
+          <a:p>
+            <a:pPr lvl="2"/>
+            <a:r>
+              <a:rPr lang="en-US" smtClean="0"/>
+              <a:t>Third level</a:t>
+            </a:r>
+          </a:p>
+          <a:p>
+            <a:pPr lvl="3"/>
+            <a:r>
+              <a:rPr lang="en-US" smtClean="0"/>
+              <a:t>Fourth level</a:t>
+            </a:r>
+          </a:p>
+          <a:p>
+            <a:pPr lvl="4"/>
+            <a:r>
+              <a:rPr lang="en-US" smtClean="0"/>
+              <a:t>Fifth level</a:t>
+            </a:r>
+            <a:endParaRPr lang="en-US"/>
+          </a:p>
+        </p:txBody>
+      </p:sp>
+      <p:sp>
+        <p:nvSpPr>
+          <p:cNvPr id="6" name="Footer Placeholder 5"/>
+          <p:cNvSpPr>
+            <a:spLocks noGrp="1"/>
+          </p:cNvSpPr>
+          <p:nvPr>
+            <p:ph type="ftr" sz="quarter" idx="4"/>
+          </p:nvPr>
+        </p:nvSpPr>
+        <p:spPr>
+          <a:xfrm>
+            <a:off x="0" y="8685213"/>
+            <a:ext cx="2971800" cy="457200"/>
+          </a:xfrm>
+          <a:prstGeom prst="rect">
+            <a:avLst/>
+          </a:prstGeom>
+        </p:spPr>
+        <p:txBody>
+          <a:bodyPr vert="horz" lIns="91440" tIns="45720" rIns="91440" bIns="45720" rtlCol="0" anchor="b"/>
+          <a:lstStyle>
+            <a:lvl1pPr algn="l">
+              <a:defRPr sz="1200"/>
+            </a:lvl1pPr>
+          </a:lstStyle>
+          <a:p>
+            <a:endParaRPr lang="en-US"/>
+          </a:p>
+        </p:txBody>
+      </p:sp>
+      <p:sp>
+        <p:nvSpPr>
+          <p:cNvPr id="7" name="Slide Number Placeholder 6"/>
+          <p:cNvSpPr>
+            <a:spLocks noGrp="1"/>
+          </p:cNvSpPr>
+          <p:nvPr>
+            <p:ph type="sldNum" sz="quarter" idx="5"/>
+          </p:nvPr>
+        </p:nvSpPr>
+        <p:spPr>
+          <a:xfrm>
+            <a:off x="3884613" y="8685213"/>
+            <a:ext cx="2971800" cy="457200"/>
+          </a:xfrm>
+          <a:prstGeom prst="rect">
+            <a:avLst/>
+          </a:prstGeom>
+        </p:spPr>
+        <p:txBody>
+          <a:bodyPr vert="horz" lIns="91440" tIns="45720" rIns="91440" bIns="45720" rtlCol="0" anchor="b"/>
+          <a:lstStyle>
+            <a:lvl1pPr algn="r">
+              <a:defRPr sz="1200"/>
+            </a:lvl1pPr>
+          </a:lstStyle>
+          <a:p>
+            <a:fld id="{86B2F57F-CC0B-BB4A-9CFE-98FA4828D439}" type="slidenum">
+              <a:rPr lang="en-US" smtClean="0"/>
+              <a:t>‹#›</a:t>
+            </a:fld>
+            <a:endParaRPr lang="en-US"/>
+          </a:p>
+        </p:txBody>
+      </p:sp>
+    </p:spTree>
+    <p:extLst>
+      <p:ext uri="{BB962C8B-B14F-4D97-AF65-F5344CB8AC3E}">
+        <p14:creationId xmlns:p14="http://schemas.microsoft.com/office/powerpoint/2010/main" val="4091397117"/>
+      </p:ext>
+    </p:extLst>
+  </p:cSld>
+  <p:clrMap bg1="lt1" tx1="dk1" bg2="lt2" tx2="dk2" accent1="accent1" accent2="accent2" accent3="accent3" accent4="accent4" accent5="accent5" accent6="accent6" hlink="hlink" folHlink="folHlink"/>
+  <p:notesStyle>
+    <a:lvl1pPr marL="0" algn="l" defTabSz="457200" rtl="0" eaLnBrk="1" latinLnBrk="0" hangingPunct="1">
+      <a:defRPr sz="1200" kern="1200">
+        <a:solidFill>
+          <a:schemeClr val="tx1"/>
+        </a:solidFill>
+        <a:latin typeface="+mn-lt"/>
+        <a:ea typeface="+mn-ea"/>
+        <a:cs typeface="+mn-cs"/>
+      </a:defRPr>
+    </a:lvl1pPr>
+    <a:lvl2pPr marL="457200" algn="l" defTabSz="457200" rtl="0" eaLnBrk="1" latinLnBrk="0" hangingPunct="1">
+      <a:defRPr sz="1200" kern="1200">
+        <a:solidFill>
+          <a:schemeClr val="tx1"/>
+        </a:solidFill>
+        <a:latin typeface="+mn-lt"/>
+        <a:ea typeface="+mn-ea"/>
+        <a:cs typeface="+mn-cs"/>
+      </a:defRPr>
+    </a:lvl2pPr>
+    <a:lvl3pPr marL="914400" algn="l" defTabSz="457200" rtl="0" eaLnBrk="1" latinLnBrk="0" hangingPunct="1">
+      <a:defRPr sz="1200" kern="1200">
+        <a:solidFill>
+          <a:schemeClr val="tx1"/>
+        </a:solidFill>
+        <a:latin typeface="+mn-lt"/>
+        <a:ea typeface="+mn-ea"/>
+        <a:cs typeface="+mn-cs"/>
+      </a:defRPr>
+    </a:lvl3pPr>
+    <a:lvl4pPr marL="1371600" algn="l" defTabSz="457200" rtl="0" eaLnBrk="1" latinLnBrk="0" hangingPunct="1">
+      <a:defRPr sz="1200" kern="1200">
+        <a:solidFill>
+          <a:schemeClr val="tx1"/>
+        </a:solidFill>
+        <a:latin typeface="+mn-lt"/>
+        <a:ea typeface="+mn-ea"/>
+        <a:cs typeface="+mn-cs"/>
+      </a:defRPr>
+    </a:lvl4pPr>
+    <a:lvl5pPr marL="1828800" algn="l" defTabSz="457200" rtl="0" eaLnBrk="1" latinLnBrk="0" hangingPunct="1">
+      <a:defRPr sz="1200" kern="1200">
+        <a:solidFill>
+          <a:schemeClr val="tx1"/>
+        </a:solidFill>
+        <a:latin typeface="+mn-lt"/>
+        <a:ea typeface="+mn-ea"/>
+        <a:cs typeface="+mn-cs"/>
+      </a:defRPr>
+    </a:lvl5pPr>
+    <a:lvl6pPr marL="2286000" algn="l" defTabSz="457200" rtl="0" eaLnBrk="1" latinLnBrk="0" hangingPunct="1">
+      <a:defRPr sz="1200" kern="1200">
+        <a:solidFill>
+          <a:schemeClr val="tx1"/>
+        </a:solidFill>
+        <a:latin typeface="+mn-lt"/>
+        <a:ea typeface="+mn-ea"/>
+        <a:cs typeface="+mn-cs"/>
+      </a:defRPr>
+    </a:lvl6pPr>
+    <a:lvl7pPr marL="2743200" algn="l" defTabSz="457200" rtl="0" eaLnBrk="1" latinLnBrk="0" hangingPunct="1">
+      <a:defRPr sz="1200" kern="1200">
+        <a:solidFill>
+          <a:schemeClr val="tx1"/>
+        </a:solidFill>
+        <a:latin typeface="+mn-lt"/>
+        <a:ea typeface="+mn-ea"/>
+        <a:cs typeface="+mn-cs"/>
+      </a:defRPr>
+    </a:lvl7pPr>
+    <a:lvl8pPr marL="3200400" algn="l" defTabSz="457200" rtl="0" eaLnBrk="1" latinLnBrk="0" hangingPunct="1">
+      <a:defRPr sz="1200" kern="1200">
+        <a:solidFill>
+          <a:schemeClr val="tx1"/>
+        </a:solidFill>
+        <a:latin typeface="+mn-lt"/>
+        <a:ea typeface="+mn-ea"/>
+        <a:cs typeface="+mn-cs"/>
+      </a:defRPr>
+    </a:lvl8pPr>
+    <a:lvl9pPr marL="3657600" algn="l" defTabSz="457200" rtl="0" eaLnBrk="1" latinLnBrk="0" hangingPunct="1">
+      <a:defRPr sz="1200" kern="1200">
+        <a:solidFill>
+          <a:schemeClr val="tx1"/>
+        </a:solidFill>
+        <a:latin typeface="+mn-lt"/>
+        <a:ea typeface="+mn-ea"/>
+        <a:cs typeface="+mn-cs"/>
+      </a:defRPr>
+    </a:lvl9pPr>
+  </p:notesStyle>
+</p:notesMaster>
+</file>
+
+<file path=ppt/notesSlides/notesSlide1.xml><?xml version="1.0" encoding="utf-8"?>
+<p:notes xmlns:a="http://schemas.openxmlformats.org/drawingml/2006/main" xmlns:r="http://schemas.openxmlformats.org/officeDocument/2006/relationships" xmlns:p="http://schemas.openxmlformats.org/presentationml/2006/main">
+  <p:cSld>
+    <p:spTree>
+      <p:nvGrpSpPr>
+        <p:cNvPr id="1" name=""/>
+        <p:cNvGrpSpPr/>
+        <p:nvPr/>
+      </p:nvGrpSpPr>
+      <p:grpSpPr>
+        <a:xfrm>
+          <a:off x="0" y="0"/>
+          <a:ext cx="0" cy="0"/>
+          <a:chOff x="0" y="0"/>
+          <a:chExt cx="0" cy="0"/>
+        </a:xfrm>
+      </p:grpSpPr>
+      <p:sp>
+        <p:nvSpPr>
+          <p:cNvPr id="2" name="Slide Image Placeholder 1"/>
+          <p:cNvSpPr>
+            <a:spLocks noGrp="1" noRot="1" noChangeAspect="1"/>
+          </p:cNvSpPr>
+          <p:nvPr>
+            <p:ph type="sldImg"/>
+          </p:nvPr>
+        </p:nvSpPr>
+        <p:spPr/>
+      </p:sp>
+      <p:sp>
+        <p:nvSpPr>
+          <p:cNvPr id="3" name="Notes Placeholder 2"/>
+          <p:cNvSpPr>
+            <a:spLocks noGrp="1"/>
+          </p:cNvSpPr>
+          <p:nvPr>
+            <p:ph type="body" idx="1"/>
+          </p:nvPr>
+        </p:nvSpPr>
+        <p:spPr/>
+        <p:txBody>
+          <a:bodyPr/>
+          <a:lstStyle/>
+          <a:p>
+            <a:r>
+              <a:rPr lang="en-US" dirty="0" smtClean="0"/>
+              <a:t>Immutable Objects!</a:t>
+            </a:r>
+            <a:endParaRPr lang="en-US" dirty="0"/>
+          </a:p>
+        </p:txBody>
+      </p:sp>
+      <p:sp>
+        <p:nvSpPr>
+          <p:cNvPr id="4" name="Slide Number Placeholder 3"/>
+          <p:cNvSpPr>
+            <a:spLocks noGrp="1"/>
+          </p:cNvSpPr>
+          <p:nvPr>
+            <p:ph type="sldNum" sz="quarter" idx="10"/>
+          </p:nvPr>
+        </p:nvSpPr>
+        <p:spPr/>
+        <p:txBody>
+          <a:bodyPr/>
+          <a:lstStyle/>
+          <a:p>
+            <a:fld id="{0721F065-3AC6-EA48-AA98-74AB5687ACC3}" type="slidenum">
+              <a:rPr lang="en-US" smtClean="0"/>
+              <a:t>5</a:t>
+            </a:fld>
+            <a:endParaRPr lang="en-US"/>
+          </a:p>
+        </p:txBody>
+      </p:sp>
+    </p:spTree>
+    <p:extLst>
+      <p:ext uri="{BB962C8B-B14F-4D97-AF65-F5344CB8AC3E}">
+        <p14:creationId xmlns:p14="http://schemas.microsoft.com/office/powerpoint/2010/main" val="3658990583"/>
+      </p:ext>
+    </p:extLst>
+  </p:cSld>
+  <p:clrMapOvr>
+    <a:masterClrMapping/>
+  </p:clrMapOvr>
+</p:notes>
+</file>
+
 <file path=ppt/slideLayouts/slideLayout1.xml><?xml version="1.0" encoding="utf-8"?>
 <p:sldLayout xmlns:a="http://schemas.openxmlformats.org/drawingml/2006/main" xmlns:r="http://schemas.openxmlformats.org/officeDocument/2006/relationships" xmlns:p="http://schemas.openxmlformats.org/presentationml/2006/main" showMasterSp="0" type="title" preserve="1">
   <p:cSld name="Title Slide">
@@ -413,7 +866,7 @@
   <p:clrMapOvr>
     <a:masterClrMapping/>
   </p:clrMapOvr>
-  <p:transition>
+  <p:transition xmlns:p14="http://schemas.microsoft.com/office/powerpoint/2010/main">
     <p:wipe dir="r"/>
   </p:transition>
 </p:sldLayout>
@@ -582,7 +1035,7 @@
   <p:clrMapOvr>
     <a:masterClrMapping/>
   </p:clrMapOvr>
-  <p:transition>
+  <p:transition xmlns:p14="http://schemas.microsoft.com/office/powerpoint/2010/main">
     <p:wipe dir="r"/>
   </p:transition>
 </p:sldLayout>
@@ -761,7 +1214,7 @@
   <p:clrMapOvr>
     <a:masterClrMapping/>
   </p:clrMapOvr>
-  <p:transition>
+  <p:transition xmlns:p14="http://schemas.microsoft.com/office/powerpoint/2010/main">
     <p:wipe dir="r"/>
   </p:transition>
 </p:sldLayout>
@@ -930,7 +1383,7 @@
   <p:clrMapOvr>
     <a:masterClrMapping/>
   </p:clrMapOvr>
-  <p:transition>
+  <p:transition xmlns:p14="http://schemas.microsoft.com/office/powerpoint/2010/main">
     <p:wipe dir="r"/>
   </p:transition>
 </p:sldLayout>
@@ -1121,7 +1574,7 @@
   <p:clrMapOvr>
     <a:masterClrMapping/>
   </p:clrMapOvr>
-  <p:transition>
+  <p:transition xmlns:p14="http://schemas.microsoft.com/office/powerpoint/2010/main">
     <p:wipe dir="r"/>
   </p:transition>
 </p:sldLayout>
@@ -1408,7 +1861,7 @@
   <p:clrMapOvr>
     <a:masterClrMapping/>
   </p:clrMapOvr>
-  <p:transition>
+  <p:transition xmlns:p14="http://schemas.microsoft.com/office/powerpoint/2010/main">
     <p:wipe dir="r"/>
   </p:transition>
 </p:sldLayout>
@@ -1834,7 +2287,7 @@
   <p:clrMapOvr>
     <a:masterClrMapping/>
   </p:clrMapOvr>
-  <p:transition>
+  <p:transition xmlns:p14="http://schemas.microsoft.com/office/powerpoint/2010/main">
     <p:wipe dir="r"/>
   </p:transition>
 </p:sldLayout>
@@ -1951,7 +2404,7 @@
   <p:clrMapOvr>
     <a:masterClrMapping/>
   </p:clrMapOvr>
-  <p:transition>
+  <p:transition xmlns:p14="http://schemas.microsoft.com/office/powerpoint/2010/main">
     <p:wipe dir="r"/>
   </p:transition>
 </p:sldLayout>
@@ -2045,7 +2498,7 @@
   <p:clrMapOvr>
     <a:masterClrMapping/>
   </p:clrMapOvr>
-  <p:transition>
+  <p:transition xmlns:p14="http://schemas.microsoft.com/office/powerpoint/2010/main">
     <p:wipe dir="r"/>
   </p:transition>
 </p:sldLayout>
@@ -2321,7 +2774,7 @@
   <p:clrMapOvr>
     <a:masterClrMapping/>
   </p:clrMapOvr>
-  <p:transition>
+  <p:transition xmlns:p14="http://schemas.microsoft.com/office/powerpoint/2010/main">
     <p:wipe dir="r"/>
   </p:transition>
 </p:sldLayout>
@@ -2574,7 +3027,7 @@
   <p:clrMapOvr>
     <a:masterClrMapping/>
   </p:clrMapOvr>
-  <p:transition>
+  <p:transition xmlns:p14="http://schemas.microsoft.com/office/powerpoint/2010/main">
     <p:wipe dir="r"/>
   </p:transition>
 </p:sldLayout>
@@ -2924,13 +3377,13 @@
     <p:sldLayoutId id="2147483670" r:id="rId10"/>
     <p:sldLayoutId id="2147483671" r:id="rId11"/>
   </p:sldLayoutIdLst>
-  <p:transition>
+  <p:transition xmlns:p14="http://schemas.microsoft.com/office/powerpoint/2010/main">
     <p:wipe dir="r"/>
   </p:transition>
   <p:timing>
     <p:tnLst>
       <p:par>
-        <p:cTn id="1" dur="indefinite" restart="never" nodeType="tmRoot"/>
+        <p:cTn xmlns:p14="http://schemas.microsoft.com/office/powerpoint/2010/main" id="1" dur="indefinite" restart="never" nodeType="tmRoot"/>
       </p:par>
     </p:tnLst>
   </p:timing>
@@ -3404,7 +3857,6 @@
               <a:rPr lang="en-US" dirty="0" smtClean="0"/>
               <a:t>Actor Concurrency Model</a:t>
             </a:r>
-            <a:endParaRPr lang="en-US" dirty="0" smtClean="0"/>
           </a:p>
         </p:txBody>
       </p:sp>
@@ -3430,7 +3882,6 @@
               <a:rPr lang="en-US" dirty="0" smtClean="0"/>
               <a:t>GEDex Day (Nov 12)</a:t>
             </a:r>
-            <a:endParaRPr lang="en-US" dirty="0" smtClean="0"/>
           </a:p>
         </p:txBody>
       </p:sp>
@@ -3489,13 +3940,13 @@
   <p:clrMapOvr>
     <a:masterClrMapping/>
   </p:clrMapOvr>
-  <p:transition>
+  <p:transition xmlns:p14="http://schemas.microsoft.com/office/powerpoint/2010/main">
     <p:wipe dir="r"/>
   </p:transition>
   <p:timing>
     <p:tnLst>
       <p:par>
-        <p:cTn id="1" dur="indefinite" restart="never" nodeType="tmRoot"/>
+        <p:cTn xmlns:p14="http://schemas.microsoft.com/office/powerpoint/2010/main" id="1" dur="indefinite" restart="never" nodeType="tmRoot"/>
       </p:par>
     </p:tnLst>
   </p:timing>
@@ -3521,7 +3972,7 @@
       </p:grpSpPr>
       <p:sp>
         <p:nvSpPr>
-          <p:cNvPr id="7170" name="Rectangle 2"/>
+          <p:cNvPr id="9218" name="Rectangle 2"/>
           <p:cNvSpPr>
             <a:spLocks noGrp="1" noChangeArrowheads="1"/>
           </p:cNvSpPr>
@@ -3536,22 +3987,21 @@
           <a:p>
             <a:r>
               <a:rPr lang="en-US" dirty="0" smtClean="0"/>
-              <a:t>Design Pre-requisite</a:t>
-            </a:r>
-            <a:endParaRPr lang="en-US" dirty="0" smtClean="0"/>
-          </a:p>
-        </p:txBody>
-      </p:sp>
-      <p:sp>
-        <p:nvSpPr>
-          <p:cNvPr id="3" name="TextBox 2"/>
+              <a:t>Scenarios</a:t>
+            </a:r>
+          </a:p>
+        </p:txBody>
+      </p:sp>
+      <p:sp>
+        <p:nvSpPr>
+          <p:cNvPr id="6" name="TextBox 5"/>
           <p:cNvSpPr txBox="1"/>
           <p:nvPr/>
         </p:nvSpPr>
         <p:spPr>
           <a:xfrm>
-            <a:off x="609600" y="1295400"/>
-            <a:ext cx="8077200" cy="2169825"/>
+            <a:off x="685800" y="1524000"/>
+            <a:ext cx="7696200" cy="1754327"/>
           </a:xfrm>
           <a:prstGeom prst="rect">
             <a:avLst/>
@@ -3559,7 +4009,7 @@
           <a:noFill/>
         </p:spPr>
         <p:txBody>
-          <a:bodyPr wrap="square" rtlCol="0">
+          <a:bodyPr wrap="square">
             <a:spAutoFit/>
           </a:bodyPr>
           <a:lstStyle/>
@@ -3567,135 +4017,72 @@
             <a:pPr>
               <a:buFont typeface="Arial" pitchFamily="34" charset="0"/>
               <a:buChar char="•"/>
-            </a:pPr>
-            <a:r>
-              <a:rPr lang="en-US" dirty="0"/>
-              <a:t> </a:t>
-            </a:r>
-            <a:r>
-              <a:rPr lang="en-US" dirty="0" smtClean="0"/>
-              <a:t>Immutable messaging</a:t>
+              <a:defRPr/>
+            </a:pPr>
+            <a:r>
+              <a:rPr lang="en-US" sz="2400" dirty="0" smtClean="0">
+                <a:solidFill>
+                  <a:schemeClr val="bg2">
+                    <a:lumMod val="75000"/>
+                  </a:schemeClr>
+                </a:solidFill>
+              </a:rPr>
+              <a:t> Computational intensive – Monte Carlo Simulation for Option TV </a:t>
             </a:r>
           </a:p>
           <a:p>
             <a:pPr>
               <a:buFont typeface="Arial" pitchFamily="34" charset="0"/>
               <a:buChar char="•"/>
-            </a:pPr>
-            <a:r>
-              <a:rPr lang="en-US" dirty="0"/>
-              <a:t> </a:t>
-            </a:r>
-            <a:r>
-              <a:rPr lang="en-US" dirty="0" smtClean="0"/>
-              <a:t>Remote to local with optimization instead of local to remote generalization (</a:t>
-            </a:r>
-            <a:r>
-              <a:rPr lang="en-US" dirty="0" smtClean="0">
-                <a:hlinkClick r:id="rId2"/>
-              </a:rPr>
-              <a:t>http://labs.oracle.com/techrep/1994/smli_tr-94-29.pdf</a:t>
-            </a:r>
-            <a:r>
-              <a:rPr lang="en-US" dirty="0" smtClean="0"/>
-              <a:t>); hence no remote/local distinction and most are driven by configuration</a:t>
-            </a:r>
-          </a:p>
-          <a:p>
-            <a:pPr>
-              <a:buFont typeface="Arial" pitchFamily="34" charset="0"/>
-              <a:buChar char="•"/>
-            </a:pPr>
-            <a:r>
-              <a:rPr lang="en-US" dirty="0"/>
-              <a:t> </a:t>
-            </a:r>
-            <a:r>
-              <a:rPr lang="en-US" dirty="0" smtClean="0"/>
-              <a:t>Messages must be serializable including the setup in Prop</a:t>
-            </a:r>
-          </a:p>
-          <a:p>
-            <a:pPr>
-              <a:buFont typeface="Arial" pitchFamily="34" charset="0"/>
-              <a:buChar char="•"/>
-            </a:pPr>
-            <a:r>
-              <a:rPr lang="en-US" dirty="0"/>
-              <a:t> </a:t>
-            </a:r>
-            <a:r>
-              <a:rPr lang="en-US" dirty="0" smtClean="0"/>
-              <a:t>Async and data lost</a:t>
-            </a:r>
-          </a:p>
-          <a:p>
-            <a:pPr>
-              <a:buFont typeface="Arial" pitchFamily="34" charset="0"/>
-              <a:buChar char="•"/>
-            </a:pPr>
-            <a:r>
-              <a:rPr lang="en-US" dirty="0"/>
-              <a:t> </a:t>
-            </a:r>
-            <a:r>
-              <a:rPr lang="en-US" dirty="0" smtClean="0"/>
-              <a:t>Don’t expect the same thread will process two different messages</a:t>
-            </a:r>
-            <a:endParaRPr lang="en-US" dirty="0"/>
-          </a:p>
-        </p:txBody>
-      </p:sp>
-      <p:sp>
-        <p:nvSpPr>
-          <p:cNvPr id="4" name="TextBox 3"/>
-          <p:cNvSpPr txBox="1"/>
-          <p:nvPr/>
-        </p:nvSpPr>
-        <p:spPr>
-          <a:xfrm>
-            <a:off x="5334000" y="6019800"/>
-            <a:ext cx="2959465" cy="323165"/>
-          </a:xfrm>
-          <a:prstGeom prst="rect">
-            <a:avLst/>
-          </a:prstGeom>
-          <a:noFill/>
-        </p:spPr>
-        <p:txBody>
-          <a:bodyPr wrap="none" rtlCol="0">
-            <a:spAutoFit/>
-          </a:bodyPr>
-          <a:lstStyle/>
-          <a:p>
-            <a:r>
-              <a:rPr lang="en-US" dirty="0" smtClean="0">
+              <a:defRPr/>
+            </a:pPr>
+            <a:r>
+              <a:rPr lang="en-US" sz="2400" dirty="0">
                 <a:solidFill>
-                  <a:srgbClr val="FF0000"/>
+                  <a:schemeClr val="bg2">
+                    <a:lumMod val="75000"/>
+                  </a:schemeClr>
                 </a:solidFill>
               </a:rPr>
-              <a:t>Simply and internalize the words</a:t>
-            </a:r>
-            <a:endParaRPr lang="en-US" dirty="0">
+              <a:t> </a:t>
+            </a:r>
+            <a:r>
+              <a:rPr lang="en-US" sz="2400" dirty="0" smtClean="0">
+                <a:solidFill>
+                  <a:schemeClr val="bg2">
+                    <a:lumMod val="75000"/>
+                  </a:schemeClr>
+                </a:solidFill>
+              </a:rPr>
+              <a:t>I/O Intensive – Calculate the portfolio value with fetching price from Yahoo</a:t>
+            </a:r>
+            <a:endParaRPr lang="en-US" sz="2400" dirty="0">
               <a:solidFill>
-                <a:srgbClr val="FF0000"/>
+                <a:schemeClr val="bg2">
+                  <a:lumMod val="75000"/>
+                </a:schemeClr>
               </a:solidFill>
             </a:endParaRPr>
           </a:p>
         </p:txBody>
       </p:sp>
     </p:spTree>
+    <p:extLst>
+      <p:ext uri="{BB962C8B-B14F-4D97-AF65-F5344CB8AC3E}">
+        <p14:creationId xmlns:p14="http://schemas.microsoft.com/office/powerpoint/2010/main" val="2198829583"/>
+      </p:ext>
+    </p:extLst>
   </p:cSld>
   <p:clrMapOvr>
     <a:masterClrMapping/>
   </p:clrMapOvr>
-  <p:transition>
+  <p:transition xmlns:p14="http://schemas.microsoft.com/office/powerpoint/2010/main">
     <p:wipe dir="r"/>
   </p:transition>
   <p:timing>
     <p:tnLst>
       <p:par>
-        <p:cTn id="1" dur="indefinite" restart="never" nodeType="tmRoot"/>
+        <p:cTn xmlns:p14="http://schemas.microsoft.com/office/powerpoint/2010/main" id="1" dur="indefinite" restart="never" nodeType="tmRoot"/>
       </p:par>
     </p:tnLst>
   </p:timing>
@@ -3721,7 +4108,7 @@
       </p:grpSpPr>
       <p:sp>
         <p:nvSpPr>
-          <p:cNvPr id="8194" name="Rectangle 2"/>
+          <p:cNvPr id="9218" name="Rectangle 2"/>
           <p:cNvSpPr>
             <a:spLocks noGrp="1" noChangeArrowheads="1"/>
           </p:cNvSpPr>
@@ -3736,33 +4123,8 @@
           <a:p>
             <a:r>
               <a:rPr lang="en-US" dirty="0" smtClean="0"/>
-              <a:t>Akka</a:t>
-            </a:r>
-            <a:r>
-              <a:rPr lang="en-US" dirty="0" smtClean="0"/>
-              <a:t> </a:t>
-            </a:r>
-            <a:r>
-              <a:rPr lang="en-US" dirty="0" smtClean="0"/>
-              <a:t>– </a:t>
-            </a:r>
-            <a:r>
-              <a:rPr lang="en-US" dirty="0" smtClean="0"/>
-              <a:t>T</a:t>
-            </a:r>
-            <a:r>
-              <a:rPr lang="en-US" dirty="0" smtClean="0"/>
-              <a:t>he Good, the Bad and the </a:t>
-            </a:r>
-            <a:r>
-              <a:rPr lang="en-US" dirty="0" smtClean="0"/>
-              <a:t>U</a:t>
-            </a:r>
-            <a:r>
-              <a:rPr lang="en-US" dirty="0" smtClean="0"/>
-              <a:t>gly</a:t>
-            </a:r>
-            <a:endParaRPr lang="en-US" dirty="0" smtClean="0"/>
+              <a:t>Scenarios</a:t>
+            </a:r>
           </a:p>
         </p:txBody>
       </p:sp>
@@ -3775,7 +4137,7 @@
         <p:spPr>
           <a:xfrm>
             <a:off x="685800" y="1524000"/>
-            <a:ext cx="1905000" cy="1569660"/>
+            <a:ext cx="7696200" cy="2677656"/>
           </a:xfrm>
           <a:prstGeom prst="rect">
             <a:avLst/>
@@ -3783,12 +4145,14 @@
           <a:noFill/>
         </p:spPr>
         <p:txBody>
-          <a:bodyPr>
+          <a:bodyPr wrap="square">
             <a:spAutoFit/>
           </a:bodyPr>
           <a:lstStyle/>
           <a:p>
             <a:pPr>
+              <a:buFont typeface="Arial" pitchFamily="34" charset="0"/>
+              <a:buChar char="•"/>
               <a:defRPr/>
             </a:pPr>
             <a:r>
@@ -3799,7 +4163,68 @@
                   </a:schemeClr>
                 </a:solidFill>
               </a:rPr>
-              <a:t>Mature, good documentation</a:t>
+              <a:t> I/O Intensive </a:t>
+            </a:r>
+          </a:p>
+          <a:p>
+            <a:pPr>
+              <a:buFont typeface="Arial" pitchFamily="34" charset="0"/>
+              <a:buChar char="•"/>
+              <a:defRPr/>
+            </a:pPr>
+            <a:r>
+              <a:rPr lang="en-US" sz="2400" dirty="0">
+                <a:solidFill>
+                  <a:schemeClr val="bg2">
+                    <a:lumMod val="75000"/>
+                  </a:schemeClr>
+                </a:solidFill>
+              </a:rPr>
+              <a:t> </a:t>
+            </a:r>
+            <a:r>
+              <a:rPr lang="en-US" sz="2400" dirty="0" smtClean="0">
+                <a:solidFill>
+                  <a:schemeClr val="bg2">
+                    <a:lumMod val="75000"/>
+                  </a:schemeClr>
+                </a:solidFill>
+              </a:rPr>
+              <a:t>A portfolio  </a:t>
+            </a:r>
+          </a:p>
+          <a:p>
+            <a:pPr lvl="1">
+              <a:buFont typeface="Arial" pitchFamily="34" charset="0"/>
+              <a:buChar char="•"/>
+              <a:defRPr/>
+            </a:pPr>
+            <a:r>
+              <a:rPr lang="en-US" sz="2400" dirty="0" smtClean="0">
+                <a:solidFill>
+                  <a:schemeClr val="bg2">
+                    <a:lumMod val="75000"/>
+                  </a:schemeClr>
+                </a:solidFill>
+              </a:rPr>
+              <a:t> 40 stocks with different shares</a:t>
+            </a:r>
+          </a:p>
+          <a:p>
+            <a:pPr lvl="1">
+              <a:buFont typeface="Arial" pitchFamily="34" charset="0"/>
+              <a:buChar char="•"/>
+              <a:defRPr/>
+            </a:pPr>
+            <a:r>
+              <a:rPr lang="en-US" sz="2400" dirty="0" smtClean="0">
+                <a:solidFill>
+                  <a:schemeClr val="bg2">
+                    <a:lumMod val="75000"/>
+                  </a:schemeClr>
+                </a:solidFill>
+              </a:rPr>
+              <a:t> Get the price from Yahoo! </a:t>
             </a:r>
             <a:endParaRPr lang="en-US" sz="2400" dirty="0">
               <a:solidFill>
@@ -3809,31 +4234,10 @@
               </a:solidFill>
             </a:endParaRPr>
           </a:p>
-        </p:txBody>
-      </p:sp>
-      <p:sp>
-        <p:nvSpPr>
-          <p:cNvPr id="5" name="TextBox 4"/>
-          <p:cNvSpPr txBox="1"/>
-          <p:nvPr/>
-        </p:nvSpPr>
-        <p:spPr>
-          <a:xfrm>
-            <a:off x="2895600" y="1600200"/>
-            <a:ext cx="1905000" cy="1938992"/>
-          </a:xfrm>
-          <a:prstGeom prst="rect">
-            <a:avLst/>
-          </a:prstGeom>
-          <a:noFill/>
-        </p:spPr>
-        <p:txBody>
-          <a:bodyPr>
-            <a:spAutoFit/>
-          </a:bodyPr>
-          <a:lstStyle/>
-          <a:p>
-            <a:pPr>
+          <a:p>
+            <a:pPr lvl="1">
+              <a:buFont typeface="Arial" pitchFamily="34" charset="0"/>
+              <a:buChar char="•"/>
               <a:defRPr/>
             </a:pPr>
             <a:r>
@@ -3844,7 +4248,7 @@
                   </a:schemeClr>
                 </a:solidFill>
               </a:rPr>
-              <a:t>Not really design for Java as a fundamental lang in mind</a:t>
+              <a:t> Calculate the total value </a:t>
             </a:r>
             <a:endParaRPr lang="en-US" sz="2400" dirty="0">
               <a:solidFill>
@@ -3856,88 +4260,23 @@
           </a:p>
         </p:txBody>
       </p:sp>
-      <p:sp>
-        <p:nvSpPr>
-          <p:cNvPr id="7" name="TextBox 6"/>
-          <p:cNvSpPr txBox="1"/>
-          <p:nvPr/>
-        </p:nvSpPr>
-        <p:spPr>
-          <a:xfrm>
-            <a:off x="6096000" y="1447800"/>
-            <a:ext cx="1905000" cy="3231654"/>
-          </a:xfrm>
-          <a:prstGeom prst="rect">
-            <a:avLst/>
-          </a:prstGeom>
-          <a:noFill/>
-        </p:spPr>
-        <p:txBody>
-          <a:bodyPr>
-            <a:spAutoFit/>
-          </a:bodyPr>
-          <a:lstStyle/>
-          <a:p>
-            <a:pPr>
-              <a:defRPr/>
-            </a:pPr>
-            <a:r>
-              <a:rPr lang="en-US" sz="2400" dirty="0" smtClean="0">
-                <a:solidFill>
-                  <a:schemeClr val="bg2">
-                    <a:lumMod val="75000"/>
-                  </a:schemeClr>
-                </a:solidFill>
-              </a:rPr>
-              <a:t>Paddling </a:t>
-            </a:r>
-            <a:r>
-              <a:rPr lang="en-US" sz="2400" dirty="0">
-                <a:solidFill>
-                  <a:schemeClr val="bg2">
-                    <a:lumMod val="75000"/>
-                  </a:schemeClr>
-                </a:solidFill>
-              </a:rPr>
-              <a:t>their ware such as installing their whole stack</a:t>
-            </a:r>
-          </a:p>
-          <a:p>
-            <a:pPr>
-              <a:defRPr/>
-            </a:pPr>
-            <a:r>
-              <a:rPr lang="en-US" sz="2400" dirty="0" smtClean="0">
-                <a:solidFill>
-                  <a:schemeClr val="bg2">
-                    <a:lumMod val="75000"/>
-                  </a:schemeClr>
-                </a:solidFill>
-              </a:rPr>
-              <a:t>Clumsy tutorial</a:t>
-            </a:r>
-            <a:endParaRPr lang="en-US" sz="2400" dirty="0">
-              <a:solidFill>
-                <a:schemeClr val="bg2">
-                  <a:lumMod val="75000"/>
-                </a:schemeClr>
-              </a:solidFill>
-            </a:endParaRPr>
-          </a:p>
-        </p:txBody>
-      </p:sp>
     </p:spTree>
+    <p:extLst>
+      <p:ext uri="{BB962C8B-B14F-4D97-AF65-F5344CB8AC3E}">
+        <p14:creationId xmlns:p14="http://schemas.microsoft.com/office/powerpoint/2010/main" val="1487157876"/>
+      </p:ext>
+    </p:extLst>
   </p:cSld>
   <p:clrMapOvr>
     <a:masterClrMapping/>
   </p:clrMapOvr>
-  <p:transition>
+  <p:transition xmlns:p14="http://schemas.microsoft.com/office/powerpoint/2010/main">
     <p:wipe dir="r"/>
   </p:transition>
   <p:timing>
     <p:tnLst>
       <p:par>
-        <p:cTn id="1" dur="indefinite" restart="never" nodeType="tmRoot"/>
+        <p:cTn xmlns:p14="http://schemas.microsoft.com/office/powerpoint/2010/main" id="1" dur="indefinite" restart="never" nodeType="tmRoot"/>
       </p:par>
     </p:tnLst>
   </p:timing>
@@ -3980,20 +4319,301 @@
               <a:rPr lang="en-US" dirty="0" smtClean="0"/>
               <a:t>Scenarios</a:t>
             </a:r>
-            <a:endParaRPr lang="en-US" dirty="0" smtClean="0"/>
-          </a:p>
-        </p:txBody>
-      </p:sp>
-      <p:sp>
-        <p:nvSpPr>
-          <p:cNvPr id="6" name="TextBox 5"/>
+          </a:p>
+        </p:txBody>
+      </p:sp>
+      <p:grpSp>
+        <p:nvGrpSpPr>
+          <p:cNvPr id="9222" name="Group 9221"/>
+          <p:cNvGrpSpPr/>
+          <p:nvPr/>
+        </p:nvGrpSpPr>
+        <p:grpSpPr>
+          <a:xfrm>
+            <a:off x="2133600" y="2895600"/>
+            <a:ext cx="1524000" cy="1371600"/>
+            <a:chOff x="2133600" y="2743200"/>
+            <a:chExt cx="1524000" cy="1371600"/>
+          </a:xfrm>
+        </p:grpSpPr>
+        <p:sp>
+          <p:nvSpPr>
+            <p:cNvPr id="2" name="Oval 1"/>
+            <p:cNvSpPr/>
+            <p:nvPr/>
+          </p:nvSpPr>
+          <p:spPr bwMode="auto">
+            <a:xfrm>
+              <a:off x="2133600" y="2743200"/>
+              <a:ext cx="1524000" cy="1371600"/>
+            </a:xfrm>
+            <a:prstGeom prst="ellipse">
+              <a:avLst/>
+            </a:prstGeom>
+            <a:noFill/>
+            <a:ln w="19050" cap="flat" cmpd="sng" algn="ctr">
+              <a:solidFill>
+                <a:srgbClr val="969696"/>
+              </a:solidFill>
+              <a:prstDash val="solid"/>
+              <a:round/>
+              <a:headEnd type="none" w="med" len="med"/>
+              <a:tailEnd type="none" w="med" len="med"/>
+            </a:ln>
+            <a:effectLst/>
+          </p:spPr>
+          <p:txBody>
+            <a:bodyPr vert="horz" wrap="square" lIns="0" tIns="0" rIns="0" bIns="0" numCol="1" rtlCol="0" anchor="t" anchorCtr="0" compatLnSpc="1">
+              <a:prstTxWarp prst="textNoShape">
+                <a:avLst/>
+              </a:prstTxWarp>
+            </a:bodyPr>
+            <a:lstStyle/>
+            <a:p>
+              <a:pPr marL="0" marR="0" indent="0" algn="l" defTabSz="831850" rtl="0" eaLnBrk="0" fontAlgn="base" latinLnBrk="0" hangingPunct="0">
+                <a:lnSpc>
+                  <a:spcPct val="100000"/>
+                </a:lnSpc>
+                <a:spcBef>
+                  <a:spcPct val="50000"/>
+                </a:spcBef>
+                <a:spcAft>
+                  <a:spcPct val="0"/>
+                </a:spcAft>
+                <a:buClrTx/>
+                <a:buSzTx/>
+                <a:buFontTx/>
+                <a:buNone/>
+                <a:tabLst/>
+              </a:pPr>
+              <a:endParaRPr kumimoji="0" lang="en-US" sz="1500" b="0" i="0" u="none" strike="noStrike" cap="none" normalizeH="0" baseline="0" smtClean="0">
+                <a:ln>
+                  <a:noFill/>
+                </a:ln>
+                <a:solidFill>
+                  <a:schemeClr val="tx1"/>
+                </a:solidFill>
+                <a:effectLst/>
+                <a:latin typeface="Frutiger 55 Roman" pitchFamily="34" charset="0"/>
+                <a:cs typeface="Arial" charset="0"/>
+              </a:endParaRPr>
+            </a:p>
+          </p:txBody>
+        </p:sp>
+        <p:sp>
+          <p:nvSpPr>
+            <p:cNvPr id="3" name="TextBox 2"/>
+            <p:cNvSpPr txBox="1"/>
+            <p:nvPr/>
+          </p:nvSpPr>
+          <p:spPr>
+            <a:xfrm>
+              <a:off x="2362200" y="3276600"/>
+              <a:ext cx="1095172" cy="323165"/>
+            </a:xfrm>
+            <a:prstGeom prst="rect">
+              <a:avLst/>
+            </a:prstGeom>
+            <a:noFill/>
+          </p:spPr>
+          <p:txBody>
+            <a:bodyPr wrap="none" rtlCol="0">
+              <a:spAutoFit/>
+            </a:bodyPr>
+            <a:lstStyle/>
+            <a:p>
+              <a:r>
+                <a:rPr lang="en-US" dirty="0" smtClean="0"/>
+                <a:t>Main Actor</a:t>
+              </a:r>
+              <a:endParaRPr lang="en-US" dirty="0"/>
+            </a:p>
+          </p:txBody>
+        </p:sp>
+      </p:grpSp>
+      <p:grpSp>
+        <p:nvGrpSpPr>
+          <p:cNvPr id="9233" name="Group 9232"/>
+          <p:cNvGrpSpPr/>
+          <p:nvPr/>
+        </p:nvGrpSpPr>
+        <p:grpSpPr>
+          <a:xfrm>
+            <a:off x="228600" y="3200400"/>
+            <a:ext cx="1600200" cy="609600"/>
+            <a:chOff x="228600" y="3200400"/>
+            <a:chExt cx="1600200" cy="609600"/>
+          </a:xfrm>
+        </p:grpSpPr>
+        <p:sp>
+          <p:nvSpPr>
+            <p:cNvPr id="4" name="Right Arrow 3"/>
+            <p:cNvSpPr/>
+            <p:nvPr/>
+          </p:nvSpPr>
+          <p:spPr bwMode="auto">
+            <a:xfrm>
+              <a:off x="228600" y="3200400"/>
+              <a:ext cx="1600200" cy="609600"/>
+            </a:xfrm>
+            <a:prstGeom prst="rightArrow">
+              <a:avLst/>
+            </a:prstGeom>
+            <a:noFill/>
+            <a:ln w="19050" cap="flat" cmpd="sng" algn="ctr">
+              <a:solidFill>
+                <a:srgbClr val="969696"/>
+              </a:solidFill>
+              <a:prstDash val="solid"/>
+              <a:round/>
+              <a:headEnd type="none" w="med" len="med"/>
+              <a:tailEnd type="none" w="med" len="med"/>
+            </a:ln>
+            <a:effectLst/>
+          </p:spPr>
+          <p:txBody>
+            <a:bodyPr vert="horz" wrap="square" lIns="0" tIns="0" rIns="0" bIns="0" numCol="1" rtlCol="0" anchor="t" anchorCtr="0" compatLnSpc="1">
+              <a:prstTxWarp prst="textNoShape">
+                <a:avLst/>
+              </a:prstTxWarp>
+            </a:bodyPr>
+            <a:lstStyle/>
+            <a:p>
+              <a:pPr marL="0" marR="0" indent="0" algn="l" defTabSz="831850" rtl="0" eaLnBrk="0" fontAlgn="base" latinLnBrk="0" hangingPunct="0">
+                <a:lnSpc>
+                  <a:spcPct val="100000"/>
+                </a:lnSpc>
+                <a:spcBef>
+                  <a:spcPct val="50000"/>
+                </a:spcBef>
+                <a:spcAft>
+                  <a:spcPct val="0"/>
+                </a:spcAft>
+                <a:buClrTx/>
+                <a:buSzTx/>
+                <a:buFontTx/>
+                <a:buNone/>
+                <a:tabLst/>
+              </a:pPr>
+              <a:endParaRPr kumimoji="0" lang="en-US" sz="1500" b="0" i="0" u="none" strike="noStrike" cap="none" normalizeH="0" baseline="0" smtClean="0">
+                <a:ln>
+                  <a:noFill/>
+                </a:ln>
+                <a:solidFill>
+                  <a:schemeClr val="tx1"/>
+                </a:solidFill>
+                <a:effectLst/>
+                <a:latin typeface="Frutiger 55 Roman" pitchFamily="34" charset="0"/>
+                <a:cs typeface="Arial" charset="0"/>
+              </a:endParaRPr>
+            </a:p>
+          </p:txBody>
+        </p:sp>
+        <p:sp>
+          <p:nvSpPr>
+            <p:cNvPr id="5" name="TextBox 4"/>
+            <p:cNvSpPr txBox="1"/>
+            <p:nvPr/>
+          </p:nvSpPr>
+          <p:spPr>
+            <a:xfrm>
+              <a:off x="533400" y="3352800"/>
+              <a:ext cx="729812" cy="323165"/>
+            </a:xfrm>
+            <a:prstGeom prst="rect">
+              <a:avLst/>
+            </a:prstGeom>
+            <a:noFill/>
+          </p:spPr>
+          <p:txBody>
+            <a:bodyPr wrap="none" rtlCol="0">
+              <a:spAutoFit/>
+            </a:bodyPr>
+            <a:lstStyle/>
+            <a:p>
+              <a:r>
+                <a:rPr lang="en-US" dirty="0" smtClean="0"/>
+                <a:t>stocks</a:t>
+              </a:r>
+              <a:endParaRPr lang="en-US" dirty="0"/>
+            </a:p>
+          </p:txBody>
+        </p:sp>
+      </p:grpSp>
+      <p:sp>
+        <p:nvSpPr>
+          <p:cNvPr id="7" name="Oval 6"/>
+          <p:cNvSpPr/>
+          <p:nvPr/>
+        </p:nvSpPr>
+        <p:spPr bwMode="auto">
+          <a:xfrm>
+            <a:off x="6019800" y="1447800"/>
+            <a:ext cx="990600" cy="990600"/>
+          </a:xfrm>
+          <a:prstGeom prst="ellipse">
+            <a:avLst/>
+          </a:prstGeom>
+          <a:noFill/>
+          <a:ln w="19050" cap="flat" cmpd="sng" algn="ctr">
+            <a:solidFill>
+              <a:srgbClr val="969696"/>
+            </a:solidFill>
+            <a:prstDash val="solid"/>
+            <a:round/>
+            <a:headEnd type="none" w="med" len="med"/>
+            <a:tailEnd type="none" w="med" len="med"/>
+          </a:ln>
+          <a:effectLst/>
+        </p:spPr>
+        <p:txBody>
+          <a:bodyPr vert="horz" wrap="square" lIns="0" tIns="0" rIns="0" bIns="0" numCol="1" rtlCol="0" anchor="t" anchorCtr="0" compatLnSpc="1">
+            <a:prstTxWarp prst="textNoShape">
+              <a:avLst/>
+            </a:prstTxWarp>
+          </a:bodyPr>
+          <a:lstStyle/>
+          <a:p>
+            <a:pPr marL="0" marR="0" indent="0" algn="l" defTabSz="831850" rtl="0" eaLnBrk="0" fontAlgn="base" latinLnBrk="0" hangingPunct="0">
+              <a:lnSpc>
+                <a:spcPct val="100000"/>
+              </a:lnSpc>
+              <a:spcBef>
+                <a:spcPct val="50000"/>
+              </a:spcBef>
+              <a:spcAft>
+                <a:spcPct val="0"/>
+              </a:spcAft>
+              <a:buClrTx/>
+              <a:buSzTx/>
+              <a:buFontTx/>
+              <a:buNone/>
+              <a:tabLst/>
+            </a:pPr>
+            <a:endParaRPr kumimoji="0" lang="en-US" sz="1500" b="0" i="0" u="none" strike="noStrike" cap="none" normalizeH="0" baseline="0" smtClean="0">
+              <a:ln>
+                <a:noFill/>
+              </a:ln>
+              <a:solidFill>
+                <a:schemeClr val="tx1"/>
+              </a:solidFill>
+              <a:effectLst/>
+              <a:latin typeface="Frutiger 55 Roman" pitchFamily="34" charset="0"/>
+              <a:cs typeface="Arial" charset="0"/>
+            </a:endParaRPr>
+          </a:p>
+        </p:txBody>
+      </p:sp>
+      <p:sp>
+        <p:nvSpPr>
+          <p:cNvPr id="8" name="TextBox 7"/>
           <p:cNvSpPr txBox="1"/>
           <p:nvPr/>
         </p:nvSpPr>
         <p:spPr>
           <a:xfrm>
-            <a:off x="685800" y="1524000"/>
-            <a:ext cx="7696200" cy="1384995"/>
+            <a:off x="6096000" y="1739172"/>
+            <a:ext cx="864339" cy="323165"/>
           </a:xfrm>
           <a:prstGeom prst="rect">
             <a:avLst/>
@@ -4001,75 +4621,409 @@
           <a:noFill/>
         </p:spPr>
         <p:txBody>
-          <a:bodyPr wrap="square">
+          <a:bodyPr wrap="none" rtlCol="0">
             <a:spAutoFit/>
           </a:bodyPr>
           <a:lstStyle/>
           <a:p>
-            <a:pPr>
-              <a:buFont typeface="Arial" pitchFamily="34" charset="0"/>
-              <a:buChar char="•"/>
-              <a:defRPr/>
-            </a:pPr>
-            <a:r>
-              <a:rPr lang="en-US" sz="2400" dirty="0" smtClean="0">
+            <a:r>
+              <a:rPr lang="en-US" dirty="0" smtClean="0"/>
+              <a:t>Y! Actor</a:t>
+            </a:r>
+            <a:endParaRPr lang="en-US" dirty="0"/>
+          </a:p>
+        </p:txBody>
+      </p:sp>
+      <p:grpSp>
+        <p:nvGrpSpPr>
+          <p:cNvPr id="26" name="Group 25"/>
+          <p:cNvGrpSpPr/>
+          <p:nvPr/>
+        </p:nvGrpSpPr>
+        <p:grpSpPr>
+          <a:xfrm>
+            <a:off x="6096000" y="4724400"/>
+            <a:ext cx="990600" cy="990600"/>
+            <a:chOff x="6096000" y="5410200"/>
+            <a:chExt cx="990600" cy="990600"/>
+          </a:xfrm>
+        </p:grpSpPr>
+        <p:sp>
+          <p:nvSpPr>
+            <p:cNvPr id="10" name="Oval 9"/>
+            <p:cNvSpPr/>
+            <p:nvPr/>
+          </p:nvSpPr>
+          <p:spPr bwMode="auto">
+            <a:xfrm>
+              <a:off x="6096000" y="5410200"/>
+              <a:ext cx="990600" cy="990600"/>
+            </a:xfrm>
+            <a:prstGeom prst="ellipse">
+              <a:avLst/>
+            </a:prstGeom>
+            <a:noFill/>
+            <a:ln w="19050" cap="flat" cmpd="sng" algn="ctr">
+              <a:solidFill>
+                <a:srgbClr val="969696"/>
+              </a:solidFill>
+              <a:prstDash val="solid"/>
+              <a:round/>
+              <a:headEnd type="none" w="med" len="med"/>
+              <a:tailEnd type="none" w="med" len="med"/>
+            </a:ln>
+            <a:effectLst/>
+          </p:spPr>
+          <p:txBody>
+            <a:bodyPr vert="horz" wrap="square" lIns="0" tIns="0" rIns="0" bIns="0" numCol="1" rtlCol="0" anchor="t" anchorCtr="0" compatLnSpc="1">
+              <a:prstTxWarp prst="textNoShape">
+                <a:avLst/>
+              </a:prstTxWarp>
+            </a:bodyPr>
+            <a:lstStyle/>
+            <a:p>
+              <a:pPr marL="0" marR="0" indent="0" algn="l" defTabSz="831850" rtl="0" eaLnBrk="0" fontAlgn="base" latinLnBrk="0" hangingPunct="0">
+                <a:lnSpc>
+                  <a:spcPct val="100000"/>
+                </a:lnSpc>
+                <a:spcBef>
+                  <a:spcPct val="50000"/>
+                </a:spcBef>
+                <a:spcAft>
+                  <a:spcPct val="0"/>
+                </a:spcAft>
+                <a:buClrTx/>
+                <a:buSzTx/>
+                <a:buFontTx/>
+                <a:buNone/>
+                <a:tabLst/>
+              </a:pPr>
+              <a:endParaRPr kumimoji="0" lang="en-US" sz="1500" b="0" i="0" u="none" strike="noStrike" cap="none" normalizeH="0" baseline="0" smtClean="0">
+                <a:ln>
+                  <a:noFill/>
+                </a:ln>
                 <a:solidFill>
-                  <a:schemeClr val="bg2">
-                    <a:lumMod val="75000"/>
-                  </a:schemeClr>
+                  <a:schemeClr val="tx1"/>
                 </a:solidFill>
-              </a:rPr>
-              <a:t> Computational intensive – Monte Carlo Simulation for Option TV </a:t>
-            </a:r>
-          </a:p>
-          <a:p>
-            <a:pPr>
-              <a:buFont typeface="Arial" pitchFamily="34" charset="0"/>
-              <a:buChar char="•"/>
-              <a:defRPr/>
-            </a:pPr>
-            <a:r>
-              <a:rPr lang="en-US" sz="2400" dirty="0">
-                <a:solidFill>
-                  <a:schemeClr val="bg2">
-                    <a:lumMod val="75000"/>
-                  </a:schemeClr>
-                </a:solidFill>
-              </a:rPr>
-              <a:t> </a:t>
-            </a:r>
-            <a:r>
-              <a:rPr lang="en-US" sz="2400" dirty="0" smtClean="0">
-                <a:solidFill>
-                  <a:schemeClr val="bg2">
-                    <a:lumMod val="75000"/>
-                  </a:schemeClr>
-                </a:solidFill>
-              </a:rPr>
-              <a:t>I/O Intensive - ???</a:t>
-            </a:r>
-            <a:endParaRPr lang="en-US" sz="2400" dirty="0">
-              <a:solidFill>
-                <a:schemeClr val="bg2">
-                  <a:lumMod val="75000"/>
-                </a:schemeClr>
-              </a:solidFill>
-            </a:endParaRPr>
+                <a:effectLst/>
+                <a:latin typeface="Frutiger 55 Roman" pitchFamily="34" charset="0"/>
+                <a:cs typeface="Arial" charset="0"/>
+              </a:endParaRPr>
+            </a:p>
+          </p:txBody>
+        </p:sp>
+        <p:sp>
+          <p:nvSpPr>
+            <p:cNvPr id="13" name="TextBox 12"/>
+            <p:cNvSpPr txBox="1"/>
+            <p:nvPr/>
+          </p:nvSpPr>
+          <p:spPr>
+            <a:xfrm>
+              <a:off x="6172200" y="5715000"/>
+              <a:ext cx="864339" cy="323165"/>
+            </a:xfrm>
+            <a:prstGeom prst="rect">
+              <a:avLst/>
+            </a:prstGeom>
+            <a:noFill/>
+          </p:spPr>
+          <p:txBody>
+            <a:bodyPr wrap="none" rtlCol="0">
+              <a:spAutoFit/>
+            </a:bodyPr>
+            <a:lstStyle/>
+            <a:p>
+              <a:r>
+                <a:rPr lang="en-US" dirty="0" smtClean="0"/>
+                <a:t>Y! Actor</a:t>
+              </a:r>
+              <a:endParaRPr lang="en-US" dirty="0"/>
+            </a:p>
+          </p:txBody>
+        </p:sp>
+      </p:grpSp>
+      <p:cxnSp>
+        <p:nvCxnSpPr>
+          <p:cNvPr id="14" name="Straight Arrow Connector 13"/>
+          <p:cNvCxnSpPr/>
+          <p:nvPr/>
+        </p:nvCxnSpPr>
+        <p:spPr bwMode="auto">
+          <a:xfrm flipV="1">
+            <a:off x="3886200" y="1905000"/>
+            <a:ext cx="1905000" cy="990600"/>
+          </a:xfrm>
+          <a:prstGeom prst="straightConnector1">
+            <a:avLst/>
+          </a:prstGeom>
+          <a:noFill/>
+          <a:ln w="19050" cap="flat" cmpd="sng" algn="ctr">
+            <a:solidFill>
+              <a:srgbClr val="969696"/>
+            </a:solidFill>
+            <a:prstDash val="solid"/>
+            <a:round/>
+            <a:headEnd type="none" w="med" len="med"/>
+            <a:tailEnd type="arrow"/>
+          </a:ln>
+          <a:effectLst/>
+        </p:spPr>
+      </p:cxnSp>
+      <p:cxnSp>
+        <p:nvCxnSpPr>
+          <p:cNvPr id="18" name="Straight Arrow Connector 17"/>
+          <p:cNvCxnSpPr/>
+          <p:nvPr/>
+        </p:nvCxnSpPr>
+        <p:spPr bwMode="auto">
+          <a:xfrm>
+            <a:off x="3886200" y="4191000"/>
+            <a:ext cx="2057400" cy="762000"/>
+          </a:xfrm>
+          <a:prstGeom prst="straightConnector1">
+            <a:avLst/>
+          </a:prstGeom>
+          <a:noFill/>
+          <a:ln w="19050" cap="flat" cmpd="sng" algn="ctr">
+            <a:solidFill>
+              <a:srgbClr val="969696"/>
+            </a:solidFill>
+            <a:prstDash val="solid"/>
+            <a:round/>
+            <a:headEnd type="none" w="med" len="med"/>
+            <a:tailEnd type="arrow"/>
+          </a:ln>
+          <a:effectLst/>
+        </p:spPr>
+      </p:cxnSp>
+      <p:cxnSp>
+        <p:nvCxnSpPr>
+          <p:cNvPr id="21" name="Straight Arrow Connector 20"/>
+          <p:cNvCxnSpPr/>
+          <p:nvPr/>
+        </p:nvCxnSpPr>
+        <p:spPr bwMode="auto">
+          <a:xfrm flipH="1">
+            <a:off x="3962400" y="2133600"/>
+            <a:ext cx="1905000" cy="914400"/>
+          </a:xfrm>
+          <a:prstGeom prst="straightConnector1">
+            <a:avLst/>
+          </a:prstGeom>
+          <a:noFill/>
+          <a:ln w="19050" cap="flat" cmpd="sng" algn="ctr">
+            <a:solidFill>
+              <a:srgbClr val="969696"/>
+            </a:solidFill>
+            <a:prstDash val="solid"/>
+            <a:round/>
+            <a:headEnd type="none" w="med" len="med"/>
+            <a:tailEnd type="arrow"/>
+          </a:ln>
+          <a:effectLst/>
+        </p:spPr>
+      </p:cxnSp>
+      <p:cxnSp>
+        <p:nvCxnSpPr>
+          <p:cNvPr id="35" name="Straight Arrow Connector 34"/>
+          <p:cNvCxnSpPr/>
+          <p:nvPr/>
+        </p:nvCxnSpPr>
+        <p:spPr bwMode="auto">
+          <a:xfrm flipH="1" flipV="1">
+            <a:off x="3886200" y="4343400"/>
+            <a:ext cx="1981200" cy="762000"/>
+          </a:xfrm>
+          <a:prstGeom prst="straightConnector1">
+            <a:avLst/>
+          </a:prstGeom>
+          <a:noFill/>
+          <a:ln w="19050" cap="flat" cmpd="sng" algn="ctr">
+            <a:solidFill>
+              <a:srgbClr val="969696"/>
+            </a:solidFill>
+            <a:prstDash val="solid"/>
+            <a:round/>
+            <a:headEnd type="none" w="med" len="med"/>
+            <a:tailEnd type="arrow"/>
+          </a:ln>
+          <a:effectLst/>
+        </p:spPr>
+      </p:cxnSp>
+      <p:sp>
+        <p:nvSpPr>
+          <p:cNvPr id="9234" name="TextBox 9233"/>
+          <p:cNvSpPr txBox="1"/>
+          <p:nvPr/>
+        </p:nvSpPr>
+        <p:spPr>
+          <a:xfrm>
+            <a:off x="3733800" y="1886635"/>
+            <a:ext cx="1752600" cy="323165"/>
+          </a:xfrm>
+          <a:prstGeom prst="rect">
+            <a:avLst/>
+          </a:prstGeom>
+          <a:noFill/>
+        </p:spPr>
+        <p:txBody>
+          <a:bodyPr wrap="square" rtlCol="0">
+            <a:spAutoFit/>
+          </a:bodyPr>
+          <a:lstStyle/>
+          <a:p>
+            <a:r>
+              <a:rPr lang="en-US" dirty="0" smtClean="0"/>
+              <a:t>Stock: APPLE</a:t>
+            </a:r>
+            <a:endParaRPr lang="en-US" dirty="0"/>
+          </a:p>
+        </p:txBody>
+      </p:sp>
+      <p:sp>
+        <p:nvSpPr>
+          <p:cNvPr id="9235" name="TextBox 9234"/>
+          <p:cNvSpPr txBox="1"/>
+          <p:nvPr/>
+        </p:nvSpPr>
+        <p:spPr>
+          <a:xfrm>
+            <a:off x="4724400" y="2743200"/>
+            <a:ext cx="1371600" cy="323165"/>
+          </a:xfrm>
+          <a:prstGeom prst="rect">
+            <a:avLst/>
+          </a:prstGeom>
+          <a:noFill/>
+        </p:spPr>
+        <p:txBody>
+          <a:bodyPr wrap="square" rtlCol="0">
+            <a:spAutoFit/>
+          </a:bodyPr>
+          <a:lstStyle/>
+          <a:p>
+            <a:r>
+              <a:rPr lang="en-US" dirty="0" smtClean="0"/>
+              <a:t>Price: 500</a:t>
+            </a:r>
+            <a:endParaRPr lang="en-US" dirty="0"/>
+          </a:p>
+        </p:txBody>
+      </p:sp>
+      <p:sp>
+        <p:nvSpPr>
+          <p:cNvPr id="56" name="TextBox 55"/>
+          <p:cNvSpPr txBox="1"/>
+          <p:nvPr/>
+        </p:nvSpPr>
+        <p:spPr>
+          <a:xfrm>
+            <a:off x="4343400" y="4096435"/>
+            <a:ext cx="1752600" cy="323165"/>
+          </a:xfrm>
+          <a:prstGeom prst="rect">
+            <a:avLst/>
+          </a:prstGeom>
+          <a:noFill/>
+        </p:spPr>
+        <p:txBody>
+          <a:bodyPr wrap="square" rtlCol="0">
+            <a:spAutoFit/>
+          </a:bodyPr>
+          <a:lstStyle/>
+          <a:p>
+            <a:r>
+              <a:rPr lang="en-US" dirty="0" smtClean="0"/>
+              <a:t>Stock: GOOGLE</a:t>
+            </a:r>
+            <a:endParaRPr lang="en-US" dirty="0"/>
+          </a:p>
+        </p:txBody>
+      </p:sp>
+      <p:sp>
+        <p:nvSpPr>
+          <p:cNvPr id="57" name="TextBox 56"/>
+          <p:cNvSpPr txBox="1"/>
+          <p:nvPr/>
+        </p:nvSpPr>
+        <p:spPr>
+          <a:xfrm>
+            <a:off x="4191000" y="4800600"/>
+            <a:ext cx="1371600" cy="323165"/>
+          </a:xfrm>
+          <a:prstGeom prst="rect">
+            <a:avLst/>
+          </a:prstGeom>
+          <a:noFill/>
+        </p:spPr>
+        <p:txBody>
+          <a:bodyPr wrap="square" rtlCol="0">
+            <a:spAutoFit/>
+          </a:bodyPr>
+          <a:lstStyle/>
+          <a:p>
+            <a:r>
+              <a:rPr lang="en-US" dirty="0" smtClean="0"/>
+              <a:t>Price: 600</a:t>
+            </a:r>
+            <a:endParaRPr lang="en-US" dirty="0"/>
+          </a:p>
+        </p:txBody>
+      </p:sp>
+      <p:sp>
+        <p:nvSpPr>
+          <p:cNvPr id="9239" name="TextBox 9238"/>
+          <p:cNvSpPr txBox="1"/>
+          <p:nvPr/>
+        </p:nvSpPr>
+        <p:spPr>
+          <a:xfrm>
+            <a:off x="1524000" y="4495800"/>
+            <a:ext cx="2162371" cy="669414"/>
+          </a:xfrm>
+          <a:prstGeom prst="rect">
+            <a:avLst/>
+          </a:prstGeom>
+          <a:noFill/>
+        </p:spPr>
+        <p:txBody>
+          <a:bodyPr wrap="none" rtlCol="0">
+            <a:spAutoFit/>
+          </a:bodyPr>
+          <a:lstStyle/>
+          <a:p>
+            <a:r>
+              <a:rPr lang="en-US" dirty="0" smtClean="0"/>
+              <a:t>Total Value =</a:t>
+            </a:r>
+          </a:p>
+          <a:p>
+            <a:r>
+              <a:rPr lang="en-US" dirty="0" smtClean="0"/>
+              <a:t>( Stock * share * price )</a:t>
+            </a:r>
+            <a:endParaRPr lang="en-US" dirty="0"/>
           </a:p>
         </p:txBody>
       </p:sp>
     </p:spTree>
+    <p:extLst>
+      <p:ext uri="{BB962C8B-B14F-4D97-AF65-F5344CB8AC3E}">
+        <p14:creationId xmlns:p14="http://schemas.microsoft.com/office/powerpoint/2010/main" val="921284691"/>
+      </p:ext>
+    </p:extLst>
   </p:cSld>
   <p:clrMapOvr>
     <a:masterClrMapping/>
   </p:clrMapOvr>
-  <p:transition>
+  <p:transition xmlns:p14="http://schemas.microsoft.com/office/powerpoint/2010/main">
     <p:wipe dir="r"/>
   </p:transition>
   <p:timing>
     <p:tnLst>
       <p:par>
-        <p:cTn id="1" dur="indefinite" restart="never" nodeType="tmRoot"/>
+        <p:cTn xmlns:p14="http://schemas.microsoft.com/office/powerpoint/2010/main" id="1" dur="indefinite" restart="never" nodeType="tmRoot"/>
       </p:par>
     </p:tnLst>
   </p:timing>
@@ -4110,9 +5064,8 @@
           <a:p>
             <a:r>
               <a:rPr lang="en-US" dirty="0" smtClean="0"/>
-              <a:t>Result discussion</a:t>
-            </a:r>
-            <a:endParaRPr lang="en-US" dirty="0" smtClean="0"/>
+              <a:t>Scenarios</a:t>
+            </a:r>
           </a:p>
         </p:txBody>
       </p:sp>
@@ -4125,7 +5078,7 @@
         <p:spPr>
           <a:xfrm>
             <a:off x="685800" y="1524000"/>
-            <a:ext cx="7696200" cy="1569660"/>
+            <a:ext cx="7696200" cy="1015663"/>
           </a:xfrm>
           <a:prstGeom prst="rect">
             <a:avLst/>
@@ -4151,15 +5104,8 @@
                   </a:schemeClr>
                 </a:solidFill>
               </a:rPr>
-              <a:t> Scale</a:t>
-            </a:r>
-          </a:p>
-          <a:p>
-            <a:pPr>
-              <a:buFont typeface="Arial" pitchFamily="34" charset="0"/>
-              <a:buChar char="•"/>
-              <a:defRPr/>
-            </a:pPr>
+              <a:t> </a:t>
+            </a:r>
             <a:r>
               <a:rPr lang="en-US" sz="2400" dirty="0">
                 <a:solidFill>
@@ -4168,7 +5114,7 @@
                   </a:schemeClr>
                 </a:solidFill>
               </a:rPr>
-              <a:t> </a:t>
+              <a:t>Computational intensive </a:t>
             </a:r>
             <a:r>
               <a:rPr lang="en-US" sz="2400" dirty="0" smtClean="0">
@@ -4178,7 +5124,7 @@
                   </a:schemeClr>
                 </a:solidFill>
               </a:rPr>
-              <a:t>code comparison</a:t>
+              <a:t> </a:t>
             </a:r>
           </a:p>
           <a:p>
@@ -4195,23 +5141,38 @@
                   </a:schemeClr>
                 </a:solidFill>
               </a:rPr>
-              <a:t> </a:t>
+              <a:t> Monte Carlo Simulation for Option TV </a:t>
+            </a:r>
+            <a:r>
+              <a:rPr lang="en-US" sz="2400" dirty="0" smtClean="0">
+                <a:solidFill>
+                  <a:schemeClr val="bg2">
+                    <a:lumMod val="75000"/>
+                  </a:schemeClr>
+                </a:solidFill>
+              </a:rPr>
+              <a:t>  </a:t>
             </a:r>
           </a:p>
         </p:txBody>
       </p:sp>
     </p:spTree>
+    <p:extLst>
+      <p:ext uri="{BB962C8B-B14F-4D97-AF65-F5344CB8AC3E}">
+        <p14:creationId xmlns:p14="http://schemas.microsoft.com/office/powerpoint/2010/main" val="3888836350"/>
+      </p:ext>
+    </p:extLst>
   </p:cSld>
   <p:clrMapOvr>
     <a:masterClrMapping/>
   </p:clrMapOvr>
-  <p:transition>
+  <p:transition xmlns:p14="http://schemas.microsoft.com/office/powerpoint/2010/main">
     <p:wipe dir="r"/>
   </p:transition>
   <p:timing>
     <p:tnLst>
       <p:par>
-        <p:cTn id="1" dur="indefinite" restart="never" nodeType="tmRoot"/>
+        <p:cTn xmlns:p14="http://schemas.microsoft.com/office/powerpoint/2010/main" id="1" dur="indefinite" restart="never" nodeType="tmRoot"/>
       </p:par>
     </p:tnLst>
   </p:timing>
@@ -4237,6 +5198,2481 @@
       </p:grpSpPr>
       <p:sp>
         <p:nvSpPr>
+          <p:cNvPr id="9218" name="Rectangle 2"/>
+          <p:cNvSpPr>
+            <a:spLocks noGrp="1" noChangeArrowheads="1"/>
+          </p:cNvSpPr>
+          <p:nvPr>
+            <p:ph type="title"/>
+          </p:nvPr>
+        </p:nvSpPr>
+        <p:spPr/>
+        <p:txBody>
+          <a:bodyPr/>
+          <a:lstStyle/>
+          <a:p>
+            <a:r>
+              <a:rPr lang="en-US" dirty="0" smtClean="0"/>
+              <a:t>Fault- Tolerance</a:t>
+            </a:r>
+          </a:p>
+        </p:txBody>
+      </p:sp>
+      <p:sp>
+        <p:nvSpPr>
+          <p:cNvPr id="6" name="TextBox 5"/>
+          <p:cNvSpPr txBox="1"/>
+          <p:nvPr/>
+        </p:nvSpPr>
+        <p:spPr>
+          <a:xfrm>
+            <a:off x="685800" y="1219200"/>
+            <a:ext cx="7696200" cy="2677656"/>
+          </a:xfrm>
+          <a:prstGeom prst="rect">
+            <a:avLst/>
+          </a:prstGeom>
+          <a:noFill/>
+        </p:spPr>
+        <p:txBody>
+          <a:bodyPr wrap="square">
+            <a:spAutoFit/>
+          </a:bodyPr>
+          <a:lstStyle/>
+          <a:p>
+            <a:pPr>
+              <a:buFont typeface="Arial" pitchFamily="34" charset="0"/>
+              <a:buChar char="•"/>
+              <a:defRPr/>
+            </a:pPr>
+            <a:r>
+              <a:rPr lang="en-US" sz="2400" dirty="0" smtClean="0">
+                <a:solidFill>
+                  <a:schemeClr val="bg2">
+                    <a:lumMod val="75000"/>
+                  </a:schemeClr>
+                </a:solidFill>
+              </a:rPr>
+              <a:t> Two Strategies</a:t>
+            </a:r>
+          </a:p>
+          <a:p>
+            <a:pPr lvl="1">
+              <a:buFont typeface="Arial" pitchFamily="34" charset="0"/>
+              <a:buChar char="•"/>
+              <a:defRPr/>
+            </a:pPr>
+            <a:r>
+              <a:rPr lang="en-US" sz="2400" dirty="0">
+                <a:solidFill>
+                  <a:schemeClr val="bg2">
+                    <a:lumMod val="75000"/>
+                  </a:schemeClr>
+                </a:solidFill>
+              </a:rPr>
+              <a:t> </a:t>
+            </a:r>
+            <a:r>
+              <a:rPr lang="hu-HU" sz="2400" dirty="0">
+                <a:solidFill>
+                  <a:schemeClr val="bg2">
+                    <a:lumMod val="75000"/>
+                  </a:schemeClr>
+                </a:solidFill>
+              </a:rPr>
+              <a:t>All-For-One </a:t>
+            </a:r>
+            <a:r>
+              <a:rPr lang="hu-HU" sz="2400" dirty="0" smtClean="0">
+                <a:solidFill>
+                  <a:schemeClr val="bg2">
+                    <a:lumMod val="75000"/>
+                  </a:schemeClr>
+                </a:solidFill>
+              </a:rPr>
+              <a:t>strategy </a:t>
+            </a:r>
+            <a:endParaRPr lang="en-US" sz="2400" dirty="0">
+              <a:solidFill>
+                <a:schemeClr val="bg2">
+                  <a:lumMod val="75000"/>
+                </a:schemeClr>
+              </a:solidFill>
+            </a:endParaRPr>
+          </a:p>
+          <a:p>
+            <a:pPr lvl="2">
+              <a:buFont typeface="Arial" pitchFamily="34" charset="0"/>
+              <a:buChar char="•"/>
+              <a:defRPr/>
+            </a:pPr>
+            <a:r>
+              <a:rPr lang="en-US" sz="2400" dirty="0" smtClean="0">
+                <a:solidFill>
+                  <a:schemeClr val="bg2">
+                    <a:lumMod val="75000"/>
+                  </a:schemeClr>
+                </a:solidFill>
+              </a:rPr>
+              <a:t> applies to all children</a:t>
+            </a:r>
+            <a:endParaRPr lang="hu-HU" sz="2400" dirty="0" smtClean="0">
+              <a:solidFill>
+                <a:schemeClr val="bg2">
+                  <a:lumMod val="75000"/>
+                </a:schemeClr>
+              </a:solidFill>
+            </a:endParaRPr>
+          </a:p>
+          <a:p>
+            <a:pPr lvl="1">
+              <a:buFont typeface="Arial" pitchFamily="34" charset="0"/>
+              <a:buChar char="•"/>
+              <a:defRPr/>
+            </a:pPr>
+            <a:r>
+              <a:rPr lang="en-US" sz="2400" dirty="0">
+                <a:solidFill>
+                  <a:schemeClr val="bg2">
+                    <a:lumMod val="75000"/>
+                  </a:schemeClr>
+                </a:solidFill>
+              </a:rPr>
+              <a:t> </a:t>
+            </a:r>
+            <a:r>
+              <a:rPr lang="en-US" sz="2400" dirty="0" smtClean="0">
+                <a:solidFill>
+                  <a:schemeClr val="bg2">
+                    <a:lumMod val="75000"/>
+                  </a:schemeClr>
+                </a:solidFill>
+              </a:rPr>
+              <a:t>One-For-One strategy</a:t>
+            </a:r>
+          </a:p>
+          <a:p>
+            <a:pPr lvl="2">
+              <a:buFont typeface="Arial" pitchFamily="34" charset="0"/>
+              <a:buChar char="•"/>
+              <a:defRPr/>
+            </a:pPr>
+            <a:r>
+              <a:rPr lang="en-US" sz="2400" dirty="0">
+                <a:solidFill>
+                  <a:schemeClr val="bg2">
+                    <a:lumMod val="75000"/>
+                  </a:schemeClr>
+                </a:solidFill>
+              </a:rPr>
+              <a:t> </a:t>
+            </a:r>
+            <a:r>
+              <a:rPr lang="en-US" sz="2400" dirty="0" smtClean="0">
+                <a:solidFill>
+                  <a:schemeClr val="bg2">
+                    <a:lumMod val="75000"/>
+                  </a:schemeClr>
+                </a:solidFill>
+              </a:rPr>
+              <a:t>applies to the failed one</a:t>
+            </a:r>
+            <a:endParaRPr lang="en-US" sz="2400" dirty="0">
+              <a:solidFill>
+                <a:schemeClr val="bg2">
+                  <a:lumMod val="75000"/>
+                </a:schemeClr>
+              </a:solidFill>
+            </a:endParaRPr>
+          </a:p>
+        </p:txBody>
+      </p:sp>
+    </p:spTree>
+    <p:extLst>
+      <p:ext uri="{BB962C8B-B14F-4D97-AF65-F5344CB8AC3E}">
+        <p14:creationId xmlns:p14="http://schemas.microsoft.com/office/powerpoint/2010/main" val="3878977334"/>
+      </p:ext>
+    </p:extLst>
+  </p:cSld>
+  <p:clrMapOvr>
+    <a:masterClrMapping/>
+  </p:clrMapOvr>
+  <p:transition xmlns:p14="http://schemas.microsoft.com/office/powerpoint/2010/main">
+    <p:wipe dir="r"/>
+  </p:transition>
+  <p:timing>
+    <p:tnLst>
+      <p:par>
+        <p:cTn xmlns:p14="http://schemas.microsoft.com/office/powerpoint/2010/main" id="1" dur="indefinite" restart="never" nodeType="tmRoot"/>
+      </p:par>
+    </p:tnLst>
+  </p:timing>
+</p:sld>
+</file>
+
+<file path=ppt/slides/slide15.xml><?xml version="1.0" encoding="utf-8"?>
+<p:sld xmlns:a="http://schemas.openxmlformats.org/drawingml/2006/main" xmlns:r="http://schemas.openxmlformats.org/officeDocument/2006/relationships" xmlns:p="http://schemas.openxmlformats.org/presentationml/2006/main">
+  <p:cSld>
+    <p:spTree>
+      <p:nvGrpSpPr>
+        <p:cNvPr id="1" name=""/>
+        <p:cNvGrpSpPr/>
+        <p:nvPr/>
+      </p:nvGrpSpPr>
+      <p:grpSpPr>
+        <a:xfrm>
+          <a:off x="0" y="0"/>
+          <a:ext cx="0" cy="0"/>
+          <a:chOff x="0" y="0"/>
+          <a:chExt cx="0" cy="0"/>
+        </a:xfrm>
+      </p:grpSpPr>
+      <p:sp>
+        <p:nvSpPr>
+          <p:cNvPr id="9218" name="Rectangle 2"/>
+          <p:cNvSpPr>
+            <a:spLocks noGrp="1" noChangeArrowheads="1"/>
+          </p:cNvSpPr>
+          <p:nvPr>
+            <p:ph type="title"/>
+          </p:nvPr>
+        </p:nvSpPr>
+        <p:spPr/>
+        <p:txBody>
+          <a:bodyPr/>
+          <a:lstStyle/>
+          <a:p>
+            <a:r>
+              <a:rPr lang="en-US" dirty="0" smtClean="0"/>
+              <a:t>Fault- Tolerance</a:t>
+            </a:r>
+          </a:p>
+        </p:txBody>
+      </p:sp>
+      <p:sp>
+        <p:nvSpPr>
+          <p:cNvPr id="6" name="TextBox 5"/>
+          <p:cNvSpPr txBox="1"/>
+          <p:nvPr/>
+        </p:nvSpPr>
+        <p:spPr>
+          <a:xfrm>
+            <a:off x="685800" y="1219200"/>
+            <a:ext cx="7696200" cy="1569660"/>
+          </a:xfrm>
+          <a:prstGeom prst="rect">
+            <a:avLst/>
+          </a:prstGeom>
+          <a:noFill/>
+        </p:spPr>
+        <p:txBody>
+          <a:bodyPr wrap="square">
+            <a:spAutoFit/>
+          </a:bodyPr>
+          <a:lstStyle/>
+          <a:p>
+            <a:pPr>
+              <a:buFont typeface="Arial" pitchFamily="34" charset="0"/>
+              <a:buChar char="•"/>
+              <a:defRPr/>
+            </a:pPr>
+            <a:r>
+              <a:rPr lang="en-US" sz="2400" dirty="0" smtClean="0">
+                <a:solidFill>
+                  <a:schemeClr val="bg2">
+                    <a:lumMod val="75000"/>
+                  </a:schemeClr>
+                </a:solidFill>
+              </a:rPr>
+              <a:t> restart(</a:t>
+            </a:r>
+            <a:r>
+              <a:rPr lang="en-US" sz="2400" dirty="0" smtClean="0">
+                <a:solidFill>
+                  <a:schemeClr val="bg2">
+                    <a:lumMod val="75000"/>
+                  </a:schemeClr>
+                </a:solidFill>
+              </a:rPr>
+              <a:t>)</a:t>
+            </a:r>
+          </a:p>
+          <a:p>
+            <a:pPr>
+              <a:buFont typeface="Arial" pitchFamily="34" charset="0"/>
+              <a:buChar char="•"/>
+              <a:defRPr/>
+            </a:pPr>
+            <a:r>
+              <a:rPr lang="en-US" sz="2400" dirty="0">
+                <a:solidFill>
+                  <a:schemeClr val="bg2">
+                    <a:lumMod val="75000"/>
+                  </a:schemeClr>
+                </a:solidFill>
+              </a:rPr>
+              <a:t> </a:t>
+            </a:r>
+            <a:r>
+              <a:rPr lang="en-US" sz="2400" dirty="0" smtClean="0">
+                <a:solidFill>
+                  <a:schemeClr val="bg2">
+                    <a:lumMod val="75000"/>
+                  </a:schemeClr>
+                </a:solidFill>
+              </a:rPr>
+              <a:t>resume()</a:t>
+            </a:r>
+            <a:endParaRPr lang="en-US" sz="2400" dirty="0" smtClean="0">
+              <a:solidFill>
+                <a:schemeClr val="bg2">
+                  <a:lumMod val="75000"/>
+                </a:schemeClr>
+              </a:solidFill>
+            </a:endParaRPr>
+          </a:p>
+          <a:p>
+            <a:pPr>
+              <a:buFont typeface="Arial" pitchFamily="34" charset="0"/>
+              <a:buChar char="•"/>
+              <a:defRPr/>
+            </a:pPr>
+            <a:r>
+              <a:rPr lang="en-US" sz="2400" dirty="0" smtClean="0">
+                <a:solidFill>
+                  <a:schemeClr val="bg2">
+                    <a:lumMod val="75000"/>
+                  </a:schemeClr>
+                </a:solidFill>
+              </a:rPr>
+              <a:t> terminate()</a:t>
+            </a:r>
+            <a:endParaRPr lang="en-US" sz="2400" dirty="0">
+              <a:solidFill>
+                <a:schemeClr val="bg2">
+                  <a:lumMod val="75000"/>
+                </a:schemeClr>
+              </a:solidFill>
+            </a:endParaRPr>
+          </a:p>
+        </p:txBody>
+      </p:sp>
+      <p:sp>
+        <p:nvSpPr>
+          <p:cNvPr id="9" name="Oval 8"/>
+          <p:cNvSpPr/>
+          <p:nvPr/>
+        </p:nvSpPr>
+        <p:spPr bwMode="auto">
+          <a:xfrm>
+            <a:off x="2286000" y="5638800"/>
+            <a:ext cx="838200" cy="685800"/>
+          </a:xfrm>
+          <a:prstGeom prst="ellipse">
+            <a:avLst/>
+          </a:prstGeom>
+          <a:noFill/>
+          <a:ln w="19050" cap="flat" cmpd="sng" algn="ctr">
+            <a:solidFill>
+              <a:srgbClr val="969696"/>
+            </a:solidFill>
+            <a:prstDash val="solid"/>
+            <a:round/>
+            <a:headEnd type="none" w="med" len="med"/>
+            <a:tailEnd type="none" w="med" len="med"/>
+          </a:ln>
+          <a:effectLst/>
+        </p:spPr>
+        <p:txBody>
+          <a:bodyPr vert="horz" wrap="square" lIns="0" tIns="0" rIns="0" bIns="0" numCol="1" rtlCol="0" anchor="t" anchorCtr="0" compatLnSpc="1">
+            <a:prstTxWarp prst="textNoShape">
+              <a:avLst/>
+            </a:prstTxWarp>
+          </a:bodyPr>
+          <a:lstStyle/>
+          <a:p>
+            <a:pPr marL="0" marR="0" indent="0" algn="l" defTabSz="831850" rtl="0" eaLnBrk="0" fontAlgn="base" latinLnBrk="0" hangingPunct="0">
+              <a:lnSpc>
+                <a:spcPct val="100000"/>
+              </a:lnSpc>
+              <a:spcBef>
+                <a:spcPct val="50000"/>
+              </a:spcBef>
+              <a:spcAft>
+                <a:spcPct val="0"/>
+              </a:spcAft>
+              <a:buClrTx/>
+              <a:buSzTx/>
+              <a:buFontTx/>
+              <a:buNone/>
+              <a:tabLst/>
+            </a:pPr>
+            <a:endParaRPr kumimoji="0" lang="en-US" sz="1500" b="0" i="0" u="none" strike="noStrike" cap="none" normalizeH="0" baseline="0" smtClean="0">
+              <a:ln>
+                <a:noFill/>
+              </a:ln>
+              <a:solidFill>
+                <a:schemeClr val="tx1"/>
+              </a:solidFill>
+              <a:effectLst/>
+              <a:latin typeface="Frutiger 55 Roman" pitchFamily="34" charset="0"/>
+              <a:cs typeface="Arial" charset="0"/>
+            </a:endParaRPr>
+          </a:p>
+        </p:txBody>
+      </p:sp>
+      <p:sp>
+        <p:nvSpPr>
+          <p:cNvPr id="10" name="Oval 9"/>
+          <p:cNvSpPr/>
+          <p:nvPr/>
+        </p:nvSpPr>
+        <p:spPr bwMode="auto">
+          <a:xfrm>
+            <a:off x="3306632" y="2971800"/>
+            <a:ext cx="1341568" cy="1142841"/>
+          </a:xfrm>
+          <a:prstGeom prst="ellipse">
+            <a:avLst/>
+          </a:prstGeom>
+          <a:noFill/>
+          <a:ln w="19050" cap="flat" cmpd="sng" algn="ctr">
+            <a:solidFill>
+              <a:srgbClr val="969696"/>
+            </a:solidFill>
+            <a:prstDash val="solid"/>
+            <a:round/>
+            <a:headEnd type="none" w="med" len="med"/>
+            <a:tailEnd type="none" w="med" len="med"/>
+          </a:ln>
+          <a:effectLst/>
+        </p:spPr>
+        <p:txBody>
+          <a:bodyPr vert="horz" wrap="square" lIns="0" tIns="0" rIns="0" bIns="0" numCol="1" rtlCol="0" anchor="t" anchorCtr="0" compatLnSpc="1">
+            <a:prstTxWarp prst="textNoShape">
+              <a:avLst/>
+            </a:prstTxWarp>
+          </a:bodyPr>
+          <a:lstStyle/>
+          <a:p>
+            <a:pPr marL="0" marR="0" indent="0" algn="l" defTabSz="831850" rtl="0" eaLnBrk="0" fontAlgn="base" latinLnBrk="0" hangingPunct="0">
+              <a:lnSpc>
+                <a:spcPct val="100000"/>
+              </a:lnSpc>
+              <a:spcBef>
+                <a:spcPct val="50000"/>
+              </a:spcBef>
+              <a:spcAft>
+                <a:spcPct val="0"/>
+              </a:spcAft>
+              <a:buClrTx/>
+              <a:buSzTx/>
+              <a:buFontTx/>
+              <a:buNone/>
+              <a:tabLst/>
+            </a:pPr>
+            <a:endParaRPr kumimoji="0" lang="en-US" sz="1500" b="0" i="0" u="none" strike="noStrike" cap="none" normalizeH="0" baseline="0" smtClean="0">
+              <a:ln>
+                <a:noFill/>
+              </a:ln>
+              <a:solidFill>
+                <a:schemeClr val="tx1"/>
+              </a:solidFill>
+              <a:effectLst/>
+              <a:latin typeface="Frutiger 55 Roman" pitchFamily="34" charset="0"/>
+              <a:cs typeface="Arial" charset="0"/>
+            </a:endParaRPr>
+          </a:p>
+        </p:txBody>
+      </p:sp>
+      <p:cxnSp>
+        <p:nvCxnSpPr>
+          <p:cNvPr id="11" name="Curved Connector 10"/>
+          <p:cNvCxnSpPr/>
+          <p:nvPr/>
+        </p:nvCxnSpPr>
+        <p:spPr bwMode="auto">
+          <a:xfrm rot="5400000" flipH="1" flipV="1">
+            <a:off x="2667000" y="4572000"/>
+            <a:ext cx="1371600" cy="609600"/>
+          </a:xfrm>
+          <a:prstGeom prst="curvedConnector3">
+            <a:avLst/>
+          </a:prstGeom>
+          <a:noFill/>
+          <a:ln w="19050" cap="flat" cmpd="sng" algn="ctr">
+            <a:solidFill>
+              <a:srgbClr val="969696"/>
+            </a:solidFill>
+            <a:prstDash val="solid"/>
+            <a:round/>
+            <a:headEnd type="none" w="med" len="med"/>
+            <a:tailEnd type="arrow"/>
+          </a:ln>
+          <a:effectLst/>
+        </p:spPr>
+      </p:cxnSp>
+      <p:sp>
+        <p:nvSpPr>
+          <p:cNvPr id="12" name="Oval 11"/>
+          <p:cNvSpPr/>
+          <p:nvPr/>
+        </p:nvSpPr>
+        <p:spPr bwMode="auto">
+          <a:xfrm>
+            <a:off x="3886200" y="5638800"/>
+            <a:ext cx="838200" cy="685800"/>
+          </a:xfrm>
+          <a:prstGeom prst="ellipse">
+            <a:avLst/>
+          </a:prstGeom>
+          <a:noFill/>
+          <a:ln w="19050" cap="flat" cmpd="sng" algn="ctr">
+            <a:solidFill>
+              <a:srgbClr val="969696"/>
+            </a:solidFill>
+            <a:prstDash val="solid"/>
+            <a:round/>
+            <a:headEnd type="none" w="med" len="med"/>
+            <a:tailEnd type="none" w="med" len="med"/>
+          </a:ln>
+          <a:effectLst/>
+        </p:spPr>
+        <p:txBody>
+          <a:bodyPr vert="horz" wrap="square" lIns="0" tIns="0" rIns="0" bIns="0" numCol="1" rtlCol="0" anchor="t" anchorCtr="0" compatLnSpc="1">
+            <a:prstTxWarp prst="textNoShape">
+              <a:avLst/>
+            </a:prstTxWarp>
+          </a:bodyPr>
+          <a:lstStyle/>
+          <a:p>
+            <a:pPr marL="0" marR="0" indent="0" algn="l" defTabSz="831850" rtl="0" eaLnBrk="0" fontAlgn="base" latinLnBrk="0" hangingPunct="0">
+              <a:lnSpc>
+                <a:spcPct val="100000"/>
+              </a:lnSpc>
+              <a:spcBef>
+                <a:spcPct val="50000"/>
+              </a:spcBef>
+              <a:spcAft>
+                <a:spcPct val="0"/>
+              </a:spcAft>
+              <a:buClrTx/>
+              <a:buSzTx/>
+              <a:buFontTx/>
+              <a:buNone/>
+              <a:tabLst/>
+            </a:pPr>
+            <a:endParaRPr kumimoji="0" lang="en-US" sz="1500" b="0" i="0" u="none" strike="noStrike" cap="none" normalizeH="0" baseline="0" smtClean="0">
+              <a:ln>
+                <a:noFill/>
+              </a:ln>
+              <a:solidFill>
+                <a:schemeClr val="tx1"/>
+              </a:solidFill>
+              <a:effectLst/>
+              <a:latin typeface="Frutiger 55 Roman" pitchFamily="34" charset="0"/>
+              <a:cs typeface="Arial" charset="0"/>
+            </a:endParaRPr>
+          </a:p>
+        </p:txBody>
+      </p:sp>
+      <p:sp>
+        <p:nvSpPr>
+          <p:cNvPr id="14" name="Oval 13"/>
+          <p:cNvSpPr/>
+          <p:nvPr/>
+        </p:nvSpPr>
+        <p:spPr bwMode="auto">
+          <a:xfrm>
+            <a:off x="5257800" y="5715000"/>
+            <a:ext cx="838200" cy="685800"/>
+          </a:xfrm>
+          <a:prstGeom prst="ellipse">
+            <a:avLst/>
+          </a:prstGeom>
+          <a:noFill/>
+          <a:ln w="19050" cap="flat" cmpd="sng" algn="ctr">
+            <a:solidFill>
+              <a:srgbClr val="969696"/>
+            </a:solidFill>
+            <a:prstDash val="solid"/>
+            <a:round/>
+            <a:headEnd type="none" w="med" len="med"/>
+            <a:tailEnd type="none" w="med" len="med"/>
+          </a:ln>
+          <a:effectLst/>
+        </p:spPr>
+        <p:txBody>
+          <a:bodyPr vert="horz" wrap="square" lIns="0" tIns="0" rIns="0" bIns="0" numCol="1" rtlCol="0" anchor="t" anchorCtr="0" compatLnSpc="1">
+            <a:prstTxWarp prst="textNoShape">
+              <a:avLst/>
+            </a:prstTxWarp>
+          </a:bodyPr>
+          <a:lstStyle/>
+          <a:p>
+            <a:pPr marL="0" marR="0" indent="0" algn="l" defTabSz="831850" rtl="0" eaLnBrk="0" fontAlgn="base" latinLnBrk="0" hangingPunct="0">
+              <a:lnSpc>
+                <a:spcPct val="100000"/>
+              </a:lnSpc>
+              <a:spcBef>
+                <a:spcPct val="50000"/>
+              </a:spcBef>
+              <a:spcAft>
+                <a:spcPct val="0"/>
+              </a:spcAft>
+              <a:buClrTx/>
+              <a:buSzTx/>
+              <a:buFontTx/>
+              <a:buNone/>
+              <a:tabLst/>
+            </a:pPr>
+            <a:endParaRPr kumimoji="0" lang="en-US" sz="1500" b="0" i="0" u="none" strike="noStrike" cap="none" normalizeH="0" baseline="0" smtClean="0">
+              <a:ln>
+                <a:noFill/>
+              </a:ln>
+              <a:solidFill>
+                <a:schemeClr val="tx1"/>
+              </a:solidFill>
+              <a:effectLst/>
+              <a:latin typeface="Frutiger 55 Roman" pitchFamily="34" charset="0"/>
+              <a:cs typeface="Arial" charset="0"/>
+            </a:endParaRPr>
+          </a:p>
+        </p:txBody>
+      </p:sp>
+      <p:sp>
+        <p:nvSpPr>
+          <p:cNvPr id="13" name="TextBox 12"/>
+          <p:cNvSpPr txBox="1"/>
+          <p:nvPr/>
+        </p:nvSpPr>
+        <p:spPr>
+          <a:xfrm>
+            <a:off x="4114800" y="4648200"/>
+            <a:ext cx="1295400" cy="323165"/>
+          </a:xfrm>
+          <a:prstGeom prst="rect">
+            <a:avLst/>
+          </a:prstGeom>
+          <a:noFill/>
+        </p:spPr>
+        <p:txBody>
+          <a:bodyPr wrap="square" rtlCol="0">
+            <a:spAutoFit/>
+          </a:bodyPr>
+          <a:lstStyle/>
+          <a:p>
+            <a:r>
+              <a:rPr lang="en-US" dirty="0" smtClean="0"/>
+              <a:t>Exception!</a:t>
+            </a:r>
+            <a:endParaRPr lang="en-US" dirty="0"/>
+          </a:p>
+        </p:txBody>
+      </p:sp>
+    </p:spTree>
+    <p:extLst>
+      <p:ext uri="{BB962C8B-B14F-4D97-AF65-F5344CB8AC3E}">
+        <p14:creationId xmlns:p14="http://schemas.microsoft.com/office/powerpoint/2010/main" val="2019097927"/>
+      </p:ext>
+    </p:extLst>
+  </p:cSld>
+  <p:clrMapOvr>
+    <a:masterClrMapping/>
+  </p:clrMapOvr>
+  <p:transition xmlns:p14="http://schemas.microsoft.com/office/powerpoint/2010/main">
+    <p:wipe dir="r"/>
+  </p:transition>
+  <p:timing>
+    <p:tnLst>
+      <p:par>
+        <p:cTn xmlns:p14="http://schemas.microsoft.com/office/powerpoint/2010/main" id="1" dur="indefinite" restart="never" nodeType="tmRoot"/>
+      </p:par>
+    </p:tnLst>
+  </p:timing>
+</p:sld>
+</file>
+
+<file path=ppt/slides/slide16.xml><?xml version="1.0" encoding="utf-8"?>
+<p:sld xmlns:a="http://schemas.openxmlformats.org/drawingml/2006/main" xmlns:r="http://schemas.openxmlformats.org/officeDocument/2006/relationships" xmlns:p="http://schemas.openxmlformats.org/presentationml/2006/main">
+  <p:cSld>
+    <p:spTree>
+      <p:nvGrpSpPr>
+        <p:cNvPr id="1" name=""/>
+        <p:cNvGrpSpPr/>
+        <p:nvPr/>
+      </p:nvGrpSpPr>
+      <p:grpSpPr>
+        <a:xfrm>
+          <a:off x="0" y="0"/>
+          <a:ext cx="0" cy="0"/>
+          <a:chOff x="0" y="0"/>
+          <a:chExt cx="0" cy="0"/>
+        </a:xfrm>
+      </p:grpSpPr>
+      <p:sp>
+        <p:nvSpPr>
+          <p:cNvPr id="9218" name="Rectangle 2"/>
+          <p:cNvSpPr>
+            <a:spLocks noGrp="1" noChangeArrowheads="1"/>
+          </p:cNvSpPr>
+          <p:nvPr>
+            <p:ph type="title"/>
+          </p:nvPr>
+        </p:nvSpPr>
+        <p:spPr/>
+        <p:txBody>
+          <a:bodyPr/>
+          <a:lstStyle/>
+          <a:p>
+            <a:r>
+              <a:rPr lang="en-US" dirty="0" smtClean="0"/>
+              <a:t>Code</a:t>
+            </a:r>
+          </a:p>
+        </p:txBody>
+      </p:sp>
+      <p:sp>
+        <p:nvSpPr>
+          <p:cNvPr id="2" name="TextBox 1"/>
+          <p:cNvSpPr txBox="1"/>
+          <p:nvPr/>
+        </p:nvSpPr>
+        <p:spPr>
+          <a:xfrm>
+            <a:off x="762000" y="1143000"/>
+            <a:ext cx="5618007" cy="4832091"/>
+          </a:xfrm>
+          <a:prstGeom prst="rect">
+            <a:avLst/>
+          </a:prstGeom>
+          <a:noFill/>
+        </p:spPr>
+        <p:txBody>
+          <a:bodyPr wrap="none" rtlCol="0">
+            <a:spAutoFit/>
+          </a:bodyPr>
+          <a:lstStyle/>
+          <a:p>
+            <a:r>
+              <a:rPr lang="en-US" sz="1400" dirty="0"/>
+              <a:t> private static </a:t>
+            </a:r>
+            <a:r>
+              <a:rPr lang="en-US" sz="1400" dirty="0" err="1"/>
+              <a:t>SupervisorStrategy</a:t>
+            </a:r>
+            <a:r>
+              <a:rPr lang="en-US" sz="1400" dirty="0"/>
+              <a:t> strategy = new </a:t>
+            </a:r>
+            <a:r>
+              <a:rPr lang="en-US" sz="1400" dirty="0" err="1"/>
+              <a:t>AllForOneStrategy</a:t>
+            </a:r>
+            <a:r>
+              <a:rPr lang="en-US" sz="1400" dirty="0" smtClean="0"/>
+              <a:t>(</a:t>
+            </a:r>
+          </a:p>
+          <a:p>
+            <a:r>
+              <a:rPr lang="en-US" sz="1400" dirty="0" smtClean="0"/>
+              <a:t>       3</a:t>
+            </a:r>
+            <a:r>
+              <a:rPr lang="en-US" sz="1400" dirty="0"/>
+              <a:t>,</a:t>
+            </a:r>
+          </a:p>
+          <a:p>
+            <a:r>
+              <a:rPr lang="en-US" sz="1400" dirty="0"/>
+              <a:t>      </a:t>
+            </a:r>
+            <a:r>
+              <a:rPr lang="en-US" sz="1400" dirty="0" err="1"/>
+              <a:t>Duration.parse</a:t>
+            </a:r>
+            <a:r>
+              <a:rPr lang="en-US" sz="1400" dirty="0"/>
+              <a:t>("5 seconds"), </a:t>
+            </a:r>
+            <a:endParaRPr lang="en-US" sz="1400" dirty="0" smtClean="0"/>
+          </a:p>
+          <a:p>
+            <a:r>
+              <a:rPr lang="en-US" sz="1400" dirty="0"/>
+              <a:t> </a:t>
+            </a:r>
+            <a:r>
+              <a:rPr lang="en-US" sz="1400" dirty="0" smtClean="0"/>
+              <a:t>     new </a:t>
+            </a:r>
+            <a:r>
+              <a:rPr lang="en-US" sz="1400" dirty="0"/>
+              <a:t>Function&lt;</a:t>
+            </a:r>
+            <a:r>
+              <a:rPr lang="en-US" sz="1400" dirty="0" err="1"/>
+              <a:t>Throwable</a:t>
+            </a:r>
+            <a:r>
+              <a:rPr lang="en-US" sz="1400" dirty="0"/>
+              <a:t>, </a:t>
+            </a:r>
+            <a:r>
+              <a:rPr lang="en-US" sz="1400" dirty="0" err="1"/>
+              <a:t>SupervisorStrategy.Directive</a:t>
+            </a:r>
+            <a:r>
+              <a:rPr lang="en-US" sz="1400" dirty="0"/>
+              <a:t>&gt;() {</a:t>
+            </a:r>
+          </a:p>
+          <a:p>
+            <a:r>
+              <a:rPr lang="en-US" sz="1400" dirty="0"/>
+              <a:t>      </a:t>
+            </a:r>
+            <a:endParaRPr lang="en-US" sz="1400" dirty="0" smtClean="0"/>
+          </a:p>
+          <a:p>
+            <a:r>
+              <a:rPr lang="en-US" sz="1400" dirty="0"/>
+              <a:t> </a:t>
+            </a:r>
+            <a:r>
+              <a:rPr lang="en-US" sz="1400" dirty="0" smtClean="0"/>
+              <a:t>     @</a:t>
+            </a:r>
+            <a:r>
+              <a:rPr lang="en-US" sz="1400" dirty="0"/>
+              <a:t>Override</a:t>
+            </a:r>
+          </a:p>
+          <a:p>
+            <a:r>
+              <a:rPr lang="en-US" sz="1400" dirty="0"/>
+              <a:t>      public </a:t>
+            </a:r>
+            <a:r>
+              <a:rPr lang="en-US" sz="1400" dirty="0" err="1"/>
+              <a:t>SupervisorStrategy.Directive</a:t>
+            </a:r>
+            <a:r>
+              <a:rPr lang="en-US" sz="1400" dirty="0"/>
+              <a:t> apply(</a:t>
+            </a:r>
+            <a:r>
+              <a:rPr lang="en-US" sz="1400" dirty="0" err="1"/>
+              <a:t>Throwable</a:t>
+            </a:r>
+            <a:r>
+              <a:rPr lang="en-US" sz="1400" dirty="0"/>
+              <a:t> t) {</a:t>
+            </a:r>
+          </a:p>
+          <a:p>
+            <a:r>
+              <a:rPr lang="en-US" sz="1400" dirty="0"/>
+              <a:t>        if (t </a:t>
+            </a:r>
+            <a:r>
+              <a:rPr lang="en-US" sz="1400" dirty="0" err="1"/>
+              <a:t>instanceof</a:t>
+            </a:r>
+            <a:r>
+              <a:rPr lang="en-US" sz="1400" dirty="0"/>
+              <a:t> </a:t>
+            </a:r>
+            <a:r>
+              <a:rPr lang="en-US" sz="1400" dirty="0" err="1"/>
+              <a:t>StockDataNotFoundException</a:t>
+            </a:r>
+            <a:r>
+              <a:rPr lang="en-US" sz="1400" dirty="0"/>
+              <a:t>) {</a:t>
+            </a:r>
+          </a:p>
+          <a:p>
+            <a:r>
+              <a:rPr lang="en-US" sz="1400" dirty="0"/>
+              <a:t>          return terminate();</a:t>
+            </a:r>
+          </a:p>
+          <a:p>
+            <a:r>
+              <a:rPr lang="en-US" sz="1400" dirty="0"/>
+              <a:t>        } else {</a:t>
+            </a:r>
+          </a:p>
+          <a:p>
+            <a:r>
+              <a:rPr lang="en-US" sz="1400" dirty="0"/>
+              <a:t>          return escalate();</a:t>
+            </a:r>
+          </a:p>
+          <a:p>
+            <a:r>
+              <a:rPr lang="en-US" sz="1400" dirty="0"/>
+              <a:t>        }</a:t>
+            </a:r>
+          </a:p>
+          <a:p>
+            <a:r>
+              <a:rPr lang="en-US" sz="1400" dirty="0"/>
+              <a:t>      }</a:t>
+            </a:r>
+          </a:p>
+          <a:p>
+            <a:r>
+              <a:rPr lang="en-US" sz="1400" dirty="0"/>
+              <a:t>    });</a:t>
+            </a:r>
+          </a:p>
+          <a:p>
+            <a:endParaRPr lang="en-US" sz="1400" dirty="0"/>
+          </a:p>
+        </p:txBody>
+      </p:sp>
+    </p:spTree>
+    <p:extLst>
+      <p:ext uri="{BB962C8B-B14F-4D97-AF65-F5344CB8AC3E}">
+        <p14:creationId xmlns:p14="http://schemas.microsoft.com/office/powerpoint/2010/main" val="1679123495"/>
+      </p:ext>
+    </p:extLst>
+  </p:cSld>
+  <p:clrMapOvr>
+    <a:masterClrMapping/>
+  </p:clrMapOvr>
+  <p:transition xmlns:p14="http://schemas.microsoft.com/office/powerpoint/2010/main">
+    <p:wipe dir="r"/>
+  </p:transition>
+  <p:timing>
+    <p:tnLst>
+      <p:par>
+        <p:cTn xmlns:p14="http://schemas.microsoft.com/office/powerpoint/2010/main" id="1" dur="indefinite" restart="never" nodeType="tmRoot"/>
+      </p:par>
+    </p:tnLst>
+  </p:timing>
+</p:sld>
+</file>
+
+<file path=ppt/slides/slide17.xml><?xml version="1.0" encoding="utf-8"?>
+<p:sld xmlns:a="http://schemas.openxmlformats.org/drawingml/2006/main" xmlns:r="http://schemas.openxmlformats.org/officeDocument/2006/relationships" xmlns:p="http://schemas.openxmlformats.org/presentationml/2006/main">
+  <p:cSld>
+    <p:spTree>
+      <p:nvGrpSpPr>
+        <p:cNvPr id="1" name=""/>
+        <p:cNvGrpSpPr/>
+        <p:nvPr/>
+      </p:nvGrpSpPr>
+      <p:grpSpPr>
+        <a:xfrm>
+          <a:off x="0" y="0"/>
+          <a:ext cx="0" cy="0"/>
+          <a:chOff x="0" y="0"/>
+          <a:chExt cx="0" cy="0"/>
+        </a:xfrm>
+      </p:grpSpPr>
+      <p:sp>
+        <p:nvSpPr>
+          <p:cNvPr id="7170" name="Rectangle 2"/>
+          <p:cNvSpPr>
+            <a:spLocks noGrp="1" noChangeArrowheads="1"/>
+          </p:cNvSpPr>
+          <p:nvPr>
+            <p:ph type="title"/>
+          </p:nvPr>
+        </p:nvSpPr>
+        <p:spPr/>
+        <p:txBody>
+          <a:bodyPr/>
+          <a:lstStyle/>
+          <a:p>
+            <a:r>
+              <a:rPr lang="en-US" dirty="0" smtClean="0"/>
+              <a:t>Actor and Scala</a:t>
+            </a:r>
+          </a:p>
+        </p:txBody>
+      </p:sp>
+    </p:spTree>
+  </p:cSld>
+  <p:clrMapOvr>
+    <a:masterClrMapping/>
+  </p:clrMapOvr>
+  <p:transition xmlns:p14="http://schemas.microsoft.com/office/powerpoint/2010/main">
+    <p:wipe dir="r"/>
+  </p:transition>
+  <p:timing>
+    <p:tnLst>
+      <p:par>
+        <p:cTn xmlns:p14="http://schemas.microsoft.com/office/powerpoint/2010/main" id="1" dur="indefinite" restart="never" nodeType="tmRoot"/>
+      </p:par>
+    </p:tnLst>
+  </p:timing>
+</p:sld>
+</file>
+
+<file path=ppt/slides/slide18.xml><?xml version="1.0" encoding="utf-8"?>
+<p:sld xmlns:a="http://schemas.openxmlformats.org/drawingml/2006/main" xmlns:r="http://schemas.openxmlformats.org/officeDocument/2006/relationships" xmlns:p="http://schemas.openxmlformats.org/presentationml/2006/main">
+  <p:cSld>
+    <p:spTree>
+      <p:nvGrpSpPr>
+        <p:cNvPr id="1" name=""/>
+        <p:cNvGrpSpPr/>
+        <p:nvPr/>
+      </p:nvGrpSpPr>
+      <p:grpSpPr>
+        <a:xfrm>
+          <a:off x="0" y="0"/>
+          <a:ext cx="0" cy="0"/>
+          <a:chOff x="0" y="0"/>
+          <a:chExt cx="0" cy="0"/>
+        </a:xfrm>
+      </p:grpSpPr>
+      <p:sp>
+        <p:nvSpPr>
+          <p:cNvPr id="7170" name="Rectangle 2"/>
+          <p:cNvSpPr>
+            <a:spLocks noGrp="1" noChangeArrowheads="1"/>
+          </p:cNvSpPr>
+          <p:nvPr>
+            <p:ph type="title"/>
+          </p:nvPr>
+        </p:nvSpPr>
+        <p:spPr/>
+        <p:txBody>
+          <a:bodyPr/>
+          <a:lstStyle/>
+          <a:p>
+            <a:r>
+              <a:rPr lang="en-US" dirty="0" smtClean="0"/>
+              <a:t>Actor Best Practice</a:t>
+            </a:r>
+          </a:p>
+        </p:txBody>
+      </p:sp>
+      <p:sp>
+        <p:nvSpPr>
+          <p:cNvPr id="3" name="TextBox 2"/>
+          <p:cNvSpPr txBox="1"/>
+          <p:nvPr/>
+        </p:nvSpPr>
+        <p:spPr>
+          <a:xfrm>
+            <a:off x="609600" y="1295400"/>
+            <a:ext cx="8077200" cy="4593565"/>
+          </a:xfrm>
+          <a:prstGeom prst="rect">
+            <a:avLst/>
+          </a:prstGeom>
+          <a:noFill/>
+        </p:spPr>
+        <p:txBody>
+          <a:bodyPr wrap="square" rtlCol="0">
+            <a:spAutoFit/>
+          </a:bodyPr>
+          <a:lstStyle/>
+          <a:p>
+            <a:pPr>
+              <a:buFont typeface="Arial" pitchFamily="34" charset="0"/>
+              <a:buChar char="•"/>
+            </a:pPr>
+            <a:r>
+              <a:rPr lang="en-US" dirty="0" smtClean="0"/>
+              <a:t>  Actors should be like nice co-workers: do their job efficiently without bothering everyone else needlessly and avoid hogging resources. Translated to programming this means to process events and generate responses (or more requests) in an event-driven manner. Actors should not block (i.e. passively wait while occupying a Thread) on some external entity—which might be a lock, a network socket, etc.—unless it is unavoidable; in the latter case see below</a:t>
+            </a:r>
+          </a:p>
+          <a:p>
+            <a:pPr>
+              <a:buFont typeface="Arial" pitchFamily="34" charset="0"/>
+              <a:buChar char="•"/>
+            </a:pPr>
+            <a:r>
+              <a:rPr lang="en-US" dirty="0"/>
+              <a:t> </a:t>
+            </a:r>
+            <a:r>
+              <a:rPr lang="en-US" dirty="0" smtClean="0"/>
+              <a:t>Do not pass mutable objects between actors. In order to ensure that, prefer immutable messages. If the encapsulation of actors is broken by exposing their mutable state to the outside, you are back in normal Java concurrency land with all the drawbacks.</a:t>
+            </a:r>
+          </a:p>
+          <a:p>
+            <a:pPr>
+              <a:buFont typeface="Arial" pitchFamily="34" charset="0"/>
+              <a:buChar char="•"/>
+            </a:pPr>
+            <a:r>
+              <a:rPr lang="en-US" dirty="0" smtClean="0"/>
+              <a:t> Actors are made to be containers for behavior and state, embracing this means to not routinely send behavior within messages (which may be tempting using Scala closures). One of the risks is to accidentally share mutable state between actors, and this violation of the actor model unfortunately breaks all the properties which make programming in actors such a nice experience.</a:t>
+            </a:r>
+          </a:p>
+          <a:p>
+            <a:pPr>
+              <a:buFont typeface="Arial" pitchFamily="34" charset="0"/>
+              <a:buChar char="•"/>
+            </a:pPr>
+            <a:r>
+              <a:rPr lang="en-US" dirty="0"/>
+              <a:t> </a:t>
+            </a:r>
+            <a:r>
+              <a:rPr lang="en-US" dirty="0" smtClean="0"/>
+              <a:t>Top-level actors are the innermost part of your Error Kernel, so create them sparingly and prefer truly hierarchical systems. This has benefits wrt. fault-handling (both considering the granularity of configuration and the performance) and it also reduces the number of blocking calls made, since the creation of top-level actors involves synchronous messaging.</a:t>
+            </a:r>
+          </a:p>
+        </p:txBody>
+      </p:sp>
+      <p:sp>
+        <p:nvSpPr>
+          <p:cNvPr id="4" name="TextBox 3"/>
+          <p:cNvSpPr txBox="1"/>
+          <p:nvPr/>
+        </p:nvSpPr>
+        <p:spPr>
+          <a:xfrm>
+            <a:off x="5334000" y="6019800"/>
+            <a:ext cx="2959465" cy="323165"/>
+          </a:xfrm>
+          <a:prstGeom prst="rect">
+            <a:avLst/>
+          </a:prstGeom>
+          <a:noFill/>
+        </p:spPr>
+        <p:txBody>
+          <a:bodyPr wrap="none" rtlCol="0">
+            <a:spAutoFit/>
+          </a:bodyPr>
+          <a:lstStyle/>
+          <a:p>
+            <a:r>
+              <a:rPr lang="en-US" dirty="0" smtClean="0">
+                <a:solidFill>
+                  <a:srgbClr val="FF0000"/>
+                </a:solidFill>
+              </a:rPr>
+              <a:t>Simply and internalize the words</a:t>
+            </a:r>
+            <a:endParaRPr lang="en-US" dirty="0">
+              <a:solidFill>
+                <a:srgbClr val="FF0000"/>
+              </a:solidFill>
+            </a:endParaRPr>
+          </a:p>
+        </p:txBody>
+      </p:sp>
+    </p:spTree>
+  </p:cSld>
+  <p:clrMapOvr>
+    <a:masterClrMapping/>
+  </p:clrMapOvr>
+  <p:transition xmlns:p14="http://schemas.microsoft.com/office/powerpoint/2010/main">
+    <p:wipe dir="r"/>
+  </p:transition>
+  <p:timing>
+    <p:tnLst>
+      <p:par>
+        <p:cTn xmlns:p14="http://schemas.microsoft.com/office/powerpoint/2010/main" id="1" dur="indefinite" restart="never" nodeType="tmRoot"/>
+      </p:par>
+    </p:tnLst>
+  </p:timing>
+</p:sld>
+</file>
+
+<file path=ppt/slides/slide19.xml><?xml version="1.0" encoding="utf-8"?>
+<p:sld xmlns:a="http://schemas.openxmlformats.org/drawingml/2006/main" xmlns:r="http://schemas.openxmlformats.org/officeDocument/2006/relationships" xmlns:p="http://schemas.openxmlformats.org/presentationml/2006/main">
+  <p:cSld>
+    <p:spTree>
+      <p:nvGrpSpPr>
+        <p:cNvPr id="1" name=""/>
+        <p:cNvGrpSpPr/>
+        <p:nvPr/>
+      </p:nvGrpSpPr>
+      <p:grpSpPr>
+        <a:xfrm>
+          <a:off x="0" y="0"/>
+          <a:ext cx="0" cy="0"/>
+          <a:chOff x="0" y="0"/>
+          <a:chExt cx="0" cy="0"/>
+        </a:xfrm>
+      </p:grpSpPr>
+      <p:sp>
+        <p:nvSpPr>
+          <p:cNvPr id="7170" name="Rectangle 2"/>
+          <p:cNvSpPr>
+            <a:spLocks noGrp="1" noChangeArrowheads="1"/>
+          </p:cNvSpPr>
+          <p:nvPr>
+            <p:ph type="title"/>
+          </p:nvPr>
+        </p:nvSpPr>
+        <p:spPr/>
+        <p:txBody>
+          <a:bodyPr/>
+          <a:lstStyle/>
+          <a:p>
+            <a:r>
+              <a:rPr lang="en-US" dirty="0" smtClean="0"/>
+              <a:t>Best Practice</a:t>
+            </a:r>
+          </a:p>
+        </p:txBody>
+      </p:sp>
+      <p:sp>
+        <p:nvSpPr>
+          <p:cNvPr id="3" name="TextBox 2"/>
+          <p:cNvSpPr txBox="1"/>
+          <p:nvPr/>
+        </p:nvSpPr>
+        <p:spPr>
+          <a:xfrm>
+            <a:off x="609600" y="1295400"/>
+            <a:ext cx="8077200" cy="4593565"/>
+          </a:xfrm>
+          <a:prstGeom prst="rect">
+            <a:avLst/>
+          </a:prstGeom>
+          <a:noFill/>
+        </p:spPr>
+        <p:txBody>
+          <a:bodyPr wrap="square" rtlCol="0">
+            <a:spAutoFit/>
+          </a:bodyPr>
+          <a:lstStyle/>
+          <a:p>
+            <a:pPr>
+              <a:buFont typeface="Arial" pitchFamily="34" charset="0"/>
+              <a:buChar char="•"/>
+            </a:pPr>
+            <a:r>
+              <a:rPr lang="en-US" dirty="0" smtClean="0"/>
+              <a:t>  Actors should be like nice co-workers: do their job efficiently without bothering everyone else needlessly and avoid hogging resources. Translated to programming this means to process events and generate responses (or more requests) in an event-driven manner. Actors should not block (i.e. passively wait while occupying a Thread) on some external entity—which might be a lock, a network socket, etc.—unless it is unavoidable; in the latter case see below</a:t>
+            </a:r>
+          </a:p>
+          <a:p>
+            <a:pPr>
+              <a:buFont typeface="Arial" pitchFamily="34" charset="0"/>
+              <a:buChar char="•"/>
+            </a:pPr>
+            <a:r>
+              <a:rPr lang="en-US" dirty="0"/>
+              <a:t> </a:t>
+            </a:r>
+            <a:r>
+              <a:rPr lang="en-US" dirty="0" smtClean="0"/>
+              <a:t>Do not pass mutable objects between actors. In order to ensure that, prefer immutable messages. If the encapsulation of actors is broken by exposing their mutable state to the outside, you are back in normal Java concurrency land with all the drawbacks.</a:t>
+            </a:r>
+          </a:p>
+          <a:p>
+            <a:pPr>
+              <a:buFont typeface="Arial" pitchFamily="34" charset="0"/>
+              <a:buChar char="•"/>
+            </a:pPr>
+            <a:r>
+              <a:rPr lang="en-US" dirty="0" smtClean="0"/>
+              <a:t> Actors are made to be containers for behavior and state, embracing this means to not routinely send behavior within messages (which may be tempting using Scala closures). One of the risks is to accidentally share mutable state between actors, and this violation of the actor model unfortunately breaks all the properties which make programming in actors such a nice experience.</a:t>
+            </a:r>
+          </a:p>
+          <a:p>
+            <a:pPr>
+              <a:buFont typeface="Arial" pitchFamily="34" charset="0"/>
+              <a:buChar char="•"/>
+            </a:pPr>
+            <a:r>
+              <a:rPr lang="en-US" dirty="0"/>
+              <a:t> </a:t>
+            </a:r>
+            <a:r>
+              <a:rPr lang="en-US" dirty="0" smtClean="0"/>
+              <a:t>Top-level actors are the innermost part of your Error Kernel, so create them sparingly and prefer truly hierarchical systems. This has benefits wrt. fault-handling (both considering the granularity of configuration and the performance) and it also reduces the number of blocking calls made, since the creation of top-level actors involves synchronous messaging.</a:t>
+            </a:r>
+          </a:p>
+        </p:txBody>
+      </p:sp>
+      <p:sp>
+        <p:nvSpPr>
+          <p:cNvPr id="4" name="TextBox 3"/>
+          <p:cNvSpPr txBox="1"/>
+          <p:nvPr/>
+        </p:nvSpPr>
+        <p:spPr>
+          <a:xfrm>
+            <a:off x="5334000" y="6019800"/>
+            <a:ext cx="2959465" cy="323165"/>
+          </a:xfrm>
+          <a:prstGeom prst="rect">
+            <a:avLst/>
+          </a:prstGeom>
+          <a:noFill/>
+        </p:spPr>
+        <p:txBody>
+          <a:bodyPr wrap="none" rtlCol="0">
+            <a:spAutoFit/>
+          </a:bodyPr>
+          <a:lstStyle/>
+          <a:p>
+            <a:r>
+              <a:rPr lang="en-US" dirty="0" smtClean="0">
+                <a:solidFill>
+                  <a:srgbClr val="FF0000"/>
+                </a:solidFill>
+              </a:rPr>
+              <a:t>Simply and internalize the words</a:t>
+            </a:r>
+            <a:endParaRPr lang="en-US" dirty="0">
+              <a:solidFill>
+                <a:srgbClr val="FF0000"/>
+              </a:solidFill>
+            </a:endParaRPr>
+          </a:p>
+        </p:txBody>
+      </p:sp>
+    </p:spTree>
+  </p:cSld>
+  <p:clrMapOvr>
+    <a:masterClrMapping/>
+  </p:clrMapOvr>
+  <p:transition xmlns:p14="http://schemas.microsoft.com/office/powerpoint/2010/main">
+    <p:wipe dir="r"/>
+  </p:transition>
+  <p:timing>
+    <p:tnLst>
+      <p:par>
+        <p:cTn xmlns:p14="http://schemas.microsoft.com/office/powerpoint/2010/main" id="1" dur="indefinite" restart="never" nodeType="tmRoot"/>
+      </p:par>
+    </p:tnLst>
+  </p:timing>
+</p:sld>
+</file>
+
+<file path=ppt/slides/slide2.xml><?xml version="1.0" encoding="utf-8"?>
+<p:sld xmlns:a="http://schemas.openxmlformats.org/drawingml/2006/main" xmlns:r="http://schemas.openxmlformats.org/officeDocument/2006/relationships" xmlns:p="http://schemas.openxmlformats.org/presentationml/2006/main">
+  <p:cSld>
+    <p:spTree>
+      <p:nvGrpSpPr>
+        <p:cNvPr id="1" name=""/>
+        <p:cNvGrpSpPr/>
+        <p:nvPr/>
+      </p:nvGrpSpPr>
+      <p:grpSpPr>
+        <a:xfrm>
+          <a:off x="0" y="0"/>
+          <a:ext cx="0" cy="0"/>
+          <a:chOff x="0" y="0"/>
+          <a:chExt cx="0" cy="0"/>
+        </a:xfrm>
+      </p:grpSpPr>
+      <p:sp>
+        <p:nvSpPr>
+          <p:cNvPr id="4098" name="Rectangle 2"/>
+          <p:cNvSpPr>
+            <a:spLocks noGrp="1" noChangeArrowheads="1"/>
+          </p:cNvSpPr>
+          <p:nvPr>
+            <p:ph type="title"/>
+          </p:nvPr>
+        </p:nvSpPr>
+        <p:spPr/>
+        <p:txBody>
+          <a:bodyPr/>
+          <a:lstStyle/>
+          <a:p>
+            <a:r>
+              <a:rPr lang="en-US" dirty="0" smtClean="0"/>
+              <a:t>Goal</a:t>
+            </a:r>
+          </a:p>
+        </p:txBody>
+      </p:sp>
+    </p:spTree>
+  </p:cSld>
+  <p:clrMapOvr>
+    <a:masterClrMapping/>
+  </p:clrMapOvr>
+  <p:transition xmlns:p14="http://schemas.microsoft.com/office/powerpoint/2010/main">
+    <p:wipe dir="r"/>
+  </p:transition>
+  <p:timing>
+    <p:tnLst>
+      <p:par>
+        <p:cTn xmlns:p14="http://schemas.microsoft.com/office/powerpoint/2010/main" id="1" dur="indefinite" restart="never" nodeType="tmRoot"/>
+      </p:par>
+    </p:tnLst>
+  </p:timing>
+</p:sld>
+</file>
+
+<file path=ppt/slides/slide20.xml><?xml version="1.0" encoding="utf-8"?>
+<p:sld xmlns:a="http://schemas.openxmlformats.org/drawingml/2006/main" xmlns:r="http://schemas.openxmlformats.org/officeDocument/2006/relationships" xmlns:p="http://schemas.openxmlformats.org/presentationml/2006/main">
+  <p:cSld>
+    <p:spTree>
+      <p:nvGrpSpPr>
+        <p:cNvPr id="1" name=""/>
+        <p:cNvGrpSpPr/>
+        <p:nvPr/>
+      </p:nvGrpSpPr>
+      <p:grpSpPr>
+        <a:xfrm>
+          <a:off x="0" y="0"/>
+          <a:ext cx="0" cy="0"/>
+          <a:chOff x="0" y="0"/>
+          <a:chExt cx="0" cy="0"/>
+        </a:xfrm>
+      </p:grpSpPr>
+      <p:sp>
+        <p:nvSpPr>
+          <p:cNvPr id="7170" name="Rectangle 2"/>
+          <p:cNvSpPr>
+            <a:spLocks noGrp="1" noChangeArrowheads="1"/>
+          </p:cNvSpPr>
+          <p:nvPr>
+            <p:ph type="title"/>
+          </p:nvPr>
+        </p:nvSpPr>
+        <p:spPr/>
+        <p:txBody>
+          <a:bodyPr/>
+          <a:lstStyle/>
+          <a:p>
+            <a:r>
+              <a:rPr lang="en-US" dirty="0" smtClean="0"/>
+              <a:t>Blocking strategies</a:t>
+            </a:r>
+          </a:p>
+        </p:txBody>
+      </p:sp>
+      <p:sp>
+        <p:nvSpPr>
+          <p:cNvPr id="3" name="TextBox 2"/>
+          <p:cNvSpPr txBox="1"/>
+          <p:nvPr/>
+        </p:nvSpPr>
+        <p:spPr>
+          <a:xfrm>
+            <a:off x="609600" y="1295400"/>
+            <a:ext cx="8077200" cy="2746906"/>
+          </a:xfrm>
+          <a:prstGeom prst="rect">
+            <a:avLst/>
+          </a:prstGeom>
+          <a:noFill/>
+        </p:spPr>
+        <p:txBody>
+          <a:bodyPr wrap="square" rtlCol="0">
+            <a:spAutoFit/>
+          </a:bodyPr>
+          <a:lstStyle/>
+          <a:p>
+            <a:r>
+              <a:rPr lang="en-US" dirty="0" smtClean="0"/>
+              <a:t>  Do the blocking call within an actor (or a set of actors managed by a router [</a:t>
+            </a:r>
+            <a:r>
+              <a:rPr lang="en-US" i="1" dirty="0" smtClean="0">
+                <a:hlinkClick r:id="rId2"/>
+              </a:rPr>
+              <a:t>Java</a:t>
+            </a:r>
+            <a:r>
+              <a:rPr lang="en-US" dirty="0" smtClean="0"/>
+              <a:t>, </a:t>
+            </a:r>
+            <a:r>
+              <a:rPr lang="en-US" i="1" dirty="0" smtClean="0">
+                <a:hlinkClick r:id="rId3"/>
+              </a:rPr>
+              <a:t>Scala</a:t>
+            </a:r>
+            <a:r>
+              <a:rPr lang="en-US" dirty="0" smtClean="0"/>
+              <a:t>]), making sure to configure a thread pool which is either dedicated for this purpose or sufficiently sized.</a:t>
+            </a:r>
+          </a:p>
+          <a:p>
+            <a:r>
+              <a:rPr lang="en-US" dirty="0" smtClean="0"/>
+              <a:t>Do the blocking call within a Future, ensuring an upper bound on the number of such calls at any point in time (submitting an unbounded number of tasks of this nature will exhaust your memory or thread limits).</a:t>
+            </a:r>
+          </a:p>
+          <a:p>
+            <a:r>
+              <a:rPr lang="en-US" dirty="0" smtClean="0"/>
+              <a:t>Do the blocking call within a Future, providing a thread pool with an upper limit on the number of threads which is appropriate for the hardware on which the application runs.</a:t>
+            </a:r>
+          </a:p>
+          <a:p>
+            <a:r>
+              <a:rPr lang="en-US" dirty="0" smtClean="0"/>
+              <a:t>Dedicate a single thread to manage a set of blocking resources (e.g. a NIO selector driving multiple channels) and dispatch events as they occur as actor messages.</a:t>
+            </a:r>
+            <a:endParaRPr lang="en-US" dirty="0"/>
+          </a:p>
+        </p:txBody>
+      </p:sp>
+      <p:sp>
+        <p:nvSpPr>
+          <p:cNvPr id="4" name="TextBox 3"/>
+          <p:cNvSpPr txBox="1"/>
+          <p:nvPr/>
+        </p:nvSpPr>
+        <p:spPr>
+          <a:xfrm>
+            <a:off x="5334000" y="6019800"/>
+            <a:ext cx="2959465" cy="323165"/>
+          </a:xfrm>
+          <a:prstGeom prst="rect">
+            <a:avLst/>
+          </a:prstGeom>
+          <a:noFill/>
+        </p:spPr>
+        <p:txBody>
+          <a:bodyPr wrap="none" rtlCol="0">
+            <a:spAutoFit/>
+          </a:bodyPr>
+          <a:lstStyle/>
+          <a:p>
+            <a:r>
+              <a:rPr lang="en-US" dirty="0" smtClean="0">
+                <a:solidFill>
+                  <a:srgbClr val="FF0000"/>
+                </a:solidFill>
+              </a:rPr>
+              <a:t>Simply and internalize the words</a:t>
+            </a:r>
+            <a:endParaRPr lang="en-US" dirty="0">
+              <a:solidFill>
+                <a:srgbClr val="FF0000"/>
+              </a:solidFill>
+            </a:endParaRPr>
+          </a:p>
+        </p:txBody>
+      </p:sp>
+    </p:spTree>
+  </p:cSld>
+  <p:clrMapOvr>
+    <a:masterClrMapping/>
+  </p:clrMapOvr>
+  <p:transition xmlns:p14="http://schemas.microsoft.com/office/powerpoint/2010/main">
+    <p:wipe dir="r"/>
+  </p:transition>
+  <p:timing>
+    <p:tnLst>
+      <p:par>
+        <p:cTn xmlns:p14="http://schemas.microsoft.com/office/powerpoint/2010/main" id="1" dur="indefinite" restart="never" nodeType="tmRoot"/>
+      </p:par>
+    </p:tnLst>
+  </p:timing>
+</p:sld>
+</file>
+
+<file path=ppt/slides/slide21.xml><?xml version="1.0" encoding="utf-8"?>
+<p:sld xmlns:a="http://schemas.openxmlformats.org/drawingml/2006/main" xmlns:r="http://schemas.openxmlformats.org/officeDocument/2006/relationships" xmlns:p="http://schemas.openxmlformats.org/presentationml/2006/main">
+  <p:cSld>
+    <p:spTree>
+      <p:nvGrpSpPr>
+        <p:cNvPr id="1" name=""/>
+        <p:cNvGrpSpPr/>
+        <p:nvPr/>
+      </p:nvGrpSpPr>
+      <p:grpSpPr>
+        <a:xfrm>
+          <a:off x="0" y="0"/>
+          <a:ext cx="0" cy="0"/>
+          <a:chOff x="0" y="0"/>
+          <a:chExt cx="0" cy="0"/>
+        </a:xfrm>
+      </p:grpSpPr>
+      <p:sp>
+        <p:nvSpPr>
+          <p:cNvPr id="7170" name="Rectangle 2"/>
+          <p:cNvSpPr>
+            <a:spLocks noGrp="1" noChangeArrowheads="1"/>
+          </p:cNvSpPr>
+          <p:nvPr>
+            <p:ph type="title"/>
+          </p:nvPr>
+        </p:nvSpPr>
+        <p:spPr/>
+        <p:txBody>
+          <a:bodyPr/>
+          <a:lstStyle/>
+          <a:p>
+            <a:r>
+              <a:rPr lang="en-US" dirty="0" smtClean="0"/>
+              <a:t>Akka provides and guarantee</a:t>
+            </a:r>
+          </a:p>
+        </p:txBody>
+      </p:sp>
+      <p:sp>
+        <p:nvSpPr>
+          <p:cNvPr id="3" name="TextBox 2"/>
+          <p:cNvSpPr txBox="1"/>
+          <p:nvPr/>
+        </p:nvSpPr>
+        <p:spPr>
+          <a:xfrm>
+            <a:off x="533400" y="838200"/>
+            <a:ext cx="8077200" cy="6324808"/>
+          </a:xfrm>
+          <a:prstGeom prst="rect">
+            <a:avLst/>
+          </a:prstGeom>
+          <a:noFill/>
+        </p:spPr>
+        <p:txBody>
+          <a:bodyPr wrap="square" rtlCol="0">
+            <a:spAutoFit/>
+          </a:bodyPr>
+          <a:lstStyle/>
+          <a:p>
+            <a:r>
+              <a:rPr lang="en-US" dirty="0" smtClean="0"/>
+              <a:t>Actor model</a:t>
+            </a:r>
+          </a:p>
+          <a:p>
+            <a:r>
+              <a:rPr lang="en-US" dirty="0" smtClean="0"/>
+              <a:t>Other communication integration such as Camel</a:t>
+            </a:r>
+          </a:p>
+          <a:p>
+            <a:r>
+              <a:rPr lang="en-US" dirty="0" smtClean="0"/>
+              <a:t>There may be millions of actors within one such system, after all the mantra is to view them as abundant and they weigh in at an overhead of only roughly 300 bytes per instance</a:t>
+            </a:r>
+          </a:p>
+          <a:p>
+            <a:r>
+              <a:rPr lang="en-US" dirty="0" smtClean="0"/>
+              <a:t>Threads are share behind the scene</a:t>
+            </a:r>
+          </a:p>
+          <a:p>
+            <a:r>
+              <a:rPr lang="en-US" dirty="0" smtClean="0"/>
+              <a:t>Ensure each actor is only run by one thread per activation (similar to Node.js in the sense that it handle the liveliness of the actor but never block.  A task should be issue to the actor and that’s it.  The framework will schedule the work to ensure cpu utilization)</a:t>
+            </a:r>
+          </a:p>
+          <a:p>
+            <a:r>
+              <a:rPr lang="en-US" dirty="0" smtClean="0"/>
+              <a:t>Order of messages between two end points is ensure but not from other end points</a:t>
+            </a:r>
+          </a:p>
+          <a:p>
+            <a:r>
+              <a:rPr lang="en-US" dirty="0" smtClean="0"/>
+              <a:t>Akka specific!! – cannot scan mailbox and only handle the next dequeue message. Hence order is encapsulated in mailbox strategy alone.</a:t>
+            </a:r>
+          </a:p>
+          <a:p>
+            <a:r>
+              <a:rPr lang="en-US" b="1" dirty="0" smtClean="0"/>
+              <a:t>The actor send rule:</a:t>
+            </a:r>
+            <a:r>
+              <a:rPr lang="en-US" dirty="0" smtClean="0"/>
+              <a:t> the send of the message to an actor happens before the receive of that message by the same actor.</a:t>
+            </a:r>
+          </a:p>
+          <a:p>
+            <a:r>
+              <a:rPr lang="en-US" b="1" dirty="0" smtClean="0"/>
+              <a:t>The actor subsequent processing rule:</a:t>
+            </a:r>
+            <a:r>
+              <a:rPr lang="en-US" dirty="0" smtClean="0"/>
+              <a:t> processing of one message happens before processing of the next message by the same actor.</a:t>
+            </a:r>
+          </a:p>
+          <a:p>
+            <a:r>
+              <a:rPr lang="en-US" dirty="0" smtClean="0"/>
+              <a:t>Note</a:t>
+            </a:r>
+          </a:p>
+          <a:p>
+            <a:r>
+              <a:rPr lang="en-US" dirty="0" smtClean="0"/>
+              <a:t>In layman's terms this means that changes to internal fields of the actor are visible when the next message is processed by that actor. So fields in your actor need not be volatile or equivalent.</a:t>
+            </a:r>
+          </a:p>
+          <a:p>
+            <a:endParaRPr lang="en-US" dirty="0" smtClean="0"/>
+          </a:p>
+          <a:p>
+            <a:endParaRPr lang="en-US" dirty="0"/>
+          </a:p>
+        </p:txBody>
+      </p:sp>
+      <p:sp>
+        <p:nvSpPr>
+          <p:cNvPr id="4" name="TextBox 3"/>
+          <p:cNvSpPr txBox="1"/>
+          <p:nvPr/>
+        </p:nvSpPr>
+        <p:spPr>
+          <a:xfrm>
+            <a:off x="5334000" y="6019800"/>
+            <a:ext cx="2959465" cy="323165"/>
+          </a:xfrm>
+          <a:prstGeom prst="rect">
+            <a:avLst/>
+          </a:prstGeom>
+          <a:noFill/>
+        </p:spPr>
+        <p:txBody>
+          <a:bodyPr wrap="none" rtlCol="0">
+            <a:spAutoFit/>
+          </a:bodyPr>
+          <a:lstStyle/>
+          <a:p>
+            <a:r>
+              <a:rPr lang="en-US" dirty="0" smtClean="0">
+                <a:solidFill>
+                  <a:srgbClr val="FF0000"/>
+                </a:solidFill>
+              </a:rPr>
+              <a:t>Simply and internalize the words</a:t>
+            </a:r>
+            <a:endParaRPr lang="en-US" dirty="0">
+              <a:solidFill>
+                <a:srgbClr val="FF0000"/>
+              </a:solidFill>
+            </a:endParaRPr>
+          </a:p>
+        </p:txBody>
+      </p:sp>
+    </p:spTree>
+  </p:cSld>
+  <p:clrMapOvr>
+    <a:masterClrMapping/>
+  </p:clrMapOvr>
+  <p:transition xmlns:p14="http://schemas.microsoft.com/office/powerpoint/2010/main">
+    <p:wipe dir="r"/>
+  </p:transition>
+  <p:timing>
+    <p:tnLst>
+      <p:par>
+        <p:cTn xmlns:p14="http://schemas.microsoft.com/office/powerpoint/2010/main" id="1" dur="indefinite" restart="never" nodeType="tmRoot"/>
+      </p:par>
+    </p:tnLst>
+  </p:timing>
+</p:sld>
+</file>
+
+<file path=ppt/slides/slide22.xml><?xml version="1.0" encoding="utf-8"?>
+<p:sld xmlns:a="http://schemas.openxmlformats.org/drawingml/2006/main" xmlns:r="http://schemas.openxmlformats.org/officeDocument/2006/relationships" xmlns:p="http://schemas.openxmlformats.org/presentationml/2006/main">
+  <p:cSld>
+    <p:spTree>
+      <p:nvGrpSpPr>
+        <p:cNvPr id="1" name=""/>
+        <p:cNvGrpSpPr/>
+        <p:nvPr/>
+      </p:nvGrpSpPr>
+      <p:grpSpPr>
+        <a:xfrm>
+          <a:off x="0" y="0"/>
+          <a:ext cx="0" cy="0"/>
+          <a:chOff x="0" y="0"/>
+          <a:chExt cx="0" cy="0"/>
+        </a:xfrm>
+      </p:grpSpPr>
+      <p:sp>
+        <p:nvSpPr>
+          <p:cNvPr id="7170" name="Rectangle 2"/>
+          <p:cNvSpPr>
+            <a:spLocks noGrp="1" noChangeArrowheads="1"/>
+          </p:cNvSpPr>
+          <p:nvPr>
+            <p:ph type="title"/>
+          </p:nvPr>
+        </p:nvSpPr>
+        <p:spPr/>
+        <p:txBody>
+          <a:bodyPr/>
+          <a:lstStyle/>
+          <a:p>
+            <a:r>
+              <a:rPr lang="en-US" dirty="0" smtClean="0"/>
+              <a:t>Design Pre-requisite</a:t>
+            </a:r>
+          </a:p>
+        </p:txBody>
+      </p:sp>
+      <p:sp>
+        <p:nvSpPr>
+          <p:cNvPr id="3" name="TextBox 2"/>
+          <p:cNvSpPr txBox="1"/>
+          <p:nvPr/>
+        </p:nvSpPr>
+        <p:spPr>
+          <a:xfrm>
+            <a:off x="609600" y="1295400"/>
+            <a:ext cx="8077200" cy="2169825"/>
+          </a:xfrm>
+          <a:prstGeom prst="rect">
+            <a:avLst/>
+          </a:prstGeom>
+          <a:noFill/>
+        </p:spPr>
+        <p:txBody>
+          <a:bodyPr wrap="square" rtlCol="0">
+            <a:spAutoFit/>
+          </a:bodyPr>
+          <a:lstStyle/>
+          <a:p>
+            <a:pPr>
+              <a:buFont typeface="Arial" pitchFamily="34" charset="0"/>
+              <a:buChar char="•"/>
+            </a:pPr>
+            <a:r>
+              <a:rPr lang="en-US" dirty="0"/>
+              <a:t> </a:t>
+            </a:r>
+            <a:r>
+              <a:rPr lang="en-US" dirty="0" smtClean="0"/>
+              <a:t>Immutable messaging</a:t>
+            </a:r>
+          </a:p>
+          <a:p>
+            <a:pPr>
+              <a:buFont typeface="Arial" pitchFamily="34" charset="0"/>
+              <a:buChar char="•"/>
+            </a:pPr>
+            <a:r>
+              <a:rPr lang="en-US" dirty="0"/>
+              <a:t> </a:t>
+            </a:r>
+            <a:r>
+              <a:rPr lang="en-US" dirty="0" smtClean="0"/>
+              <a:t>Remote to local with optimization instead of local to remote generalization (</a:t>
+            </a:r>
+            <a:r>
+              <a:rPr lang="en-US" dirty="0" smtClean="0">
+                <a:hlinkClick r:id="rId2"/>
+              </a:rPr>
+              <a:t>http://labs.oracle.com/techrep/1994/smli_tr-94-29.pdf</a:t>
+            </a:r>
+            <a:r>
+              <a:rPr lang="en-US" dirty="0" smtClean="0"/>
+              <a:t>); hence no remote/local distinction and most are driven by configuration</a:t>
+            </a:r>
+          </a:p>
+          <a:p>
+            <a:pPr>
+              <a:buFont typeface="Arial" pitchFamily="34" charset="0"/>
+              <a:buChar char="•"/>
+            </a:pPr>
+            <a:r>
+              <a:rPr lang="en-US" dirty="0"/>
+              <a:t> </a:t>
+            </a:r>
+            <a:r>
+              <a:rPr lang="en-US" dirty="0" smtClean="0"/>
+              <a:t>Messages must be serializable including the setup in Prop</a:t>
+            </a:r>
+          </a:p>
+          <a:p>
+            <a:pPr>
+              <a:buFont typeface="Arial" pitchFamily="34" charset="0"/>
+              <a:buChar char="•"/>
+            </a:pPr>
+            <a:r>
+              <a:rPr lang="en-US" dirty="0"/>
+              <a:t> </a:t>
+            </a:r>
+            <a:r>
+              <a:rPr lang="en-US" dirty="0" smtClean="0"/>
+              <a:t>Async and data lost</a:t>
+            </a:r>
+          </a:p>
+          <a:p>
+            <a:pPr>
+              <a:buFont typeface="Arial" pitchFamily="34" charset="0"/>
+              <a:buChar char="•"/>
+            </a:pPr>
+            <a:r>
+              <a:rPr lang="en-US" dirty="0"/>
+              <a:t> </a:t>
+            </a:r>
+            <a:r>
+              <a:rPr lang="en-US" dirty="0" smtClean="0"/>
+              <a:t>Don’t expect the same thread will process two different messages</a:t>
+            </a:r>
+            <a:endParaRPr lang="en-US" dirty="0"/>
+          </a:p>
+        </p:txBody>
+      </p:sp>
+      <p:sp>
+        <p:nvSpPr>
+          <p:cNvPr id="4" name="TextBox 3"/>
+          <p:cNvSpPr txBox="1"/>
+          <p:nvPr/>
+        </p:nvSpPr>
+        <p:spPr>
+          <a:xfrm>
+            <a:off x="5334000" y="6019800"/>
+            <a:ext cx="2959465" cy="323165"/>
+          </a:xfrm>
+          <a:prstGeom prst="rect">
+            <a:avLst/>
+          </a:prstGeom>
+          <a:noFill/>
+        </p:spPr>
+        <p:txBody>
+          <a:bodyPr wrap="none" rtlCol="0">
+            <a:spAutoFit/>
+          </a:bodyPr>
+          <a:lstStyle/>
+          <a:p>
+            <a:r>
+              <a:rPr lang="en-US" dirty="0" smtClean="0">
+                <a:solidFill>
+                  <a:srgbClr val="FF0000"/>
+                </a:solidFill>
+              </a:rPr>
+              <a:t>Simply and internalize the words</a:t>
+            </a:r>
+            <a:endParaRPr lang="en-US" dirty="0">
+              <a:solidFill>
+                <a:srgbClr val="FF0000"/>
+              </a:solidFill>
+            </a:endParaRPr>
+          </a:p>
+        </p:txBody>
+      </p:sp>
+    </p:spTree>
+  </p:cSld>
+  <p:clrMapOvr>
+    <a:masterClrMapping/>
+  </p:clrMapOvr>
+  <p:transition xmlns:p14="http://schemas.microsoft.com/office/powerpoint/2010/main">
+    <p:wipe dir="r"/>
+  </p:transition>
+  <p:timing>
+    <p:tnLst>
+      <p:par>
+        <p:cTn xmlns:p14="http://schemas.microsoft.com/office/powerpoint/2010/main" id="1" dur="indefinite" restart="never" nodeType="tmRoot"/>
+      </p:par>
+    </p:tnLst>
+  </p:timing>
+</p:sld>
+</file>
+
+<file path=ppt/slides/slide23.xml><?xml version="1.0" encoding="utf-8"?>
+<p:sld xmlns:a="http://schemas.openxmlformats.org/drawingml/2006/main" xmlns:r="http://schemas.openxmlformats.org/officeDocument/2006/relationships" xmlns:p="http://schemas.openxmlformats.org/presentationml/2006/main">
+  <p:cSld>
+    <p:spTree>
+      <p:nvGrpSpPr>
+        <p:cNvPr id="1" name=""/>
+        <p:cNvGrpSpPr/>
+        <p:nvPr/>
+      </p:nvGrpSpPr>
+      <p:grpSpPr>
+        <a:xfrm>
+          <a:off x="0" y="0"/>
+          <a:ext cx="0" cy="0"/>
+          <a:chOff x="0" y="0"/>
+          <a:chExt cx="0" cy="0"/>
+        </a:xfrm>
+      </p:grpSpPr>
+      <p:sp>
+        <p:nvSpPr>
+          <p:cNvPr id="8194" name="Rectangle 2"/>
+          <p:cNvSpPr>
+            <a:spLocks noGrp="1" noChangeArrowheads="1"/>
+          </p:cNvSpPr>
+          <p:nvPr>
+            <p:ph type="title"/>
+          </p:nvPr>
+        </p:nvSpPr>
+        <p:spPr/>
+        <p:txBody>
+          <a:bodyPr/>
+          <a:lstStyle/>
+          <a:p>
+            <a:r>
+              <a:rPr lang="en-US" dirty="0" smtClean="0"/>
+              <a:t>Akka – The Good, the Bad and the Ugly</a:t>
+            </a:r>
+          </a:p>
+        </p:txBody>
+      </p:sp>
+      <p:sp>
+        <p:nvSpPr>
+          <p:cNvPr id="6" name="TextBox 5"/>
+          <p:cNvSpPr txBox="1"/>
+          <p:nvPr/>
+        </p:nvSpPr>
+        <p:spPr>
+          <a:xfrm>
+            <a:off x="685800" y="1524000"/>
+            <a:ext cx="1905000" cy="1569660"/>
+          </a:xfrm>
+          <a:prstGeom prst="rect">
+            <a:avLst/>
+          </a:prstGeom>
+          <a:noFill/>
+        </p:spPr>
+        <p:txBody>
+          <a:bodyPr>
+            <a:spAutoFit/>
+          </a:bodyPr>
+          <a:lstStyle/>
+          <a:p>
+            <a:pPr>
+              <a:defRPr/>
+            </a:pPr>
+            <a:r>
+              <a:rPr lang="en-US" sz="2400" dirty="0" smtClean="0">
+                <a:solidFill>
+                  <a:schemeClr val="bg2">
+                    <a:lumMod val="75000"/>
+                  </a:schemeClr>
+                </a:solidFill>
+              </a:rPr>
+              <a:t>Mature, good documentation</a:t>
+            </a:r>
+            <a:endParaRPr lang="en-US" sz="2400" dirty="0">
+              <a:solidFill>
+                <a:schemeClr val="bg2">
+                  <a:lumMod val="75000"/>
+                </a:schemeClr>
+              </a:solidFill>
+            </a:endParaRPr>
+          </a:p>
+        </p:txBody>
+      </p:sp>
+      <p:sp>
+        <p:nvSpPr>
+          <p:cNvPr id="5" name="TextBox 4"/>
+          <p:cNvSpPr txBox="1"/>
+          <p:nvPr/>
+        </p:nvSpPr>
+        <p:spPr>
+          <a:xfrm>
+            <a:off x="2895600" y="1600200"/>
+            <a:ext cx="1905000" cy="1938992"/>
+          </a:xfrm>
+          <a:prstGeom prst="rect">
+            <a:avLst/>
+          </a:prstGeom>
+          <a:noFill/>
+        </p:spPr>
+        <p:txBody>
+          <a:bodyPr>
+            <a:spAutoFit/>
+          </a:bodyPr>
+          <a:lstStyle/>
+          <a:p>
+            <a:pPr>
+              <a:defRPr/>
+            </a:pPr>
+            <a:r>
+              <a:rPr lang="en-US" sz="2400" dirty="0" smtClean="0">
+                <a:solidFill>
+                  <a:schemeClr val="bg2">
+                    <a:lumMod val="75000"/>
+                  </a:schemeClr>
+                </a:solidFill>
+              </a:rPr>
+              <a:t>Not really design for Java as a fundamental lang in mind</a:t>
+            </a:r>
+            <a:endParaRPr lang="en-US" sz="2400" dirty="0">
+              <a:solidFill>
+                <a:schemeClr val="bg2">
+                  <a:lumMod val="75000"/>
+                </a:schemeClr>
+              </a:solidFill>
+            </a:endParaRPr>
+          </a:p>
+        </p:txBody>
+      </p:sp>
+      <p:sp>
+        <p:nvSpPr>
+          <p:cNvPr id="7" name="TextBox 6"/>
+          <p:cNvSpPr txBox="1"/>
+          <p:nvPr/>
+        </p:nvSpPr>
+        <p:spPr>
+          <a:xfrm>
+            <a:off x="6096000" y="1447800"/>
+            <a:ext cx="1905000" cy="3231654"/>
+          </a:xfrm>
+          <a:prstGeom prst="rect">
+            <a:avLst/>
+          </a:prstGeom>
+          <a:noFill/>
+        </p:spPr>
+        <p:txBody>
+          <a:bodyPr>
+            <a:spAutoFit/>
+          </a:bodyPr>
+          <a:lstStyle/>
+          <a:p>
+            <a:pPr>
+              <a:defRPr/>
+            </a:pPr>
+            <a:r>
+              <a:rPr lang="en-US" sz="2400" dirty="0" smtClean="0">
+                <a:solidFill>
+                  <a:schemeClr val="bg2">
+                    <a:lumMod val="75000"/>
+                  </a:schemeClr>
+                </a:solidFill>
+              </a:rPr>
+              <a:t>Paddling </a:t>
+            </a:r>
+            <a:r>
+              <a:rPr lang="en-US" sz="2400" dirty="0">
+                <a:solidFill>
+                  <a:schemeClr val="bg2">
+                    <a:lumMod val="75000"/>
+                  </a:schemeClr>
+                </a:solidFill>
+              </a:rPr>
+              <a:t>their ware such as installing their whole stack</a:t>
+            </a:r>
+          </a:p>
+          <a:p>
+            <a:pPr>
+              <a:defRPr/>
+            </a:pPr>
+            <a:r>
+              <a:rPr lang="en-US" sz="2400" dirty="0" smtClean="0">
+                <a:solidFill>
+                  <a:schemeClr val="bg2">
+                    <a:lumMod val="75000"/>
+                  </a:schemeClr>
+                </a:solidFill>
+              </a:rPr>
+              <a:t>Clumsy tutorial</a:t>
+            </a:r>
+            <a:endParaRPr lang="en-US" sz="2400" dirty="0">
+              <a:solidFill>
+                <a:schemeClr val="bg2">
+                  <a:lumMod val="75000"/>
+                </a:schemeClr>
+              </a:solidFill>
+            </a:endParaRPr>
+          </a:p>
+        </p:txBody>
+      </p:sp>
+    </p:spTree>
+  </p:cSld>
+  <p:clrMapOvr>
+    <a:masterClrMapping/>
+  </p:clrMapOvr>
+  <p:transition xmlns:p14="http://schemas.microsoft.com/office/powerpoint/2010/main">
+    <p:wipe dir="r"/>
+  </p:transition>
+  <p:timing>
+    <p:tnLst>
+      <p:par>
+        <p:cTn xmlns:p14="http://schemas.microsoft.com/office/powerpoint/2010/main" id="1" dur="indefinite" restart="never" nodeType="tmRoot"/>
+      </p:par>
+    </p:tnLst>
+  </p:timing>
+</p:sld>
+</file>
+
+<file path=ppt/slides/slide24.xml><?xml version="1.0" encoding="utf-8"?>
+<p:sld xmlns:a="http://schemas.openxmlformats.org/drawingml/2006/main" xmlns:r="http://schemas.openxmlformats.org/officeDocument/2006/relationships" xmlns:p="http://schemas.openxmlformats.org/presentationml/2006/main">
+  <p:cSld>
+    <p:spTree>
+      <p:nvGrpSpPr>
+        <p:cNvPr id="1" name=""/>
+        <p:cNvGrpSpPr/>
+        <p:nvPr/>
+      </p:nvGrpSpPr>
+      <p:grpSpPr>
+        <a:xfrm>
+          <a:off x="0" y="0"/>
+          <a:ext cx="0" cy="0"/>
+          <a:chOff x="0" y="0"/>
+          <a:chExt cx="0" cy="0"/>
+        </a:xfrm>
+      </p:grpSpPr>
+      <p:sp>
+        <p:nvSpPr>
+          <p:cNvPr id="9218" name="Rectangle 2"/>
+          <p:cNvSpPr>
+            <a:spLocks noGrp="1" noChangeArrowheads="1"/>
+          </p:cNvSpPr>
+          <p:nvPr>
+            <p:ph type="title"/>
+          </p:nvPr>
+        </p:nvSpPr>
+        <p:spPr/>
+        <p:txBody>
+          <a:bodyPr/>
+          <a:lstStyle/>
+          <a:p>
+            <a:r>
+              <a:rPr lang="en-US" dirty="0" smtClean="0"/>
+              <a:t>Scenarios</a:t>
+            </a:r>
+          </a:p>
+        </p:txBody>
+      </p:sp>
+      <p:sp>
+        <p:nvSpPr>
+          <p:cNvPr id="6" name="TextBox 5"/>
+          <p:cNvSpPr txBox="1"/>
+          <p:nvPr/>
+        </p:nvSpPr>
+        <p:spPr>
+          <a:xfrm>
+            <a:off x="685800" y="1524000"/>
+            <a:ext cx="7696200" cy="1384995"/>
+          </a:xfrm>
+          <a:prstGeom prst="rect">
+            <a:avLst/>
+          </a:prstGeom>
+          <a:noFill/>
+        </p:spPr>
+        <p:txBody>
+          <a:bodyPr wrap="square">
+            <a:spAutoFit/>
+          </a:bodyPr>
+          <a:lstStyle/>
+          <a:p>
+            <a:pPr>
+              <a:buFont typeface="Arial" pitchFamily="34" charset="0"/>
+              <a:buChar char="•"/>
+              <a:defRPr/>
+            </a:pPr>
+            <a:r>
+              <a:rPr lang="en-US" sz="2400" dirty="0" smtClean="0">
+                <a:solidFill>
+                  <a:schemeClr val="bg2">
+                    <a:lumMod val="75000"/>
+                  </a:schemeClr>
+                </a:solidFill>
+              </a:rPr>
+              <a:t> Computational intensive – Monte Carlo Simulation for Option TV </a:t>
+            </a:r>
+          </a:p>
+          <a:p>
+            <a:pPr>
+              <a:buFont typeface="Arial" pitchFamily="34" charset="0"/>
+              <a:buChar char="•"/>
+              <a:defRPr/>
+            </a:pPr>
+            <a:r>
+              <a:rPr lang="en-US" sz="2400" dirty="0">
+                <a:solidFill>
+                  <a:schemeClr val="bg2">
+                    <a:lumMod val="75000"/>
+                  </a:schemeClr>
+                </a:solidFill>
+              </a:rPr>
+              <a:t> </a:t>
+            </a:r>
+            <a:r>
+              <a:rPr lang="en-US" sz="2400" dirty="0" smtClean="0">
+                <a:solidFill>
+                  <a:schemeClr val="bg2">
+                    <a:lumMod val="75000"/>
+                  </a:schemeClr>
+                </a:solidFill>
+              </a:rPr>
+              <a:t>I/O Intensive - ???</a:t>
+            </a:r>
+            <a:endParaRPr lang="en-US" sz="2400" dirty="0">
+              <a:solidFill>
+                <a:schemeClr val="bg2">
+                  <a:lumMod val="75000"/>
+                </a:schemeClr>
+              </a:solidFill>
+            </a:endParaRPr>
+          </a:p>
+        </p:txBody>
+      </p:sp>
+    </p:spTree>
+  </p:cSld>
+  <p:clrMapOvr>
+    <a:masterClrMapping/>
+  </p:clrMapOvr>
+  <p:transition xmlns:p14="http://schemas.microsoft.com/office/powerpoint/2010/main">
+    <p:wipe dir="r"/>
+  </p:transition>
+  <p:timing>
+    <p:tnLst>
+      <p:par>
+        <p:cTn xmlns:p14="http://schemas.microsoft.com/office/powerpoint/2010/main" id="1" dur="indefinite" restart="never" nodeType="tmRoot"/>
+      </p:par>
+    </p:tnLst>
+  </p:timing>
+</p:sld>
+</file>
+
+<file path=ppt/slides/slide25.xml><?xml version="1.0" encoding="utf-8"?>
+<p:sld xmlns:a="http://schemas.openxmlformats.org/drawingml/2006/main" xmlns:r="http://schemas.openxmlformats.org/officeDocument/2006/relationships" xmlns:p="http://schemas.openxmlformats.org/presentationml/2006/main">
+  <p:cSld>
+    <p:spTree>
+      <p:nvGrpSpPr>
+        <p:cNvPr id="1" name=""/>
+        <p:cNvGrpSpPr/>
+        <p:nvPr/>
+      </p:nvGrpSpPr>
+      <p:grpSpPr>
+        <a:xfrm>
+          <a:off x="0" y="0"/>
+          <a:ext cx="0" cy="0"/>
+          <a:chOff x="0" y="0"/>
+          <a:chExt cx="0" cy="0"/>
+        </a:xfrm>
+      </p:grpSpPr>
+      <p:sp>
+        <p:nvSpPr>
+          <p:cNvPr id="9218" name="Rectangle 2"/>
+          <p:cNvSpPr>
+            <a:spLocks noGrp="1" noChangeArrowheads="1"/>
+          </p:cNvSpPr>
+          <p:nvPr>
+            <p:ph type="title"/>
+          </p:nvPr>
+        </p:nvSpPr>
+        <p:spPr/>
+        <p:txBody>
+          <a:bodyPr/>
+          <a:lstStyle/>
+          <a:p>
+            <a:r>
+              <a:rPr lang="en-US" dirty="0" smtClean="0"/>
+              <a:t>Result discussion</a:t>
+            </a:r>
+          </a:p>
+        </p:txBody>
+      </p:sp>
+      <p:sp>
+        <p:nvSpPr>
+          <p:cNvPr id="6" name="TextBox 5"/>
+          <p:cNvSpPr txBox="1"/>
+          <p:nvPr/>
+        </p:nvSpPr>
+        <p:spPr>
+          <a:xfrm>
+            <a:off x="685800" y="1524000"/>
+            <a:ext cx="7696200" cy="1569660"/>
+          </a:xfrm>
+          <a:prstGeom prst="rect">
+            <a:avLst/>
+          </a:prstGeom>
+          <a:noFill/>
+        </p:spPr>
+        <p:txBody>
+          <a:bodyPr wrap="square">
+            <a:spAutoFit/>
+          </a:bodyPr>
+          <a:lstStyle/>
+          <a:p>
+            <a:pPr>
+              <a:buFont typeface="Arial" pitchFamily="34" charset="0"/>
+              <a:buChar char="•"/>
+              <a:defRPr/>
+            </a:pPr>
+            <a:r>
+              <a:rPr lang="en-US" sz="2400" dirty="0" smtClean="0">
+                <a:solidFill>
+                  <a:schemeClr val="bg2">
+                    <a:lumMod val="75000"/>
+                  </a:schemeClr>
+                </a:solidFill>
+              </a:rPr>
+              <a:t> Scale</a:t>
+            </a:r>
+          </a:p>
+          <a:p>
+            <a:pPr>
+              <a:buFont typeface="Arial" pitchFamily="34" charset="0"/>
+              <a:buChar char="•"/>
+              <a:defRPr/>
+            </a:pPr>
+            <a:r>
+              <a:rPr lang="en-US" sz="2400" dirty="0">
+                <a:solidFill>
+                  <a:schemeClr val="bg2">
+                    <a:lumMod val="75000"/>
+                  </a:schemeClr>
+                </a:solidFill>
+              </a:rPr>
+              <a:t> </a:t>
+            </a:r>
+            <a:r>
+              <a:rPr lang="en-US" sz="2400" dirty="0" smtClean="0">
+                <a:solidFill>
+                  <a:schemeClr val="bg2">
+                    <a:lumMod val="75000"/>
+                  </a:schemeClr>
+                </a:solidFill>
+              </a:rPr>
+              <a:t>code comparison</a:t>
+            </a:r>
+          </a:p>
+          <a:p>
+            <a:pPr>
+              <a:buFont typeface="Arial" pitchFamily="34" charset="0"/>
+              <a:buChar char="•"/>
+              <a:defRPr/>
+            </a:pPr>
+            <a:r>
+              <a:rPr lang="en-US" sz="2400" dirty="0">
+                <a:solidFill>
+                  <a:schemeClr val="bg2">
+                    <a:lumMod val="75000"/>
+                  </a:schemeClr>
+                </a:solidFill>
+              </a:rPr>
+              <a:t> </a:t>
+            </a:r>
+          </a:p>
+        </p:txBody>
+      </p:sp>
+    </p:spTree>
+  </p:cSld>
+  <p:clrMapOvr>
+    <a:masterClrMapping/>
+  </p:clrMapOvr>
+  <p:transition xmlns:p14="http://schemas.microsoft.com/office/powerpoint/2010/main">
+    <p:wipe dir="r"/>
+  </p:transition>
+  <p:timing>
+    <p:tnLst>
+      <p:par>
+        <p:cTn xmlns:p14="http://schemas.microsoft.com/office/powerpoint/2010/main" id="1" dur="indefinite" restart="never" nodeType="tmRoot"/>
+      </p:par>
+    </p:tnLst>
+  </p:timing>
+</p:sld>
+</file>
+
+<file path=ppt/slides/slide26.xml><?xml version="1.0" encoding="utf-8"?>
+<p:sld xmlns:a="http://schemas.openxmlformats.org/drawingml/2006/main" xmlns:r="http://schemas.openxmlformats.org/officeDocument/2006/relationships" xmlns:p="http://schemas.openxmlformats.org/presentationml/2006/main">
+  <p:cSld>
+    <p:spTree>
+      <p:nvGrpSpPr>
+        <p:cNvPr id="1" name=""/>
+        <p:cNvGrpSpPr/>
+        <p:nvPr/>
+      </p:nvGrpSpPr>
+      <p:grpSpPr>
+        <a:xfrm>
+          <a:off x="0" y="0"/>
+          <a:ext cx="0" cy="0"/>
+          <a:chOff x="0" y="0"/>
+          <a:chExt cx="0" cy="0"/>
+        </a:xfrm>
+      </p:grpSpPr>
+      <p:sp>
+        <p:nvSpPr>
           <p:cNvPr id="10242" name="Rectangle 2"/>
           <p:cNvSpPr>
             <a:spLocks noGrp="1" noChangeArrowheads="1"/>
@@ -4356,20 +7792,20 @@
   <p:clrMapOvr>
     <a:masterClrMapping/>
   </p:clrMapOvr>
-  <p:transition>
+  <p:transition xmlns:p14="http://schemas.microsoft.com/office/powerpoint/2010/main">
     <p:wipe dir="r"/>
   </p:transition>
   <p:timing>
     <p:tnLst>
       <p:par>
-        <p:cTn id="1" dur="indefinite" restart="never" nodeType="tmRoot"/>
+        <p:cTn xmlns:p14="http://schemas.microsoft.com/office/powerpoint/2010/main" id="1" dur="indefinite" restart="never" nodeType="tmRoot"/>
       </p:par>
     </p:tnLst>
   </p:timing>
 </p:sld>
 </file>
 
-<file path=ppt/slides/slide15.xml><?xml version="1.0" encoding="utf-8"?>
+<file path=ppt/slides/slide27.xml><?xml version="1.0" encoding="utf-8"?>
 <p:sld xmlns:a="http://schemas.openxmlformats.org/drawingml/2006/main" xmlns:r="http://schemas.openxmlformats.org/officeDocument/2006/relationships" xmlns:p="http://schemas.openxmlformats.org/presentationml/2006/main">
   <p:cSld>
     <p:spTree>
@@ -4517,71 +7953,13 @@
   <p:clrMapOvr>
     <a:masterClrMapping/>
   </p:clrMapOvr>
-  <p:transition>
+  <p:transition xmlns:p14="http://schemas.microsoft.com/office/powerpoint/2010/main">
     <p:wipe dir="r"/>
   </p:transition>
   <p:timing>
     <p:tnLst>
       <p:par>
-        <p:cTn id="1" dur="indefinite" restart="never" nodeType="tmRoot"/>
-      </p:par>
-    </p:tnLst>
-  </p:timing>
-</p:sld>
-</file>
-
-<file path=ppt/slides/slide2.xml><?xml version="1.0" encoding="utf-8"?>
-<p:sld xmlns:a="http://schemas.openxmlformats.org/drawingml/2006/main" xmlns:r="http://schemas.openxmlformats.org/officeDocument/2006/relationships" xmlns:p="http://schemas.openxmlformats.org/presentationml/2006/main">
-  <p:cSld>
-    <p:spTree>
-      <p:nvGrpSpPr>
-        <p:cNvPr id="1" name=""/>
-        <p:cNvGrpSpPr/>
-        <p:nvPr/>
-      </p:nvGrpSpPr>
-      <p:grpSpPr>
-        <a:xfrm>
-          <a:off x="0" y="0"/>
-          <a:ext cx="0" cy="0"/>
-          <a:chOff x="0" y="0"/>
-          <a:chExt cx="0" cy="0"/>
-        </a:xfrm>
-      </p:grpSpPr>
-      <p:sp>
-        <p:nvSpPr>
-          <p:cNvPr id="4098" name="Rectangle 2"/>
-          <p:cNvSpPr>
-            <a:spLocks noGrp="1" noChangeArrowheads="1"/>
-          </p:cNvSpPr>
-          <p:nvPr>
-            <p:ph type="title"/>
-          </p:nvPr>
-        </p:nvSpPr>
-        <p:spPr/>
-        <p:txBody>
-          <a:bodyPr/>
-          <a:lstStyle/>
-          <a:p>
-            <a:r>
-              <a:rPr lang="en-US" dirty="0" smtClean="0"/>
-              <a:t>Goal</a:t>
-            </a:r>
-            <a:endParaRPr lang="en-US" dirty="0" smtClean="0"/>
-          </a:p>
-        </p:txBody>
-      </p:sp>
-    </p:spTree>
-  </p:cSld>
-  <p:clrMapOvr>
-    <a:masterClrMapping/>
-  </p:clrMapOvr>
-  <p:transition>
-    <p:wipe dir="r"/>
-  </p:transition>
-  <p:timing>
-    <p:tnLst>
-      <p:par>
-        <p:cTn id="1" dur="indefinite" restart="never" nodeType="tmRoot"/>
+        <p:cTn xmlns:p14="http://schemas.microsoft.com/office/powerpoint/2010/main" id="1" dur="indefinite" restart="never" nodeType="tmRoot"/>
       </p:par>
     </p:tnLst>
   </p:timing>
@@ -4785,13 +8163,13 @@
   <p:clrMapOvr>
     <a:masterClrMapping/>
   </p:clrMapOvr>
-  <p:transition>
+  <p:transition xmlns:p14="http://schemas.microsoft.com/office/powerpoint/2010/main">
     <p:wipe dir="r"/>
   </p:transition>
   <p:timing>
     <p:tnLst>
       <p:par>
-        <p:cTn id="1" dur="indefinite" restart="never" nodeType="tmRoot"/>
+        <p:cTn xmlns:p14="http://schemas.microsoft.com/office/powerpoint/2010/main" id="1" dur="indefinite" restart="never" nodeType="tmRoot"/>
       </p:par>
     </p:tnLst>
   </p:timing>
@@ -4834,7 +8212,6 @@
               <a:rPr lang="en-US" dirty="0" smtClean="0"/>
               <a:t>What is Actor?</a:t>
             </a:r>
-            <a:endParaRPr lang="en-US" dirty="0" smtClean="0"/>
           </a:p>
         </p:txBody>
       </p:sp>
@@ -4955,13 +8332,13 @@
   <p:clrMapOvr>
     <a:masterClrMapping/>
   </p:clrMapOvr>
-  <p:transition>
+  <p:transition xmlns:p14="http://schemas.microsoft.com/office/powerpoint/2010/main">
     <p:wipe dir="r"/>
   </p:transition>
   <p:timing>
     <p:tnLst>
       <p:par>
-        <p:cTn id="1" dur="indefinite" restart="never" nodeType="tmRoot"/>
+        <p:cTn xmlns:p14="http://schemas.microsoft.com/office/powerpoint/2010/main" id="1" dur="indefinite" restart="never" nodeType="tmRoot"/>
       </p:par>
     </p:tnLst>
   </p:timing>
@@ -5002,24 +8379,52 @@
           <a:p>
             <a:r>
               <a:rPr lang="en-US" dirty="0" smtClean="0"/>
-              <a:t>Actor and Scala</a:t>
-            </a:r>
-            <a:endParaRPr lang="en-US" dirty="0" smtClean="0"/>
-          </a:p>
-        </p:txBody>
-      </p:sp>
+              <a:t>Actor</a:t>
+            </a:r>
+          </a:p>
+        </p:txBody>
+      </p:sp>
+      <p:pic>
+        <p:nvPicPr>
+          <p:cNvPr id="2" name="Picture 1"/>
+          <p:cNvPicPr>
+            <a:picLocks noChangeAspect="1"/>
+          </p:cNvPicPr>
+          <p:nvPr/>
+        </p:nvPicPr>
+        <p:blipFill>
+          <a:blip r:embed="rId3"/>
+          <a:stretch>
+            <a:fillRect/>
+          </a:stretch>
+        </p:blipFill>
+        <p:spPr>
+          <a:xfrm>
+            <a:off x="1676400" y="1447800"/>
+            <a:ext cx="5917857" cy="3430351"/>
+          </a:xfrm>
+          <a:prstGeom prst="rect">
+            <a:avLst/>
+          </a:prstGeom>
+        </p:spPr>
+      </p:pic>
     </p:spTree>
+    <p:extLst>
+      <p:ext uri="{BB962C8B-B14F-4D97-AF65-F5344CB8AC3E}">
+        <p14:creationId xmlns:p14="http://schemas.microsoft.com/office/powerpoint/2010/main" val="2942070308"/>
+      </p:ext>
+    </p:extLst>
   </p:cSld>
   <p:clrMapOvr>
     <a:masterClrMapping/>
   </p:clrMapOvr>
-  <p:transition>
+  <p:transition xmlns:p14="http://schemas.microsoft.com/office/powerpoint/2010/main">
     <p:wipe dir="r"/>
   </p:transition>
   <p:timing>
     <p:tnLst>
       <p:par>
-        <p:cTn id="1" dur="indefinite" restart="never" nodeType="tmRoot"/>
+        <p:cTn xmlns:p14="http://schemas.microsoft.com/office/powerpoint/2010/main" id="1" dur="indefinite" restart="never" nodeType="tmRoot"/>
       </p:par>
     </p:tnLst>
   </p:timing>
@@ -5062,7 +8467,6 @@
               <a:rPr lang="en-US" dirty="0" smtClean="0"/>
               <a:t>Actor Best Practice</a:t>
             </a:r>
-            <a:endParaRPr lang="en-US" dirty="0" smtClean="0"/>
           </a:p>
         </p:txBody>
       </p:sp>
@@ -5075,7 +8479,7 @@
         <p:spPr>
           <a:xfrm>
             <a:off x="609600" y="1295400"/>
-            <a:ext cx="8077200" cy="4593565"/>
+            <a:ext cx="8077200" cy="1361911"/>
           </a:xfrm>
           <a:prstGeom prst="rect">
             <a:avLst/>
@@ -5094,8 +8498,9 @@
             </a:pPr>
             <a:r>
               <a:rPr lang="en-US" dirty="0" smtClean="0"/>
-              <a:t>  Actors should be like nice co-workers: do their job efficiently without bothering everyone else needlessly and avoid hogging resources. Translated to programming this means to process events and generate responses (or more requests) in an event-driven manner. Actors should not block (i.e. passively wait while occupying a Thread) on some external entity—which might be a lock, a network socket, etc.—unless it is unavoidable; in the latter case see below</a:t>
-            </a:r>
+              <a:t>  Actors should be like nice co-workers</a:t>
+            </a:r>
+            <a:endParaRPr lang="en-US" dirty="0"/>
           </a:p>
           <a:p>
             <a:pPr>
@@ -5103,12 +8508,8 @@
               <a:buChar char="•"/>
             </a:pPr>
             <a:r>
-              <a:rPr lang="en-US" dirty="0"/>
-              <a:t> </a:t>
-            </a:r>
-            <a:r>
               <a:rPr lang="en-US" dirty="0" smtClean="0"/>
-              <a:t>Do not pass mutable objects between actors. In order to ensure that, prefer immutable messages. If the encapsulation of actors is broken by exposing their mutable state to the outside, you are back in normal Java concurrency land with all the drawbacks.</a:t>
+              <a:t> Do not pass mutable objects between actors..</a:t>
             </a:r>
           </a:p>
           <a:p>
@@ -5118,7 +8519,7 @@
             </a:pPr>
             <a:r>
               <a:rPr lang="en-US" dirty="0" smtClean="0"/>
-              <a:t> Actors are made to be containers for behavior and state, embracing this means to not routinely send behavior within messages (which may be tempting using Scala closures). One of the risks is to accidentally share mutable state between actors, and this violation of the actor model unfortunately breaks all the properties which make programming in actors such a nice experience.</a:t>
+              <a:t> Actors are made to be containers for behavior and state </a:t>
             </a:r>
           </a:p>
           <a:p>
@@ -5132,61 +8533,28 @@
             </a:r>
             <a:r>
               <a:rPr lang="en-US" dirty="0" smtClean="0"/>
-              <a:t>Top-level actors are the innermost part of your Error Kernel, so create them sparingly and prefer truly hierarchical systems. This has benefits wrt. fault-handling (both considering the granularity of configuration and the performance) and it also reduces the number of blocking calls made, since the creation of top-level actors involves synchronous messaging.</a:t>
-            </a:r>
-          </a:p>
-        </p:txBody>
-      </p:sp>
-      <p:sp>
-        <p:nvSpPr>
-          <p:cNvPr id="4" name="TextBox 3"/>
-          <p:cNvSpPr txBox="1"/>
-          <p:nvPr/>
-        </p:nvSpPr>
-        <p:spPr>
-          <a:xfrm>
-            <a:off x="5334000" y="6019800"/>
-            <a:ext cx="2959465" cy="323165"/>
-          </a:xfrm>
-          <a:prstGeom prst="rect">
-            <a:avLst/>
-          </a:prstGeom>
-          <a:noFill/>
-        </p:spPr>
-        <p:txBody>
-          <a:bodyPr wrap="none" rtlCol="0">
-            <a:spAutoFit/>
-          </a:bodyPr>
-          <a:lstStyle/>
-          <a:p>
-            <a:r>
-              <a:rPr lang="en-US" dirty="0" smtClean="0">
-                <a:solidFill>
-                  <a:srgbClr val="FF0000"/>
-                </a:solidFill>
-              </a:rPr>
-              <a:t>Simply and internalize the words</a:t>
-            </a:r>
-            <a:endParaRPr lang="en-US" dirty="0">
-              <a:solidFill>
-                <a:srgbClr val="FF0000"/>
-              </a:solidFill>
-            </a:endParaRPr>
+              <a:t>Top-level actors are the innermost part of your Error Kernel.</a:t>
+            </a:r>
           </a:p>
         </p:txBody>
       </p:sp>
     </p:spTree>
+    <p:extLst>
+      <p:ext uri="{BB962C8B-B14F-4D97-AF65-F5344CB8AC3E}">
+        <p14:creationId xmlns:p14="http://schemas.microsoft.com/office/powerpoint/2010/main" val="4256511022"/>
+      </p:ext>
+    </p:extLst>
   </p:cSld>
   <p:clrMapOvr>
     <a:masterClrMapping/>
   </p:clrMapOvr>
-  <p:transition>
+  <p:transition xmlns:p14="http://schemas.microsoft.com/office/powerpoint/2010/main">
     <p:wipe dir="r"/>
   </p:transition>
   <p:timing>
     <p:tnLst>
       <p:par>
-        <p:cTn id="1" dur="indefinite" restart="never" nodeType="tmRoot"/>
+        <p:cTn xmlns:p14="http://schemas.microsoft.com/office/powerpoint/2010/main" id="1" dur="indefinite" restart="never" nodeType="tmRoot"/>
       </p:par>
     </p:tnLst>
   </p:timing>
@@ -5227,9 +8595,8 @@
           <a:p>
             <a:r>
               <a:rPr lang="en-US" dirty="0" smtClean="0"/>
-              <a:t>Best Practice</a:t>
-            </a:r>
-            <a:endParaRPr lang="en-US" dirty="0" smtClean="0"/>
+              <a:t>Akka provides and guarantee</a:t>
+            </a:r>
           </a:p>
         </p:txBody>
       </p:sp>
@@ -5241,8 +8608,8 @@
         </p:nvSpPr>
         <p:spPr>
           <a:xfrm>
-            <a:off x="609600" y="1295400"/>
-            <a:ext cx="8077200" cy="4593565"/>
+            <a:off x="533400" y="1324213"/>
+            <a:ext cx="8077200" cy="1823576"/>
           </a:xfrm>
           <a:prstGeom prst="rect">
             <a:avLst/>
@@ -5255,105 +8622,50 @@
           </a:bodyPr>
           <a:lstStyle/>
           <a:p>
-            <a:pPr>
-              <a:buFont typeface="Arial" pitchFamily="34" charset="0"/>
-              <a:buChar char="•"/>
-            </a:pPr>
+            <a:r>
+              <a:rPr lang="en-US" b="1" dirty="0" smtClean="0"/>
+              <a:t>The actor send rule:</a:t>
+            </a:r>
             <a:r>
               <a:rPr lang="en-US" dirty="0" smtClean="0"/>
-              <a:t>  Actors should be like nice co-workers: do their job efficiently without bothering everyone else needlessly and avoid hogging resources. Translated to programming this means to process events and generate responses (or more requests) in an event-driven manner. Actors should not block (i.e. passively wait while occupying a Thread) on some external entity—which might be a lock, a network socket, etc.—unless it is unavoidable; in the latter case see below</a:t>
-            </a:r>
-          </a:p>
-          <a:p>
-            <a:pPr>
-              <a:buFont typeface="Arial" pitchFamily="34" charset="0"/>
-              <a:buChar char="•"/>
-            </a:pPr>
-            <a:r>
-              <a:rPr lang="en-US" dirty="0"/>
-              <a:t> </a:t>
+              <a:t> the send of the message to an actor happens before the receive of that message by the same actor.</a:t>
+            </a:r>
+          </a:p>
+          <a:p>
+            <a:r>
+              <a:rPr lang="en-US" b="1" dirty="0" smtClean="0"/>
+              <a:t>The actor subsequent processing rule:</a:t>
             </a:r>
             <a:r>
               <a:rPr lang="en-US" dirty="0" smtClean="0"/>
-              <a:t>Do not pass mutable objects between actors. In order to ensure that, prefer immutable messages. If the encapsulation of actors is broken by exposing their mutable state to the outside, you are back in normal Java concurrency land with all the drawbacks.</a:t>
-            </a:r>
-          </a:p>
-          <a:p>
-            <a:pPr>
-              <a:buFont typeface="Arial" pitchFamily="34" charset="0"/>
-              <a:buChar char="•"/>
-            </a:pPr>
-            <a:r>
-              <a:rPr lang="en-US" dirty="0" smtClean="0"/>
-              <a:t> Actors are made to be containers for behavior and state, embracing this means to not routinely send behavior within messages (which may be tempting using Scala closures). One of the risks is to accidentally share mutable state between actors, and this violation of the actor model unfortunately breaks all the properties which make programming in actors such a nice experience.</a:t>
-            </a:r>
-          </a:p>
-          <a:p>
-            <a:pPr>
-              <a:buFont typeface="Arial" pitchFamily="34" charset="0"/>
-              <a:buChar char="•"/>
-            </a:pPr>
-            <a:r>
-              <a:rPr lang="en-US" dirty="0"/>
-              <a:t> </a:t>
-            </a:r>
-            <a:r>
-              <a:rPr lang="en-US" dirty="0" smtClean="0"/>
-              <a:t>Top-level actors are the innermost part of your Error Kernel, so create them sparingly and prefer truly hierarchical systems. This has benefits wrt. fault-handling (both considering the granularity of configuration and the performance) and it also reduces the number of blocking calls made, since the creation of top-level actors involves synchronous messaging.</a:t>
-            </a:r>
-          </a:p>
-        </p:txBody>
-      </p:sp>
-      <p:sp>
-        <p:nvSpPr>
-          <p:cNvPr id="4" name="TextBox 3"/>
-          <p:cNvSpPr txBox="1"/>
-          <p:nvPr/>
-        </p:nvSpPr>
-        <p:spPr>
-          <a:xfrm>
-            <a:off x="5334000" y="6019800"/>
-            <a:ext cx="2959465" cy="323165"/>
-          </a:xfrm>
-          <a:prstGeom prst="rect">
-            <a:avLst/>
-          </a:prstGeom>
-          <a:noFill/>
-        </p:spPr>
-        <p:txBody>
-          <a:bodyPr wrap="none" rtlCol="0">
-            <a:spAutoFit/>
-          </a:bodyPr>
-          <a:lstStyle/>
-          <a:p>
-            <a:r>
-              <a:rPr lang="en-US" dirty="0" smtClean="0">
-                <a:solidFill>
-                  <a:srgbClr val="FF0000"/>
-                </a:solidFill>
-              </a:rPr>
-              <a:t>Simply and internalize the words</a:t>
-            </a:r>
-            <a:endParaRPr lang="en-US" dirty="0">
-              <a:solidFill>
-                <a:srgbClr val="FF0000"/>
-              </a:solidFill>
-            </a:endParaRPr>
+              <a:t> processing of one message happens before processing of the next message by the same actor.</a:t>
+            </a:r>
+          </a:p>
+          <a:p>
+            <a:endParaRPr lang="en-US" dirty="0" smtClean="0"/>
+          </a:p>
+          <a:p>
+            <a:endParaRPr lang="en-US" dirty="0"/>
           </a:p>
         </p:txBody>
       </p:sp>
     </p:spTree>
+    <p:extLst>
+      <p:ext uri="{BB962C8B-B14F-4D97-AF65-F5344CB8AC3E}">
+        <p14:creationId xmlns:p14="http://schemas.microsoft.com/office/powerpoint/2010/main" val="2070826609"/>
+      </p:ext>
+    </p:extLst>
   </p:cSld>
   <p:clrMapOvr>
     <a:masterClrMapping/>
   </p:clrMapOvr>
-  <p:transition>
+  <p:transition xmlns:p14="http://schemas.microsoft.com/office/powerpoint/2010/main">
     <p:wipe dir="r"/>
   </p:transition>
   <p:timing>
     <p:tnLst>
       <p:par>
-        <p:cTn id="1" dur="indefinite" restart="never" nodeType="tmRoot"/>
+        <p:cTn xmlns:p14="http://schemas.microsoft.com/office/powerpoint/2010/main" id="1" dur="indefinite" restart="never" nodeType="tmRoot"/>
       </p:par>
     </p:tnLst>
   </p:timing>
@@ -5394,9 +8706,8 @@
           <a:p>
             <a:r>
               <a:rPr lang="en-US" dirty="0" smtClean="0"/>
-              <a:t>Blocking strategies</a:t>
-            </a:r>
-            <a:endParaRPr lang="en-US" dirty="0" smtClean="0"/>
+              <a:t>Design Pre-requisite</a:t>
+            </a:r>
           </a:p>
         </p:txBody>
       </p:sp>
@@ -5409,7 +8720,7 @@
         <p:spPr>
           <a:xfrm>
             <a:off x="609600" y="1295400"/>
-            <a:ext cx="8077200" cy="2746906"/>
+            <a:ext cx="8077200" cy="2169825"/>
           </a:xfrm>
           <a:prstGeom prst="rect">
             <a:avLst/>
@@ -5422,47 +8733,83 @@
           </a:bodyPr>
           <a:lstStyle/>
           <a:p>
+            <a:pPr>
+              <a:buFont typeface="Arial" pitchFamily="34" charset="0"/>
+              <a:buChar char="•"/>
+            </a:pPr>
+            <a:r>
+              <a:rPr lang="en-US" dirty="0"/>
+              <a:t> </a:t>
+            </a:r>
             <a:r>
               <a:rPr lang="en-US" dirty="0" smtClean="0"/>
-              <a:t>  Do the blocking call within an actor (or a set of actors managed by a router [</a:t>
-            </a:r>
-            <a:r>
-              <a:rPr lang="en-US" i="1" dirty="0" smtClean="0">
+              <a:t>Immutable messaging</a:t>
+            </a:r>
+          </a:p>
+          <a:p>
+            <a:pPr>
+              <a:buFont typeface="Arial" pitchFamily="34" charset="0"/>
+              <a:buChar char="•"/>
+            </a:pPr>
+            <a:r>
+              <a:rPr lang="en-US" dirty="0"/>
+              <a:t> </a:t>
+            </a:r>
+            <a:r>
+              <a:rPr lang="en-US" dirty="0" smtClean="0"/>
+              <a:t>Remote to local with optimization instead of local to remote generalization (</a:t>
+            </a:r>
+            <a:r>
+              <a:rPr lang="en-US" dirty="0" smtClean="0">
                 <a:hlinkClick r:id="rId2"/>
               </a:rPr>
-              <a:t>Java</a:t>
+              <a:t>http://labs.oracle.com/techrep/1994/smli_tr-94-29.pdf</a:t>
             </a:r>
             <a:r>
               <a:rPr lang="en-US" dirty="0" smtClean="0"/>
-              <a:t>, </a:t>
-            </a:r>
-            <a:r>
-              <a:rPr lang="en-US" i="1" dirty="0" smtClean="0">
-                <a:hlinkClick r:id="rId3"/>
-              </a:rPr>
-              <a:t>Scala</a:t>
+              <a:t>); hence no remote/local distinction and most are driven by configuration</a:t>
+            </a:r>
+          </a:p>
+          <a:p>
+            <a:pPr>
+              <a:buFont typeface="Arial" pitchFamily="34" charset="0"/>
+              <a:buChar char="•"/>
+            </a:pPr>
+            <a:r>
+              <a:rPr lang="en-US" dirty="0"/>
+              <a:t> </a:t>
             </a:r>
             <a:r>
               <a:rPr lang="en-US" dirty="0" smtClean="0"/>
-              <a:t>]), making sure to configure a thread pool which is either dedicated for this purpose or sufficiently sized.</a:t>
-            </a:r>
-          </a:p>
-          <a:p>
+              <a:t>Messages must be serializable including the setup in Prop</a:t>
+            </a:r>
+          </a:p>
+          <a:p>
+            <a:pPr>
+              <a:buFont typeface="Arial" pitchFamily="34" charset="0"/>
+              <a:buChar char="•"/>
+            </a:pPr>
+            <a:r>
+              <a:rPr lang="en-US" dirty="0"/>
+              <a:t> </a:t>
+            </a:r>
             <a:r>
               <a:rPr lang="en-US" dirty="0" smtClean="0"/>
-              <a:t>Do the blocking call within a Future, ensuring an upper bound on the number of such calls at any point in time (submitting an unbounded number of tasks of this nature will exhaust your memory or thread limits).</a:t>
-            </a:r>
-          </a:p>
-          <a:p>
+              <a:t>Async and data lost</a:t>
+            </a:r>
+          </a:p>
+          <a:p>
+            <a:pPr>
+              <a:buFont typeface="Arial" pitchFamily="34" charset="0"/>
+              <a:buChar char="•"/>
+            </a:pPr>
+            <a:r>
+              <a:rPr lang="en-US" dirty="0"/>
+              <a:t> </a:t>
+            </a:r>
             <a:r>
               <a:rPr lang="en-US" dirty="0" smtClean="0"/>
-              <a:t>Do the blocking call within a Future, providing a thread pool with an upper limit on the number of threads which is appropriate for the hardware on which the application runs.</a:t>
-            </a:r>
-          </a:p>
-          <a:p>
-            <a:r>
-              <a:rPr lang="en-US" dirty="0" smtClean="0"/>
-              <a:t>Dedicate a single thread to manage a set of blocking resources (e.g. a NIO selector driving multiple channels) and dispatch events as they occur as actor messages.</a:t>
+              <a:t>Don’t expect the same thread will process two different messages</a:t>
             </a:r>
             <a:endParaRPr lang="en-US" dirty="0"/>
           </a:p>
@@ -5507,17 +8854,22 @@
         </p:txBody>
       </p:sp>
     </p:spTree>
+    <p:extLst>
+      <p:ext uri="{BB962C8B-B14F-4D97-AF65-F5344CB8AC3E}">
+        <p14:creationId xmlns:p14="http://schemas.microsoft.com/office/powerpoint/2010/main" val="1911330263"/>
+      </p:ext>
+    </p:extLst>
   </p:cSld>
   <p:clrMapOvr>
     <a:masterClrMapping/>
   </p:clrMapOvr>
-  <p:transition>
+  <p:transition xmlns:p14="http://schemas.microsoft.com/office/powerpoint/2010/main">
     <p:wipe dir="r"/>
   </p:transition>
   <p:timing>
     <p:tnLst>
       <p:par>
-        <p:cTn id="1" dur="indefinite" restart="never" nodeType="tmRoot"/>
+        <p:cTn xmlns:p14="http://schemas.microsoft.com/office/powerpoint/2010/main" id="1" dur="indefinite" restart="never" nodeType="tmRoot"/>
       </p:par>
     </p:tnLst>
   </p:timing>
@@ -5543,7 +8895,7 @@
       </p:grpSpPr>
       <p:sp>
         <p:nvSpPr>
-          <p:cNvPr id="7170" name="Rectangle 2"/>
+          <p:cNvPr id="8194" name="Rectangle 2"/>
           <p:cNvSpPr>
             <a:spLocks noGrp="1" noChangeArrowheads="1"/>
           </p:cNvSpPr>
@@ -5558,22 +8910,21 @@
           <a:p>
             <a:r>
               <a:rPr lang="en-US" dirty="0" smtClean="0"/>
-              <a:t>Akka provides and guarantee</a:t>
-            </a:r>
-            <a:endParaRPr lang="en-US" dirty="0" smtClean="0"/>
-          </a:p>
-        </p:txBody>
-      </p:sp>
-      <p:sp>
-        <p:nvSpPr>
-          <p:cNvPr id="3" name="TextBox 2"/>
+              <a:t>Akka – The Good, the Bad and the Ugly</a:t>
+            </a:r>
+          </a:p>
+        </p:txBody>
+      </p:sp>
+      <p:sp>
+        <p:nvSpPr>
+          <p:cNvPr id="6" name="TextBox 5"/>
           <p:cNvSpPr txBox="1"/>
           <p:nvPr/>
         </p:nvSpPr>
         <p:spPr>
           <a:xfrm>
-            <a:off x="533400" y="838200"/>
-            <a:ext cx="8077200" cy="6324808"/>
+            <a:off x="685800" y="1524000"/>
+            <a:ext cx="1905000" cy="1569660"/>
           </a:xfrm>
           <a:prstGeom prst="rect">
             <a:avLst/>
@@ -5581,102 +8932,44 @@
           <a:noFill/>
         </p:spPr>
         <p:txBody>
-          <a:bodyPr wrap="square" rtlCol="0">
+          <a:bodyPr>
             <a:spAutoFit/>
           </a:bodyPr>
           <a:lstStyle/>
           <a:p>
-            <a:r>
-              <a:rPr lang="en-US" dirty="0" smtClean="0"/>
-              <a:t>Actor model</a:t>
-            </a:r>
-          </a:p>
-          <a:p>
-            <a:r>
-              <a:rPr lang="en-US" dirty="0" smtClean="0"/>
-              <a:t>Other communication integration such as Camel</a:t>
-            </a:r>
-          </a:p>
-          <a:p>
-            <a:r>
-              <a:rPr lang="en-US" dirty="0" smtClean="0"/>
-              <a:t>There may be millions of actors within one such system, after all the mantra is to view them as abundant and they weigh in at an overhead of only roughly 300 bytes per instance</a:t>
-            </a:r>
-          </a:p>
-          <a:p>
-            <a:r>
-              <a:rPr lang="en-US" dirty="0" smtClean="0"/>
-              <a:t>Threads are share behind the scene</a:t>
-            </a:r>
-          </a:p>
-          <a:p>
-            <a:r>
-              <a:rPr lang="en-US" dirty="0" smtClean="0"/>
-              <a:t>Ensure each actor is only run by one thread per activation (similar to Node.js in the sense that it handle the liveliness of the actor but never block.  A task should be issue to the actor and that’s it.  The framework will schedule the work to ensure cpu utilization)</a:t>
-            </a:r>
-          </a:p>
-          <a:p>
-            <a:r>
-              <a:rPr lang="en-US" dirty="0" smtClean="0"/>
-              <a:t>Order of messages between two end points is ensure but not from other end points</a:t>
-            </a:r>
-          </a:p>
-          <a:p>
-            <a:r>
-              <a:rPr lang="en-US" dirty="0" smtClean="0"/>
-              <a:t>Akka specific!! – cannot scan mailbox and only handle the next dequeue message. Hence order is encapsulated in mailbox strategy alone.</a:t>
-            </a:r>
-          </a:p>
-          <a:p>
-            <a:r>
-              <a:rPr lang="en-US" b="1" dirty="0" smtClean="0"/>
-              <a:t>The actor send rule:</a:t>
-            </a:r>
-            <a:r>
-              <a:rPr lang="en-US" dirty="0" smtClean="0"/>
-              <a:t> the send of the message to an actor happens before the receive of that message by the same actor.</a:t>
-            </a:r>
-          </a:p>
-          <a:p>
-            <a:r>
-              <a:rPr lang="en-US" b="1" dirty="0" smtClean="0"/>
-              <a:t>The actor subsequent processing rule:</a:t>
-            </a:r>
-            <a:r>
-              <a:rPr lang="en-US" dirty="0" smtClean="0"/>
-              <a:t> processing of one message happens before processing of the next message by the same actor.</a:t>
-            </a:r>
-          </a:p>
-          <a:p>
-            <a:r>
-              <a:rPr lang="en-US" dirty="0" smtClean="0"/>
-              <a:t>Note</a:t>
-            </a:r>
-          </a:p>
-          <a:p>
-            <a:r>
-              <a:rPr lang="en-US" dirty="0" smtClean="0"/>
-              <a:t>In layman's terms this means that changes to internal fields of the actor are visible when the next message is processed by that actor. So fields in your actor need not be volatile or equivalent.</a:t>
-            </a:r>
-          </a:p>
-          <a:p>
-            <a:endParaRPr lang="en-US" dirty="0" smtClean="0"/>
-          </a:p>
-          <a:p>
-            <a:endParaRPr lang="en-US" dirty="0"/>
-          </a:p>
-        </p:txBody>
-      </p:sp>
-      <p:sp>
-        <p:nvSpPr>
-          <p:cNvPr id="4" name="TextBox 3"/>
+            <a:pPr>
+              <a:defRPr/>
+            </a:pPr>
+            <a:r>
+              <a:rPr lang="en-US" sz="2400" dirty="0" smtClean="0">
+                <a:solidFill>
+                  <a:schemeClr val="bg2">
+                    <a:lumMod val="75000"/>
+                  </a:schemeClr>
+                </a:solidFill>
+              </a:rPr>
+              <a:t>Mature, good documentation</a:t>
+            </a:r>
+            <a:endParaRPr lang="en-US" sz="2400" dirty="0">
+              <a:solidFill>
+                <a:schemeClr val="bg2">
+                  <a:lumMod val="75000"/>
+                </a:schemeClr>
+              </a:solidFill>
+            </a:endParaRPr>
+          </a:p>
+        </p:txBody>
+      </p:sp>
+      <p:sp>
+        <p:nvSpPr>
+          <p:cNvPr id="5" name="TextBox 4"/>
           <p:cNvSpPr txBox="1"/>
           <p:nvPr/>
         </p:nvSpPr>
         <p:spPr>
           <a:xfrm>
-            <a:off x="5334000" y="6019800"/>
-            <a:ext cx="2959465" cy="323165"/>
+            <a:off x="2895600" y="1600200"/>
+            <a:ext cx="1905000" cy="1938992"/>
           </a:xfrm>
           <a:prstGeom prst="rect">
             <a:avLst/>
@@ -5684,39 +8977,121 @@
           <a:noFill/>
         </p:spPr>
         <p:txBody>
-          <a:bodyPr wrap="none" rtlCol="0">
+          <a:bodyPr>
             <a:spAutoFit/>
           </a:bodyPr>
           <a:lstStyle/>
           <a:p>
-            <a:r>
-              <a:rPr lang="en-US" dirty="0" smtClean="0">
+            <a:pPr>
+              <a:defRPr/>
+            </a:pPr>
+            <a:r>
+              <a:rPr lang="en-US" sz="2400" dirty="0" smtClean="0">
                 <a:solidFill>
-                  <a:srgbClr val="FF0000"/>
+                  <a:schemeClr val="bg2">
+                    <a:lumMod val="75000"/>
+                  </a:schemeClr>
                 </a:solidFill>
               </a:rPr>
-              <a:t>Simply and internalize the words</a:t>
-            </a:r>
-            <a:endParaRPr lang="en-US" dirty="0">
+              <a:t>Not really design for Java as a fundamental lang in mind</a:t>
+            </a:r>
+            <a:endParaRPr lang="en-US" sz="2400" dirty="0">
               <a:solidFill>
-                <a:srgbClr val="FF0000"/>
+                <a:schemeClr val="bg2">
+                  <a:lumMod val="75000"/>
+                </a:schemeClr>
               </a:solidFill>
             </a:endParaRPr>
           </a:p>
         </p:txBody>
       </p:sp>
+      <p:sp>
+        <p:nvSpPr>
+          <p:cNvPr id="7" name="TextBox 6"/>
+          <p:cNvSpPr txBox="1"/>
+          <p:nvPr/>
+        </p:nvSpPr>
+        <p:spPr>
+          <a:xfrm>
+            <a:off x="6096000" y="1447800"/>
+            <a:ext cx="1905000" cy="3231654"/>
+          </a:xfrm>
+          <a:prstGeom prst="rect">
+            <a:avLst/>
+          </a:prstGeom>
+          <a:noFill/>
+        </p:spPr>
+        <p:txBody>
+          <a:bodyPr>
+            <a:spAutoFit/>
+          </a:bodyPr>
+          <a:lstStyle/>
+          <a:p>
+            <a:pPr>
+              <a:defRPr/>
+            </a:pPr>
+            <a:r>
+              <a:rPr lang="en-US" sz="2400" dirty="0" smtClean="0">
+                <a:solidFill>
+                  <a:schemeClr val="bg2">
+                    <a:lumMod val="75000"/>
+                  </a:schemeClr>
+                </a:solidFill>
+              </a:rPr>
+              <a:t>Paddling </a:t>
+            </a:r>
+            <a:r>
+              <a:rPr lang="en-US" sz="2400" dirty="0">
+                <a:solidFill>
+                  <a:schemeClr val="bg2">
+                    <a:lumMod val="75000"/>
+                  </a:schemeClr>
+                </a:solidFill>
+              </a:rPr>
+              <a:t>their ware such as installing their whole stack</a:t>
+            </a:r>
+          </a:p>
+          <a:p>
+            <a:pPr>
+              <a:defRPr/>
+            </a:pPr>
+            <a:r>
+              <a:rPr lang="en-US" sz="2400" dirty="0" smtClean="0">
+                <a:solidFill>
+                  <a:schemeClr val="bg2">
+                    <a:lumMod val="75000"/>
+                  </a:schemeClr>
+                </a:solidFill>
+              </a:rPr>
+              <a:t>Clumsy tutorial</a:t>
+            </a:r>
+            <a:endParaRPr lang="en-US" sz="2400" dirty="0">
+              <a:solidFill>
+                <a:schemeClr val="bg2">
+                  <a:lumMod val="75000"/>
+                </a:schemeClr>
+              </a:solidFill>
+            </a:endParaRPr>
+          </a:p>
+        </p:txBody>
+      </p:sp>
     </p:spTree>
+    <p:extLst>
+      <p:ext uri="{BB962C8B-B14F-4D97-AF65-F5344CB8AC3E}">
+        <p14:creationId xmlns:p14="http://schemas.microsoft.com/office/powerpoint/2010/main" val="3419632657"/>
+      </p:ext>
+    </p:extLst>
   </p:cSld>
   <p:clrMapOvr>
     <a:masterClrMapping/>
   </p:clrMapOvr>
-  <p:transition>
+  <p:transition xmlns:p14="http://schemas.microsoft.com/office/powerpoint/2010/main">
     <p:wipe dir="r"/>
   </p:transition>
   <p:timing>
     <p:tnLst>
       <p:par>
-        <p:cTn id="1" dur="indefinite" restart="never" nodeType="tmRoot"/>
+        <p:cTn xmlns:p14="http://schemas.microsoft.com/office/powerpoint/2010/main" id="1" dur="indefinite" restart="never" nodeType="tmRoot"/>
       </p:par>
     </p:tnLst>
   </p:timing>
@@ -6257,4 +9632,324 @@
     </a:extraClrScheme>
   </a:extraClrSchemeLst>
 </a:theme>
+</file>
+
+<file path=ppt/theme/theme2.xml><?xml version="1.0" encoding="utf-8"?>
+<a:theme xmlns:a="http://schemas.openxmlformats.org/drawingml/2006/main" name="Office Theme">
+  <a:themeElements>
+    <a:clrScheme name="Office">
+      <a:dk1>
+        <a:sysClr val="windowText" lastClr="000000"/>
+      </a:dk1>
+      <a:lt1>
+        <a:sysClr val="window" lastClr="FFFFFF"/>
+      </a:lt1>
+      <a:dk2>
+        <a:srgbClr val="1F497D"/>
+      </a:dk2>
+      <a:lt2>
+        <a:srgbClr val="EEECE1"/>
+      </a:lt2>
+      <a:accent1>
+        <a:srgbClr val="4F81BD"/>
+      </a:accent1>
+      <a:accent2>
+        <a:srgbClr val="C0504D"/>
+      </a:accent2>
+      <a:accent3>
+        <a:srgbClr val="9BBB59"/>
+      </a:accent3>
+      <a:accent4>
+        <a:srgbClr val="8064A2"/>
+      </a:accent4>
+      <a:accent5>
+        <a:srgbClr val="4BACC6"/>
+      </a:accent5>
+      <a:accent6>
+        <a:srgbClr val="F79646"/>
+      </a:accent6>
+      <a:hlink>
+        <a:srgbClr val="0000FF"/>
+      </a:hlink>
+      <a:folHlink>
+        <a:srgbClr val="800080"/>
+      </a:folHlink>
+    </a:clrScheme>
+    <a:fontScheme name="Office">
+      <a:majorFont>
+        <a:latin typeface="Calibri"/>
+        <a:ea typeface=""/>
+        <a:cs typeface=""/>
+        <a:font script="Jpan" typeface="ＭＳ Ｐゴシック"/>
+        <a:font script="Hang" typeface="맑은 고딕"/>
+        <a:font script="Hans" typeface="宋体"/>
+        <a:font script="Hant" typeface="新細明體"/>
+        <a:font script="Arab" typeface="Times New Roman"/>
+        <a:font script="Hebr" typeface="Times New Roman"/>
+        <a:font script="Thai" typeface="Angsana New"/>
+        <a:font script="Ethi" typeface="Nyala"/>
+        <a:font script="Beng" typeface="Vrinda"/>
+        <a:font script="Gujr" typeface="Shruti"/>
+        <a:font script="Khmr" typeface="MoolBoran"/>
+        <a:font script="Knda" typeface="Tunga"/>
+        <a:font script="Guru" typeface="Raavi"/>
+        <a:font script="Cans" typeface="Euphemia"/>
+        <a:font script="Cher" typeface="Plantagenet Cherokee"/>
+        <a:font script="Yiii" typeface="Microsoft Yi Baiti"/>
+        <a:font script="Tibt" typeface="Microsoft Himalaya"/>
+        <a:font script="Thaa" typeface="MV Boli"/>
+        <a:font script="Deva" typeface="Mangal"/>
+        <a:font script="Telu" typeface="Gautami"/>
+        <a:font script="Taml" typeface="Latha"/>
+        <a:font script="Syrc" typeface="Estrangelo Edessa"/>
+        <a:font script="Orya" typeface="Kalinga"/>
+        <a:font script="Mlym" typeface="Kartika"/>
+        <a:font script="Laoo" typeface="DokChampa"/>
+        <a:font script="Sinh" typeface="Iskoola Pota"/>
+        <a:font script="Mong" typeface="Mongolian Baiti"/>
+        <a:font script="Viet" typeface="Times New Roman"/>
+        <a:font script="Uigh" typeface="Microsoft Uighur"/>
+        <a:font script="Geor" typeface="Sylfaen"/>
+      </a:majorFont>
+      <a:minorFont>
+        <a:latin typeface="Calibri"/>
+        <a:ea typeface=""/>
+        <a:cs typeface=""/>
+        <a:font script="Jpan" typeface="ＭＳ Ｐゴシック"/>
+        <a:font script="Hang" typeface="맑은 고딕"/>
+        <a:font script="Hans" typeface="宋体"/>
+        <a:font script="Hant" typeface="新細明體"/>
+        <a:font script="Arab" typeface="Arial"/>
+        <a:font script="Hebr" typeface="Arial"/>
+        <a:font script="Thai" typeface="Cordia New"/>
+        <a:font script="Ethi" typeface="Nyala"/>
+        <a:font script="Beng" typeface="Vrinda"/>
+        <a:font script="Gujr" typeface="Shruti"/>
+        <a:font script="Khmr" typeface="DaunPenh"/>
+        <a:font script="Knda" typeface="Tunga"/>
+        <a:font script="Guru" typeface="Raavi"/>
+        <a:font script="Cans" typeface="Euphemia"/>
+        <a:font script="Cher" typeface="Plantagenet Cherokee"/>
+        <a:font script="Yiii" typeface="Microsoft Yi Baiti"/>
+        <a:font script="Tibt" typeface="Microsoft Himalaya"/>
+        <a:font script="Thaa" typeface="MV Boli"/>
+        <a:font script="Deva" typeface="Mangal"/>
+        <a:font script="Telu" typeface="Gautami"/>
+        <a:font script="Taml" typeface="Latha"/>
+        <a:font script="Syrc" typeface="Estrangelo Edessa"/>
+        <a:font script="Orya" typeface="Kalinga"/>
+        <a:font script="Mlym" typeface="Kartika"/>
+        <a:font script="Laoo" typeface="DokChampa"/>
+        <a:font script="Sinh" typeface="Iskoola Pota"/>
+        <a:font script="Mong" typeface="Mongolian Baiti"/>
+        <a:font script="Viet" typeface="Arial"/>
+        <a:font script="Uigh" typeface="Microsoft Uighur"/>
+        <a:font script="Geor" typeface="Sylfaen"/>
+      </a:minorFont>
+    </a:fontScheme>
+    <a:fmtScheme name="Office">
+      <a:fillStyleLst>
+        <a:solidFill>
+          <a:schemeClr val="phClr"/>
+        </a:solidFill>
+        <a:gradFill rotWithShape="1">
+          <a:gsLst>
+            <a:gs pos="0">
+              <a:schemeClr val="phClr">
+                <a:tint val="50000"/>
+                <a:satMod val="300000"/>
+              </a:schemeClr>
+            </a:gs>
+            <a:gs pos="35000">
+              <a:schemeClr val="phClr">
+                <a:tint val="37000"/>
+                <a:satMod val="300000"/>
+              </a:schemeClr>
+            </a:gs>
+            <a:gs pos="100000">
+              <a:schemeClr val="phClr">
+                <a:tint val="15000"/>
+                <a:satMod val="350000"/>
+              </a:schemeClr>
+            </a:gs>
+          </a:gsLst>
+          <a:lin ang="16200000" scaled="1"/>
+        </a:gradFill>
+        <a:gradFill rotWithShape="1">
+          <a:gsLst>
+            <a:gs pos="0">
+              <a:schemeClr val="phClr">
+                <a:tint val="100000"/>
+                <a:shade val="100000"/>
+                <a:satMod val="130000"/>
+              </a:schemeClr>
+            </a:gs>
+            <a:gs pos="100000">
+              <a:schemeClr val="phClr">
+                <a:tint val="50000"/>
+                <a:shade val="100000"/>
+                <a:satMod val="350000"/>
+              </a:schemeClr>
+            </a:gs>
+          </a:gsLst>
+          <a:lin ang="16200000" scaled="0"/>
+        </a:gradFill>
+      </a:fillStyleLst>
+      <a:lnStyleLst>
+        <a:ln w="9525" cap="flat" cmpd="sng" algn="ctr">
+          <a:solidFill>
+            <a:schemeClr val="phClr">
+              <a:shade val="95000"/>
+              <a:satMod val="105000"/>
+            </a:schemeClr>
+          </a:solidFill>
+          <a:prstDash val="solid"/>
+        </a:ln>
+        <a:ln w="25400" cap="flat" cmpd="sng" algn="ctr">
+          <a:solidFill>
+            <a:schemeClr val="phClr"/>
+          </a:solidFill>
+          <a:prstDash val="solid"/>
+        </a:ln>
+        <a:ln w="38100" cap="flat" cmpd="sng" algn="ctr">
+          <a:solidFill>
+            <a:schemeClr val="phClr"/>
+          </a:solidFill>
+          <a:prstDash val="solid"/>
+        </a:ln>
+      </a:lnStyleLst>
+      <a:effectStyleLst>
+        <a:effectStyle>
+          <a:effectLst>
+            <a:outerShdw blurRad="40000" dist="20000" dir="5400000" rotWithShape="0">
+              <a:srgbClr val="000000">
+                <a:alpha val="38000"/>
+              </a:srgbClr>
+            </a:outerShdw>
+          </a:effectLst>
+        </a:effectStyle>
+        <a:effectStyle>
+          <a:effectLst>
+            <a:outerShdw blurRad="40000" dist="23000" dir="5400000" rotWithShape="0">
+              <a:srgbClr val="000000">
+                <a:alpha val="35000"/>
+              </a:srgbClr>
+            </a:outerShdw>
+          </a:effectLst>
+        </a:effectStyle>
+        <a:effectStyle>
+          <a:effectLst>
+            <a:outerShdw blurRad="40000" dist="23000" dir="5400000" rotWithShape="0">
+              <a:srgbClr val="000000">
+                <a:alpha val="35000"/>
+              </a:srgbClr>
+            </a:outerShdw>
+          </a:effectLst>
+          <a:scene3d>
+            <a:camera prst="orthographicFront">
+              <a:rot lat="0" lon="0" rev="0"/>
+            </a:camera>
+            <a:lightRig rig="threePt" dir="t">
+              <a:rot lat="0" lon="0" rev="1200000"/>
+            </a:lightRig>
+          </a:scene3d>
+          <a:sp3d>
+            <a:bevelT w="63500" h="25400"/>
+          </a:sp3d>
+        </a:effectStyle>
+      </a:effectStyleLst>
+      <a:bgFillStyleLst>
+        <a:solidFill>
+          <a:schemeClr val="phClr"/>
+        </a:solidFill>
+        <a:gradFill rotWithShape="1">
+          <a:gsLst>
+            <a:gs pos="0">
+              <a:schemeClr val="phClr">
+                <a:tint val="40000"/>
+                <a:satMod val="350000"/>
+              </a:schemeClr>
+            </a:gs>
+            <a:gs pos="40000">
+              <a:schemeClr val="phClr">
+                <a:tint val="45000"/>
+                <a:shade val="99000"/>
+                <a:satMod val="350000"/>
+              </a:schemeClr>
+            </a:gs>
+            <a:gs pos="100000">
+              <a:schemeClr val="phClr">
+                <a:shade val="20000"/>
+                <a:satMod val="255000"/>
+              </a:schemeClr>
+            </a:gs>
+          </a:gsLst>
+          <a:path path="circle">
+            <a:fillToRect l="50000" t="-80000" r="50000" b="180000"/>
+          </a:path>
+        </a:gradFill>
+        <a:gradFill rotWithShape="1">
+          <a:gsLst>
+            <a:gs pos="0">
+              <a:schemeClr val="phClr">
+                <a:tint val="80000"/>
+                <a:satMod val="300000"/>
+              </a:schemeClr>
+            </a:gs>
+            <a:gs pos="100000">
+              <a:schemeClr val="phClr">
+                <a:shade val="30000"/>
+                <a:satMod val="200000"/>
+              </a:schemeClr>
+            </a:gs>
+          </a:gsLst>
+          <a:path path="circle">
+            <a:fillToRect l="50000" t="50000" r="50000" b="50000"/>
+          </a:path>
+        </a:gradFill>
+      </a:bgFillStyleLst>
+    </a:fmtScheme>
+  </a:themeElements>
+  <a:objectDefaults>
+    <a:spDef>
+      <a:spPr/>
+      <a:bodyPr/>
+      <a:lstStyle/>
+      <a:style>
+        <a:lnRef idx="1">
+          <a:schemeClr val="accent1"/>
+        </a:lnRef>
+        <a:fillRef idx="3">
+          <a:schemeClr val="accent1"/>
+        </a:fillRef>
+        <a:effectRef idx="2">
+          <a:schemeClr val="accent1"/>
+        </a:effectRef>
+        <a:fontRef idx="minor">
+          <a:schemeClr val="lt1"/>
+        </a:fontRef>
+      </a:style>
+    </a:spDef>
+    <a:lnDef>
+      <a:spPr/>
+      <a:bodyPr/>
+      <a:lstStyle/>
+      <a:style>
+        <a:lnRef idx="2">
+          <a:schemeClr val="accent1"/>
+        </a:lnRef>
+        <a:fillRef idx="0">
+          <a:schemeClr val="accent1"/>
+        </a:fillRef>
+        <a:effectRef idx="1">
+          <a:schemeClr val="accent1"/>
+        </a:effectRef>
+        <a:fontRef idx="minor">
+          <a:schemeClr val="tx1"/>
+        </a:fontRef>
+      </a:style>
+    </a:lnDef>
+  </a:objectDefaults>
+  <a:extraClrSchemeLst/>
+</a:theme>
 </file>